--- a/clinical-research-methodology/modules/5510-99-objectives.pptx
+++ b/clinical-research-methodology/modules/5510-99-objectives.pptx
@@ -3018,7 +3018,223 @@
             </a:pPr>
             <a:r>
               <a:rPr/>
-              <a:t>To</a:t>
+              <a:t>Research</a:t>
+            </a:r>
+            <a:r>
+              <a:rPr/>
+              <a:t> </a:t>
+            </a:r>
+            <a:r>
+              <a:rPr/>
+              <a:t>must</a:t>
+            </a:r>
+            <a:r>
+              <a:rPr/>
+              <a:t> </a:t>
+            </a:r>
+            <a:r>
+              <a:rPr/>
+              <a:t>meet</a:t>
+            </a:r>
+            <a:r>
+              <a:rPr/>
+              <a:t> </a:t>
+            </a:r>
+            <a:r>
+              <a:rPr/>
+              <a:t>some</a:t>
+            </a:r>
+            <a:r>
+              <a:rPr/>
+              <a:t> </a:t>
+            </a:r>
+            <a:r>
+              <a:rPr/>
+              <a:t>very</a:t>
+            </a:r>
+            <a:r>
+              <a:rPr/>
+              <a:t> </a:t>
+            </a:r>
+            <a:r>
+              <a:rPr/>
+              <a:t>strict</a:t>
+            </a:r>
+            <a:r>
+              <a:rPr/>
+              <a:t> </a:t>
+            </a:r>
+            <a:r>
+              <a:rPr/>
+              <a:t>ethical</a:t>
+            </a:r>
+            <a:r>
+              <a:rPr/>
+              <a:t> </a:t>
+            </a:r>
+            <a:r>
+              <a:rPr/>
+              <a:t>standards.</a:t>
+            </a:r>
+            <a:r>
+              <a:rPr/>
+              <a:t> </a:t>
+            </a:r>
+            <a:r>
+              <a:rPr/>
+              <a:t>You</a:t>
+            </a:r>
+            <a:r>
+              <a:rPr/>
+              <a:t> </a:t>
+            </a:r>
+            <a:r>
+              <a:rPr/>
+              <a:t>need</a:t>
+            </a:r>
+            <a:r>
+              <a:rPr/>
+              <a:t> </a:t>
+            </a:r>
+            <a:r>
+              <a:rPr/>
+              <a:t>to</a:t>
+            </a:r>
+            <a:r>
+              <a:rPr/>
+              <a:t> </a:t>
+            </a:r>
+            <a:r>
+              <a:rPr/>
+              <a:t>think</a:t>
+            </a:r>
+            <a:r>
+              <a:rPr/>
+              <a:t> </a:t>
+            </a:r>
+            <a:r>
+              <a:rPr/>
+              <a:t>about</a:t>
+            </a:r>
+            <a:r>
+              <a:rPr/>
+              <a:t> </a:t>
+            </a:r>
+            <a:r>
+              <a:rPr/>
+              <a:t>this</a:t>
+            </a:r>
+            <a:r>
+              <a:rPr/>
+              <a:t> </a:t>
+            </a:r>
+            <a:r>
+              <a:rPr/>
+              <a:t>as</a:t>
+            </a:r>
+            <a:r>
+              <a:rPr/>
+              <a:t> </a:t>
+            </a:r>
+            <a:r>
+              <a:rPr/>
+              <a:t>you</a:t>
+            </a:r>
+            <a:r>
+              <a:rPr/>
+              <a:t> </a:t>
+            </a:r>
+            <a:r>
+              <a:rPr/>
+              <a:t>plan</a:t>
+            </a:r>
+            <a:r>
+              <a:rPr/>
+              <a:t> </a:t>
+            </a:r>
+            <a:r>
+              <a:rPr/>
+              <a:t>your</a:t>
+            </a:r>
+            <a:r>
+              <a:rPr/>
+              <a:t> </a:t>
+            </a:r>
+            <a:r>
+              <a:rPr/>
+              <a:t>research.</a:t>
+            </a:r>
+            <a:r>
+              <a:rPr/>
+              <a:t> </a:t>
+            </a:r>
+            <a:r>
+              <a:rPr/>
+              <a:t>There</a:t>
+            </a:r>
+            <a:r>
+              <a:rPr/>
+              <a:t> </a:t>
+            </a:r>
+            <a:r>
+              <a:rPr/>
+              <a:t>is</a:t>
+            </a:r>
+            <a:r>
+              <a:rPr/>
+              <a:t> </a:t>
+            </a:r>
+            <a:r>
+              <a:rPr/>
+              <a:t>no</a:t>
+            </a:r>
+            <a:r>
+              <a:rPr/>
+              <a:t> </a:t>
+            </a:r>
+            <a:r>
+              <a:rPr/>
+              <a:t>point</a:t>
+            </a:r>
+            <a:r>
+              <a:rPr/>
+              <a:t> </a:t>
+            </a:r>
+            <a:r>
+              <a:rPr/>
+              <a:t>proposing</a:t>
+            </a:r>
+            <a:r>
+              <a:rPr/>
+              <a:t> </a:t>
+            </a:r>
+            <a:r>
+              <a:rPr/>
+              <a:t>research</a:t>
+            </a:r>
+            <a:r>
+              <a:rPr/>
+              <a:t> </a:t>
+            </a:r>
+            <a:r>
+              <a:rPr/>
+              <a:t>that</a:t>
+            </a:r>
+            <a:r>
+              <a:rPr/>
+              <a:t> </a:t>
+            </a:r>
+            <a:r>
+              <a:rPr/>
+              <a:t>would</a:t>
+            </a:r>
+            <a:r>
+              <a:rPr/>
+              <a:t> </a:t>
+            </a:r>
+            <a:r>
+              <a:rPr/>
+              <a:t>not</a:t>
             </a:r>
             <a:r>
               <a:rPr/>
@@ -3034,7 +3250,1731 @@
             </a:r>
             <a:r>
               <a:rPr/>
-              <a:t>added.</a:t>
+              <a:t>approved</a:t>
+            </a:r>
+            <a:r>
+              <a:rPr/>
+              <a:t> </a:t>
+            </a:r>
+            <a:r>
+              <a:rPr/>
+              <a:t>by</a:t>
+            </a:r>
+            <a:r>
+              <a:rPr/>
+              <a:t> </a:t>
+            </a:r>
+            <a:r>
+              <a:rPr/>
+              <a:t>your</a:t>
+            </a:r>
+            <a:r>
+              <a:rPr/>
+              <a:t> </a:t>
+            </a:r>
+            <a:r>
+              <a:rPr/>
+              <a:t>Institutional</a:t>
+            </a:r>
+            <a:r>
+              <a:rPr/>
+              <a:t> </a:t>
+            </a:r>
+            <a:r>
+              <a:rPr/>
+              <a:t>Review</a:t>
+            </a:r>
+            <a:r>
+              <a:rPr/>
+              <a:t> </a:t>
+            </a:r>
+            <a:r>
+              <a:rPr/>
+              <a:t>Board.</a:t>
+            </a:r>
+            <a:r>
+              <a:rPr/>
+              <a:t> </a:t>
+            </a:r>
+            <a:r>
+              <a:rPr/>
+              <a:t>This</a:t>
+            </a:r>
+            <a:r>
+              <a:rPr/>
+              <a:t> </a:t>
+            </a:r>
+            <a:r>
+              <a:rPr/>
+              <a:t>module</a:t>
+            </a:r>
+            <a:r>
+              <a:rPr/>
+              <a:t> </a:t>
+            </a:r>
+            <a:r>
+              <a:rPr/>
+              <a:t>covers</a:t>
+            </a:r>
+            <a:r>
+              <a:rPr/>
+              <a:t> </a:t>
+            </a:r>
+            <a:r>
+              <a:rPr/>
+              <a:t>the</a:t>
+            </a:r>
+            <a:r>
+              <a:rPr/>
+              <a:t> </a:t>
+            </a:r>
+            <a:r>
+              <a:rPr/>
+              <a:t>historical</a:t>
+            </a:r>
+            <a:r>
+              <a:rPr/>
+              <a:t> </a:t>
+            </a:r>
+            <a:r>
+              <a:rPr/>
+              <a:t>events</a:t>
+            </a:r>
+            <a:r>
+              <a:rPr/>
+              <a:t> </a:t>
+            </a:r>
+            <a:r>
+              <a:rPr/>
+              <a:t>that</a:t>
+            </a:r>
+            <a:r>
+              <a:rPr/>
+              <a:t> </a:t>
+            </a:r>
+            <a:r>
+              <a:rPr/>
+              <a:t>helped</a:t>
+            </a:r>
+            <a:r>
+              <a:rPr/>
+              <a:t> </a:t>
+            </a:r>
+            <a:r>
+              <a:rPr/>
+              <a:t>shape</a:t>
+            </a:r>
+            <a:r>
+              <a:rPr/>
+              <a:t> </a:t>
+            </a:r>
+            <a:r>
+              <a:rPr/>
+              <a:t>how</a:t>
+            </a:r>
+            <a:r>
+              <a:rPr/>
+              <a:t> </a:t>
+            </a:r>
+            <a:r>
+              <a:rPr/>
+              <a:t>we</a:t>
+            </a:r>
+            <a:r>
+              <a:rPr/>
+              <a:t> </a:t>
+            </a:r>
+            <a:r>
+              <a:rPr/>
+              <a:t>perceive</a:t>
+            </a:r>
+            <a:r>
+              <a:rPr/>
+              <a:t> </a:t>
+            </a:r>
+            <a:r>
+              <a:rPr/>
+              <a:t>ethical</a:t>
+            </a:r>
+            <a:r>
+              <a:rPr/>
+              <a:t> </a:t>
+            </a:r>
+            <a:r>
+              <a:rPr/>
+              <a:t>conduct</a:t>
+            </a:r>
+            <a:r>
+              <a:rPr/>
+              <a:t> </a:t>
+            </a:r>
+            <a:r>
+              <a:rPr/>
+              <a:t>of</a:t>
+            </a:r>
+            <a:r>
+              <a:rPr/>
+              <a:t> </a:t>
+            </a:r>
+            <a:r>
+              <a:rPr/>
+              <a:t>research</a:t>
+            </a:r>
+            <a:r>
+              <a:rPr/>
+              <a:t> </a:t>
+            </a:r>
+            <a:r>
+              <a:rPr/>
+              <a:t>today.</a:t>
+            </a:r>
+          </a:p>
+          <a:p>
+            <a:pPr lvl="0" marL="0" indent="0">
+              <a:buNone/>
+            </a:pPr>
+          </a:p>
+          <a:p>
+            <a:pPr lvl="0" marL="0" indent="0">
+              <a:buNone/>
+            </a:pPr>
+            <a:r>
+              <a:rPr/>
+              <a:t>Whistle</a:t>
+            </a:r>
+            <a:r>
+              <a:rPr/>
+              <a:t> </a:t>
+            </a:r>
+            <a:r>
+              <a:rPr/>
+              <a:t>blowing</a:t>
+            </a:r>
+            <a:r>
+              <a:rPr/>
+              <a:t> </a:t>
+            </a:r>
+            <a:r>
+              <a:rPr/>
+              <a:t>is</a:t>
+            </a:r>
+            <a:r>
+              <a:rPr/>
+              <a:t> </a:t>
+            </a:r>
+            <a:r>
+              <a:rPr/>
+              <a:t>a</a:t>
+            </a:r>
+            <a:r>
+              <a:rPr/>
+              <a:t> </a:t>
+            </a:r>
+            <a:r>
+              <a:rPr/>
+              <a:t>term</a:t>
+            </a:r>
+            <a:r>
+              <a:rPr/>
+              <a:t> </a:t>
+            </a:r>
+            <a:r>
+              <a:rPr/>
+              <a:t>describing</a:t>
+            </a:r>
+            <a:r>
+              <a:rPr/>
+              <a:t> </a:t>
+            </a:r>
+            <a:r>
+              <a:rPr/>
+              <a:t>an</a:t>
+            </a:r>
+            <a:r>
+              <a:rPr/>
+              <a:t> </a:t>
+            </a:r>
+            <a:r>
+              <a:rPr/>
+              <a:t>individual</a:t>
+            </a:r>
+            <a:r>
+              <a:rPr/>
+              <a:t> </a:t>
+            </a:r>
+            <a:r>
+              <a:rPr/>
+              <a:t>who</a:t>
+            </a:r>
+            <a:r>
+              <a:rPr/>
+              <a:t> </a:t>
+            </a:r>
+            <a:r>
+              <a:rPr/>
+              <a:t>reveals</a:t>
+            </a:r>
+            <a:r>
+              <a:rPr/>
+              <a:t> </a:t>
+            </a:r>
+            <a:r>
+              <a:rPr/>
+              <a:t>fraud</a:t>
+            </a:r>
+            <a:r>
+              <a:rPr/>
+              <a:t> </a:t>
+            </a:r>
+            <a:r>
+              <a:rPr/>
+              <a:t>(in</a:t>
+            </a:r>
+            <a:r>
+              <a:rPr/>
+              <a:t> </a:t>
+            </a:r>
+            <a:r>
+              <a:rPr/>
+              <a:t>our</a:t>
+            </a:r>
+            <a:r>
+              <a:rPr/>
+              <a:t> </a:t>
+            </a:r>
+            <a:r>
+              <a:rPr/>
+              <a:t>case,</a:t>
+            </a:r>
+            <a:r>
+              <a:rPr/>
+              <a:t> </a:t>
+            </a:r>
+            <a:r>
+              <a:rPr/>
+              <a:t>research</a:t>
+            </a:r>
+            <a:r>
+              <a:rPr/>
+              <a:t> </a:t>
+            </a:r>
+            <a:r>
+              <a:rPr/>
+              <a:t>fraud)</a:t>
+            </a:r>
+            <a:r>
+              <a:rPr/>
+              <a:t> </a:t>
+            </a:r>
+            <a:r>
+              <a:rPr/>
+              <a:t>in</a:t>
+            </a:r>
+            <a:r>
+              <a:rPr/>
+              <a:t> </a:t>
+            </a:r>
+            <a:r>
+              <a:rPr/>
+              <a:t>an</a:t>
+            </a:r>
+            <a:r>
+              <a:rPr/>
+              <a:t> </a:t>
+            </a:r>
+            <a:r>
+              <a:rPr/>
+              <a:t>organization.</a:t>
+            </a:r>
+            <a:r>
+              <a:rPr/>
+              <a:t> </a:t>
+            </a:r>
+            <a:r>
+              <a:rPr/>
+              <a:t>If</a:t>
+            </a:r>
+            <a:r>
+              <a:rPr/>
+              <a:t> </a:t>
+            </a:r>
+            <a:r>
+              <a:rPr/>
+              <a:t>you</a:t>
+            </a:r>
+            <a:r>
+              <a:rPr/>
+              <a:t> </a:t>
+            </a:r>
+            <a:r>
+              <a:rPr/>
+              <a:t>encounter</a:t>
+            </a:r>
+            <a:r>
+              <a:rPr/>
+              <a:t> </a:t>
+            </a:r>
+            <a:r>
+              <a:rPr/>
+              <a:t>work</a:t>
+            </a:r>
+            <a:r>
+              <a:rPr/>
+              <a:t> </a:t>
+            </a:r>
+            <a:r>
+              <a:rPr/>
+              <a:t>that</a:t>
+            </a:r>
+            <a:r>
+              <a:rPr/>
+              <a:t> </a:t>
+            </a:r>
+            <a:r>
+              <a:rPr/>
+              <a:t>you</a:t>
+            </a:r>
+            <a:r>
+              <a:rPr/>
+              <a:t> </a:t>
+            </a:r>
+            <a:r>
+              <a:rPr/>
+              <a:t>perceive</a:t>
+            </a:r>
+            <a:r>
+              <a:rPr/>
+              <a:t> </a:t>
+            </a:r>
+            <a:r>
+              <a:rPr/>
+              <a:t>to</a:t>
+            </a:r>
+            <a:r>
+              <a:rPr/>
+              <a:t> </a:t>
+            </a:r>
+            <a:r>
+              <a:rPr/>
+              <a:t>be</a:t>
+            </a:r>
+            <a:r>
+              <a:rPr/>
+              <a:t> </a:t>
+            </a:r>
+            <a:r>
+              <a:rPr/>
+              <a:t>research</a:t>
+            </a:r>
+            <a:r>
+              <a:rPr/>
+              <a:t> </a:t>
+            </a:r>
+            <a:r>
+              <a:rPr/>
+              <a:t>fraud,</a:t>
+            </a:r>
+            <a:r>
+              <a:rPr/>
+              <a:t> </a:t>
+            </a:r>
+            <a:r>
+              <a:rPr/>
+              <a:t>you</a:t>
+            </a:r>
+            <a:r>
+              <a:rPr/>
+              <a:t> </a:t>
+            </a:r>
+            <a:r>
+              <a:rPr/>
+              <a:t>have</a:t>
+            </a:r>
+            <a:r>
+              <a:rPr/>
+              <a:t> </a:t>
+            </a:r>
+            <a:r>
+              <a:rPr/>
+              <a:t>several</a:t>
+            </a:r>
+            <a:r>
+              <a:rPr/>
+              <a:t> </a:t>
+            </a:r>
+            <a:r>
+              <a:rPr/>
+              <a:t>avenues</a:t>
+            </a:r>
+            <a:r>
+              <a:rPr/>
+              <a:t> </a:t>
+            </a:r>
+            <a:r>
+              <a:rPr/>
+              <a:t>that</a:t>
+            </a:r>
+            <a:r>
+              <a:rPr/>
+              <a:t> </a:t>
+            </a:r>
+            <a:r>
+              <a:rPr/>
+              <a:t>you</a:t>
+            </a:r>
+            <a:r>
+              <a:rPr/>
+              <a:t> </a:t>
+            </a:r>
+            <a:r>
+              <a:rPr/>
+              <a:t>can</a:t>
+            </a:r>
+            <a:r>
+              <a:rPr/>
+              <a:t> </a:t>
+            </a:r>
+            <a:r>
+              <a:rPr/>
+              <a:t>pursue</a:t>
+            </a:r>
+            <a:r>
+              <a:rPr/>
+              <a:t> </a:t>
+            </a:r>
+            <a:r>
+              <a:rPr/>
+              <a:t>to</a:t>
+            </a:r>
+            <a:r>
+              <a:rPr/>
+              <a:t> </a:t>
+            </a:r>
+            <a:r>
+              <a:rPr/>
+              <a:t>report</a:t>
+            </a:r>
+            <a:r>
+              <a:rPr/>
+              <a:t> </a:t>
+            </a:r>
+            <a:r>
+              <a:rPr/>
+              <a:t>this</a:t>
+            </a:r>
+            <a:r>
+              <a:rPr/>
+              <a:t> </a:t>
+            </a:r>
+            <a:r>
+              <a:rPr/>
+              <a:t>fraud.</a:t>
+            </a:r>
+            <a:r>
+              <a:rPr/>
+              <a:t> </a:t>
+            </a:r>
+            <a:r>
+              <a:rPr/>
+              <a:t>This</a:t>
+            </a:r>
+            <a:r>
+              <a:rPr/>
+              <a:t> </a:t>
+            </a:r>
+            <a:r>
+              <a:rPr/>
+              <a:t>module</a:t>
+            </a:r>
+            <a:r>
+              <a:rPr/>
+              <a:t> </a:t>
+            </a:r>
+            <a:r>
+              <a:rPr/>
+              <a:t>will</a:t>
+            </a:r>
+            <a:r>
+              <a:rPr/>
+              <a:t> </a:t>
+            </a:r>
+            <a:r>
+              <a:rPr/>
+              <a:t>include</a:t>
+            </a:r>
+            <a:r>
+              <a:rPr/>
+              <a:t> </a:t>
+            </a:r>
+            <a:r>
+              <a:rPr/>
+              <a:t>discussion</a:t>
+            </a:r>
+            <a:r>
+              <a:rPr/>
+              <a:t> </a:t>
+            </a:r>
+            <a:r>
+              <a:rPr/>
+              <a:t>of</a:t>
+            </a:r>
+            <a:r>
+              <a:rPr/>
+              <a:t> </a:t>
+            </a:r>
+            <a:r>
+              <a:rPr/>
+              <a:t>actual</a:t>
+            </a:r>
+            <a:r>
+              <a:rPr/>
+              <a:t> </a:t>
+            </a:r>
+            <a:r>
+              <a:rPr/>
+              <a:t>cases</a:t>
+            </a:r>
+            <a:r>
+              <a:rPr/>
+              <a:t> </a:t>
+            </a:r>
+            <a:r>
+              <a:rPr/>
+              <a:t>of</a:t>
+            </a:r>
+            <a:r>
+              <a:rPr/>
+              <a:t> </a:t>
+            </a:r>
+            <a:r>
+              <a:rPr/>
+              <a:t>whistle</a:t>
+            </a:r>
+            <a:r>
+              <a:rPr/>
+              <a:t> </a:t>
+            </a:r>
+            <a:r>
+              <a:rPr/>
+              <a:t>blowing.</a:t>
+            </a:r>
+          </a:p>
+          <a:p>
+            <a:pPr lvl="0" marL="0" indent="0">
+              <a:buNone/>
+            </a:pPr>
+          </a:p>
+          <a:p>
+            <a:pPr lvl="0" marL="0" indent="0">
+              <a:buNone/>
+            </a:pPr>
+            <a:r>
+              <a:rPr/>
+              <a:t>Start</a:t>
+            </a:r>
+            <a:r>
+              <a:rPr/>
+              <a:t> </a:t>
+            </a:r>
+            <a:r>
+              <a:rPr/>
+              <a:t>thinking</a:t>
+            </a:r>
+            <a:r>
+              <a:rPr/>
+              <a:t> </a:t>
+            </a:r>
+            <a:r>
+              <a:rPr/>
+              <a:t>about</a:t>
+            </a:r>
+            <a:r>
+              <a:rPr/>
+              <a:t> </a:t>
+            </a:r>
+            <a:r>
+              <a:rPr/>
+              <a:t>a</a:t>
+            </a:r>
+            <a:r>
+              <a:rPr/>
+              <a:t> </a:t>
+            </a:r>
+            <a:r>
+              <a:rPr/>
+              <a:t>research</a:t>
+            </a:r>
+            <a:r>
+              <a:rPr/>
+              <a:t> </a:t>
+            </a:r>
+            <a:r>
+              <a:rPr/>
+              <a:t>problem</a:t>
+            </a:r>
+            <a:r>
+              <a:rPr/>
+              <a:t> </a:t>
+            </a:r>
+            <a:r>
+              <a:rPr/>
+              <a:t>that</a:t>
+            </a:r>
+            <a:r>
+              <a:rPr/>
+              <a:t> </a:t>
+            </a:r>
+            <a:r>
+              <a:rPr/>
+              <a:t>you</a:t>
+            </a:r>
+            <a:r>
+              <a:rPr/>
+              <a:t> </a:t>
+            </a:r>
+            <a:r>
+              <a:rPr/>
+              <a:t>might</a:t>
+            </a:r>
+            <a:r>
+              <a:rPr/>
+              <a:t> </a:t>
+            </a:r>
+            <a:r>
+              <a:rPr/>
+              <a:t>want</a:t>
+            </a:r>
+            <a:r>
+              <a:rPr/>
+              <a:t> </a:t>
+            </a:r>
+            <a:r>
+              <a:rPr/>
+              <a:t>to</a:t>
+            </a:r>
+            <a:r>
+              <a:rPr/>
+              <a:t> </a:t>
+            </a:r>
+            <a:r>
+              <a:rPr/>
+              <a:t>develop</a:t>
+            </a:r>
+            <a:r>
+              <a:rPr/>
+              <a:t> </a:t>
+            </a:r>
+            <a:r>
+              <a:rPr/>
+              <a:t>a</a:t>
+            </a:r>
+            <a:r>
+              <a:rPr/>
+              <a:t> </a:t>
+            </a:r>
+            <a:r>
+              <a:rPr/>
+              <a:t>research</a:t>
+            </a:r>
+            <a:r>
+              <a:rPr/>
+              <a:t> </a:t>
+            </a:r>
+            <a:r>
+              <a:rPr/>
+              <a:t>plan</a:t>
+            </a:r>
+            <a:r>
+              <a:rPr/>
+              <a:t> </a:t>
+            </a:r>
+            <a:r>
+              <a:rPr/>
+              <a:t>for.</a:t>
+            </a:r>
+            <a:r>
+              <a:rPr/>
+              <a:t> </a:t>
+            </a:r>
+            <a:r>
+              <a:rPr/>
+              <a:t>It</a:t>
+            </a:r>
+            <a:r>
+              <a:rPr/>
+              <a:t> </a:t>
+            </a:r>
+            <a:r>
+              <a:rPr/>
+              <a:t>could</a:t>
+            </a:r>
+            <a:r>
+              <a:rPr/>
+              <a:t> </a:t>
+            </a:r>
+            <a:r>
+              <a:rPr/>
+              <a:t>be</a:t>
+            </a:r>
+            <a:r>
+              <a:rPr/>
+              <a:t> </a:t>
+            </a:r>
+            <a:r>
+              <a:rPr/>
+              <a:t>what</a:t>
+            </a:r>
+            <a:r>
+              <a:rPr/>
+              <a:t> </a:t>
+            </a:r>
+            <a:r>
+              <a:rPr/>
+              <a:t>you</a:t>
+            </a:r>
+            <a:r>
+              <a:rPr/>
+              <a:t> </a:t>
+            </a:r>
+            <a:r>
+              <a:rPr/>
+              <a:t>anticipate</a:t>
+            </a:r>
+            <a:r>
+              <a:rPr/>
+              <a:t> </a:t>
+            </a:r>
+            <a:r>
+              <a:rPr/>
+              <a:t>you</a:t>
+            </a:r>
+            <a:r>
+              <a:rPr/>
+              <a:t> </a:t>
+            </a:r>
+            <a:r>
+              <a:rPr/>
+              <a:t>working</a:t>
+            </a:r>
+            <a:r>
+              <a:rPr/>
+              <a:t> </a:t>
+            </a:r>
+            <a:r>
+              <a:rPr/>
+              <a:t>on</a:t>
+            </a:r>
+            <a:r>
+              <a:rPr/>
+              <a:t> </a:t>
+            </a:r>
+            <a:r>
+              <a:rPr/>
+              <a:t>when</a:t>
+            </a:r>
+            <a:r>
+              <a:rPr/>
+              <a:t> </a:t>
+            </a:r>
+            <a:r>
+              <a:rPr/>
+              <a:t>you</a:t>
+            </a:r>
+            <a:r>
+              <a:rPr/>
+              <a:t> </a:t>
+            </a:r>
+            <a:r>
+              <a:rPr/>
+              <a:t>get</a:t>
+            </a:r>
+            <a:r>
+              <a:rPr/>
+              <a:t> </a:t>
+            </a:r>
+            <a:r>
+              <a:rPr/>
+              <a:t>to</a:t>
+            </a:r>
+            <a:r>
+              <a:rPr/>
+              <a:t> </a:t>
+            </a:r>
+            <a:r>
+              <a:rPr/>
+              <a:t>your</a:t>
+            </a:r>
+            <a:r>
+              <a:rPr/>
+              <a:t> </a:t>
+            </a:r>
+            <a:r>
+              <a:rPr/>
+              <a:t>capstone</a:t>
+            </a:r>
+            <a:r>
+              <a:rPr/>
+              <a:t> </a:t>
+            </a:r>
+            <a:r>
+              <a:rPr/>
+              <a:t>project,</a:t>
+            </a:r>
+            <a:r>
+              <a:rPr/>
+              <a:t> </a:t>
+            </a:r>
+            <a:r>
+              <a:rPr/>
+              <a:t>thesis,</a:t>
+            </a:r>
+            <a:r>
+              <a:rPr/>
+              <a:t> </a:t>
+            </a:r>
+            <a:r>
+              <a:rPr/>
+              <a:t>or</a:t>
+            </a:r>
+            <a:r>
+              <a:rPr/>
+              <a:t> </a:t>
+            </a:r>
+            <a:r>
+              <a:rPr/>
+              <a:t>dissertation.</a:t>
+            </a:r>
+            <a:r>
+              <a:rPr/>
+              <a:t> </a:t>
+            </a:r>
+            <a:r>
+              <a:rPr/>
+              <a:t>But</a:t>
+            </a:r>
+            <a:r>
+              <a:rPr/>
+              <a:t> </a:t>
+            </a:r>
+            <a:r>
+              <a:rPr/>
+              <a:t>if</a:t>
+            </a:r>
+            <a:r>
+              <a:rPr/>
+              <a:t> </a:t>
+            </a:r>
+            <a:r>
+              <a:rPr/>
+              <a:t>you</a:t>
+            </a:r>
+            <a:r>
+              <a:rPr/>
+              <a:t> </a:t>
+            </a:r>
+            <a:r>
+              <a:rPr/>
+              <a:t>don’t</a:t>
+            </a:r>
+            <a:r>
+              <a:rPr/>
+              <a:t> </a:t>
+            </a:r>
+            <a:r>
+              <a:rPr/>
+              <a:t>know</a:t>
+            </a:r>
+            <a:r>
+              <a:rPr/>
+              <a:t> </a:t>
+            </a:r>
+            <a:r>
+              <a:rPr/>
+              <a:t>yet</a:t>
+            </a:r>
+            <a:r>
+              <a:rPr/>
+              <a:t> </a:t>
+            </a:r>
+            <a:r>
+              <a:rPr/>
+              <a:t>what</a:t>
+            </a:r>
+            <a:r>
+              <a:rPr/>
+              <a:t> </a:t>
+            </a:r>
+            <a:r>
+              <a:rPr/>
+              <a:t>you</a:t>
+            </a:r>
+            <a:r>
+              <a:rPr/>
+              <a:t> </a:t>
+            </a:r>
+            <a:r>
+              <a:rPr/>
+              <a:t>plan</a:t>
+            </a:r>
+            <a:r>
+              <a:rPr/>
+              <a:t> </a:t>
+            </a:r>
+            <a:r>
+              <a:rPr/>
+              <a:t>to</a:t>
+            </a:r>
+            <a:r>
+              <a:rPr/>
+              <a:t> </a:t>
+            </a:r>
+            <a:r>
+              <a:rPr/>
+              <a:t>work</a:t>
+            </a:r>
+            <a:r>
+              <a:rPr/>
+              <a:t> </a:t>
+            </a:r>
+            <a:r>
+              <a:rPr/>
+              <a:t>on,</a:t>
+            </a:r>
+            <a:r>
+              <a:rPr/>
+              <a:t> </a:t>
+            </a:r>
+            <a:r>
+              <a:rPr/>
+              <a:t>or</a:t>
+            </a:r>
+            <a:r>
+              <a:rPr/>
+              <a:t> </a:t>
+            </a:r>
+            <a:r>
+              <a:rPr/>
+              <a:t>if</a:t>
+            </a:r>
+            <a:r>
+              <a:rPr/>
+              <a:t> </a:t>
+            </a:r>
+            <a:r>
+              <a:rPr/>
+              <a:t>your</a:t>
+            </a:r>
+            <a:r>
+              <a:rPr/>
+              <a:t> </a:t>
+            </a:r>
+            <a:r>
+              <a:rPr/>
+              <a:t>degree</a:t>
+            </a:r>
+            <a:r>
+              <a:rPr/>
+              <a:t> </a:t>
+            </a:r>
+            <a:r>
+              <a:rPr/>
+              <a:t>program</a:t>
+            </a:r>
+            <a:r>
+              <a:rPr/>
+              <a:t> </a:t>
+            </a:r>
+            <a:r>
+              <a:rPr/>
+              <a:t>does</a:t>
+            </a:r>
+            <a:r>
+              <a:rPr/>
+              <a:t> </a:t>
+            </a:r>
+            <a:r>
+              <a:rPr/>
+              <a:t>not</a:t>
+            </a:r>
+            <a:r>
+              <a:rPr/>
+              <a:t> </a:t>
+            </a:r>
+            <a:r>
+              <a:rPr/>
+              <a:t>require</a:t>
+            </a:r>
+            <a:r>
+              <a:rPr/>
+              <a:t> </a:t>
+            </a:r>
+            <a:r>
+              <a:rPr/>
+              <a:t>a</a:t>
+            </a:r>
+            <a:r>
+              <a:rPr/>
+              <a:t> </a:t>
+            </a:r>
+            <a:r>
+              <a:rPr/>
+              <a:t>capstone,</a:t>
+            </a:r>
+            <a:r>
+              <a:rPr/>
+              <a:t> </a:t>
+            </a:r>
+            <a:r>
+              <a:rPr/>
+              <a:t>thesis,</a:t>
+            </a:r>
+            <a:r>
+              <a:rPr/>
+              <a:t> </a:t>
+            </a:r>
+            <a:r>
+              <a:rPr/>
+              <a:t>or</a:t>
+            </a:r>
+            <a:r>
+              <a:rPr/>
+              <a:t> </a:t>
+            </a:r>
+            <a:r>
+              <a:rPr/>
+              <a:t>dissertation,</a:t>
+            </a:r>
+            <a:r>
+              <a:rPr/>
+              <a:t> </a:t>
+            </a:r>
+            <a:r>
+              <a:rPr/>
+              <a:t>just</a:t>
+            </a:r>
+            <a:r>
+              <a:rPr/>
+              <a:t> </a:t>
+            </a:r>
+            <a:r>
+              <a:rPr/>
+              <a:t>pick</a:t>
+            </a:r>
+            <a:r>
+              <a:rPr/>
+              <a:t> </a:t>
+            </a:r>
+            <a:r>
+              <a:rPr/>
+              <a:t>a</a:t>
+            </a:r>
+            <a:r>
+              <a:rPr/>
+              <a:t> </a:t>
+            </a:r>
+            <a:r>
+              <a:rPr/>
+              <a:t>topic</a:t>
+            </a:r>
+            <a:r>
+              <a:rPr/>
+              <a:t> </a:t>
+            </a:r>
+            <a:r>
+              <a:rPr/>
+              <a:t>that</a:t>
+            </a:r>
+            <a:r>
+              <a:rPr/>
+              <a:t> </a:t>
+            </a:r>
+            <a:r>
+              <a:rPr/>
+              <a:t>think</a:t>
+            </a:r>
+            <a:r>
+              <a:rPr/>
+              <a:t> </a:t>
+            </a:r>
+            <a:r>
+              <a:rPr/>
+              <a:t>would</a:t>
+            </a:r>
+            <a:r>
+              <a:rPr/>
+              <a:t> </a:t>
+            </a:r>
+            <a:r>
+              <a:rPr/>
+              <a:t>be</a:t>
+            </a:r>
+            <a:r>
+              <a:rPr/>
+              <a:t> </a:t>
+            </a:r>
+            <a:r>
+              <a:rPr/>
+              <a:t>fun</a:t>
+            </a:r>
+            <a:r>
+              <a:rPr/>
+              <a:t> </a:t>
+            </a:r>
+            <a:r>
+              <a:rPr/>
+              <a:t>and</a:t>
+            </a:r>
+            <a:r>
+              <a:rPr/>
+              <a:t> </a:t>
+            </a:r>
+            <a:r>
+              <a:rPr/>
+              <a:t>interesting</a:t>
+            </a:r>
+            <a:r>
+              <a:rPr/>
+              <a:t> </a:t>
+            </a:r>
+            <a:r>
+              <a:rPr/>
+              <a:t>to</a:t>
+            </a:r>
+            <a:r>
+              <a:rPr/>
+              <a:t> </a:t>
+            </a:r>
+            <a:r>
+              <a:rPr/>
+              <a:t>explore.</a:t>
+            </a:r>
+            <a:r>
+              <a:rPr/>
+              <a:t> </a:t>
+            </a:r>
+            <a:r>
+              <a:rPr/>
+              <a:t>By</a:t>
+            </a:r>
+            <a:r>
+              <a:rPr/>
+              <a:t> </a:t>
+            </a:r>
+            <a:r>
+              <a:rPr/>
+              <a:t>the</a:t>
+            </a:r>
+            <a:r>
+              <a:rPr/>
+              <a:t> </a:t>
+            </a:r>
+            <a:r>
+              <a:rPr/>
+              <a:t>middle</a:t>
+            </a:r>
+            <a:r>
+              <a:rPr/>
+              <a:t> </a:t>
+            </a:r>
+            <a:r>
+              <a:rPr/>
+              <a:t>of</a:t>
+            </a:r>
+            <a:r>
+              <a:rPr/>
+              <a:t> </a:t>
+            </a:r>
+            <a:r>
+              <a:rPr/>
+              <a:t>the</a:t>
+            </a:r>
+            <a:r>
+              <a:rPr/>
+              <a:t> </a:t>
+            </a:r>
+            <a:r>
+              <a:rPr/>
+              <a:t>semester,</a:t>
+            </a:r>
+            <a:r>
+              <a:rPr/>
+              <a:t> </a:t>
+            </a:r>
+            <a:r>
+              <a:rPr/>
+              <a:t>I</a:t>
+            </a:r>
+            <a:r>
+              <a:rPr/>
+              <a:t> </a:t>
+            </a:r>
+            <a:r>
+              <a:rPr/>
+              <a:t>need</a:t>
+            </a:r>
+            <a:r>
+              <a:rPr/>
+              <a:t> </a:t>
+            </a:r>
+            <a:r>
+              <a:rPr/>
+              <a:t>you</a:t>
+            </a:r>
+            <a:r>
+              <a:rPr/>
+              <a:t> </a:t>
+            </a:r>
+            <a:r>
+              <a:rPr/>
+              <a:t>to</a:t>
+            </a:r>
+            <a:r>
+              <a:rPr/>
+              <a:t> </a:t>
+            </a:r>
+            <a:r>
+              <a:rPr/>
+              <a:t>produce</a:t>
+            </a:r>
+            <a:r>
+              <a:rPr/>
+              <a:t> </a:t>
+            </a:r>
+            <a:r>
+              <a:rPr/>
+              <a:t>a</a:t>
+            </a:r>
+            <a:r>
+              <a:rPr/>
+              <a:t> </a:t>
+            </a:r>
+            <a:r>
+              <a:rPr/>
+              <a:t>literature</a:t>
+            </a:r>
+            <a:r>
+              <a:rPr/>
+              <a:t> </a:t>
+            </a:r>
+            <a:r>
+              <a:rPr/>
+              <a:t>review</a:t>
+            </a:r>
+            <a:r>
+              <a:rPr/>
+              <a:t> </a:t>
+            </a:r>
+            <a:r>
+              <a:rPr/>
+              <a:t>associated</a:t>
+            </a:r>
+            <a:r>
+              <a:rPr/>
+              <a:t> </a:t>
+            </a:r>
+            <a:r>
+              <a:rPr/>
+              <a:t>with</a:t>
+            </a:r>
+            <a:r>
+              <a:rPr/>
+              <a:t> </a:t>
+            </a:r>
+            <a:r>
+              <a:rPr/>
+              <a:t>your</a:t>
+            </a:r>
+            <a:r>
+              <a:rPr/>
+              <a:t> </a:t>
+            </a:r>
+            <a:r>
+              <a:rPr/>
+              <a:t>research</a:t>
+            </a:r>
+            <a:r>
+              <a:rPr/>
+              <a:t> </a:t>
+            </a:r>
+            <a:r>
+              <a:rPr/>
+              <a:t>problem.</a:t>
+            </a:r>
+            <a:r>
+              <a:rPr/>
+              <a:t> </a:t>
+            </a:r>
+            <a:r>
+              <a:rPr/>
+              <a:t>By</a:t>
+            </a:r>
+            <a:r>
+              <a:rPr/>
+              <a:t> </a:t>
+            </a:r>
+            <a:r>
+              <a:rPr/>
+              <a:t>the</a:t>
+            </a:r>
+            <a:r>
+              <a:rPr/>
+              <a:t> </a:t>
+            </a:r>
+            <a:r>
+              <a:rPr/>
+              <a:t>end</a:t>
+            </a:r>
+            <a:r>
+              <a:rPr/>
+              <a:t> </a:t>
+            </a:r>
+            <a:r>
+              <a:rPr/>
+              <a:t>of</a:t>
+            </a:r>
+            <a:r>
+              <a:rPr/>
+              <a:t> </a:t>
+            </a:r>
+            <a:r>
+              <a:rPr/>
+              <a:t>the</a:t>
+            </a:r>
+            <a:r>
+              <a:rPr/>
+              <a:t> </a:t>
+            </a:r>
+            <a:r>
+              <a:rPr/>
+              <a:t>semester,</a:t>
+            </a:r>
+            <a:r>
+              <a:rPr/>
+              <a:t> </a:t>
+            </a:r>
+            <a:r>
+              <a:rPr/>
+              <a:t>I</a:t>
+            </a:r>
+            <a:r>
+              <a:rPr/>
+              <a:t> </a:t>
+            </a:r>
+            <a:r>
+              <a:rPr/>
+              <a:t>need</a:t>
+            </a:r>
+            <a:r>
+              <a:rPr/>
+              <a:t> </a:t>
+            </a:r>
+            <a:r>
+              <a:rPr/>
+              <a:t>you</a:t>
+            </a:r>
+            <a:r>
+              <a:rPr/>
+              <a:t> </a:t>
+            </a:r>
+            <a:r>
+              <a:rPr/>
+              <a:t>to</a:t>
+            </a:r>
+            <a:r>
+              <a:rPr/>
+              <a:t> </a:t>
+            </a:r>
+            <a:r>
+              <a:rPr/>
+              <a:t>produce</a:t>
+            </a:r>
+            <a:r>
+              <a:rPr/>
+              <a:t> </a:t>
+            </a:r>
+            <a:r>
+              <a:rPr/>
+              <a:t>an</a:t>
+            </a:r>
+            <a:r>
+              <a:rPr/>
+              <a:t> </a:t>
+            </a:r>
+            <a:r>
+              <a:rPr/>
+              <a:t>updated</a:t>
+            </a:r>
+            <a:r>
+              <a:rPr/>
+              <a:t> </a:t>
+            </a:r>
+            <a:r>
+              <a:rPr/>
+              <a:t>literature</a:t>
+            </a:r>
+            <a:r>
+              <a:rPr/>
+              <a:t> </a:t>
+            </a:r>
+            <a:r>
+              <a:rPr/>
+              <a:t>review,</a:t>
+            </a:r>
+            <a:r>
+              <a:rPr/>
+              <a:t> </a:t>
+            </a:r>
+            <a:r>
+              <a:rPr/>
+              <a:t>based</a:t>
+            </a:r>
+            <a:r>
+              <a:rPr/>
+              <a:t> </a:t>
+            </a:r>
+            <a:r>
+              <a:rPr/>
+              <a:t>on</a:t>
+            </a:r>
+            <a:r>
+              <a:rPr/>
+              <a:t> </a:t>
+            </a:r>
+            <a:r>
+              <a:rPr/>
+              <a:t>the</a:t>
+            </a:r>
+            <a:r>
+              <a:rPr/>
+              <a:t> </a:t>
+            </a:r>
+            <a:r>
+              <a:rPr/>
+              <a:t>feedback</a:t>
+            </a:r>
+            <a:r>
+              <a:rPr/>
+              <a:t> </a:t>
+            </a:r>
+            <a:r>
+              <a:rPr/>
+              <a:t>that</a:t>
+            </a:r>
+            <a:r>
+              <a:rPr/>
+              <a:t> </a:t>
+            </a:r>
+            <a:r>
+              <a:rPr/>
+              <a:t>you</a:t>
+            </a:r>
+            <a:r>
+              <a:rPr/>
+              <a:t> </a:t>
+            </a:r>
+            <a:r>
+              <a:rPr/>
+              <a:t>get</a:t>
+            </a:r>
+            <a:r>
+              <a:rPr/>
+              <a:t> </a:t>
+            </a:r>
+            <a:r>
+              <a:rPr/>
+              <a:t>plus</a:t>
+            </a:r>
+            <a:r>
+              <a:rPr/>
+              <a:t> </a:t>
+            </a:r>
+            <a:r>
+              <a:rPr/>
+              <a:t>a</a:t>
+            </a:r>
+            <a:r>
+              <a:rPr/>
+              <a:t> </a:t>
+            </a:r>
+            <a:r>
+              <a:rPr/>
+              <a:t>methods</a:t>
+            </a:r>
+            <a:r>
+              <a:rPr/>
+              <a:t> </a:t>
+            </a:r>
+            <a:r>
+              <a:rPr/>
+              <a:t>section.</a:t>
+            </a:r>
+            <a:r>
+              <a:rPr/>
+              <a:t> </a:t>
+            </a:r>
+            <a:r>
+              <a:rPr/>
+              <a:t>These</a:t>
+            </a:r>
+            <a:r>
+              <a:rPr/>
+              <a:t> </a:t>
+            </a:r>
+            <a:r>
+              <a:rPr/>
+              <a:t>two</a:t>
+            </a:r>
+            <a:r>
+              <a:rPr/>
+              <a:t> </a:t>
+            </a:r>
+            <a:r>
+              <a:rPr/>
+              <a:t>assignments</a:t>
+            </a:r>
+            <a:r>
+              <a:rPr/>
+              <a:t> </a:t>
+            </a:r>
+            <a:r>
+              <a:rPr/>
+              <a:t>will</a:t>
+            </a:r>
+            <a:r>
+              <a:rPr/>
+              <a:t> </a:t>
+            </a:r>
+            <a:r>
+              <a:rPr/>
+              <a:t>form</a:t>
+            </a:r>
+            <a:r>
+              <a:rPr/>
+              <a:t> </a:t>
+            </a:r>
+            <a:r>
+              <a:rPr/>
+              <a:t>the</a:t>
+            </a:r>
+            <a:r>
+              <a:rPr/>
+              <a:t> </a:t>
+            </a:r>
+            <a:r>
+              <a:rPr/>
+              <a:t>bulk</a:t>
+            </a:r>
+            <a:r>
+              <a:rPr/>
+              <a:t> </a:t>
+            </a:r>
+            <a:r>
+              <a:rPr/>
+              <a:t>of</a:t>
+            </a:r>
+            <a:r>
+              <a:rPr/>
+              <a:t> </a:t>
+            </a:r>
+            <a:r>
+              <a:rPr/>
+              <a:t>your</a:t>
+            </a:r>
+            <a:r>
+              <a:rPr/>
+              <a:t> </a:t>
+            </a:r>
+            <a:r>
+              <a:rPr/>
+              <a:t>grade.</a:t>
+            </a:r>
+            <a:r>
+              <a:rPr/>
+              <a:t> </a:t>
+            </a:r>
+            <a:r>
+              <a:rPr/>
+              <a:t>You</a:t>
+            </a:r>
+            <a:r>
+              <a:rPr/>
+              <a:t> </a:t>
+            </a:r>
+            <a:r>
+              <a:rPr/>
+              <a:t>will</a:t>
+            </a:r>
+            <a:r>
+              <a:rPr/>
+              <a:t> </a:t>
+            </a:r>
+            <a:r>
+              <a:rPr/>
+              <a:t>hear</a:t>
+            </a:r>
+            <a:r>
+              <a:rPr/>
+              <a:t> </a:t>
+            </a:r>
+            <a:r>
+              <a:rPr/>
+              <a:t>more</a:t>
+            </a:r>
+            <a:r>
+              <a:rPr/>
+              <a:t> </a:t>
+            </a:r>
+            <a:r>
+              <a:rPr/>
+              <a:t>about</a:t>
+            </a:r>
+            <a:r>
+              <a:rPr/>
+              <a:t> </a:t>
+            </a:r>
+            <a:r>
+              <a:rPr/>
+              <a:t>these</a:t>
+            </a:r>
+            <a:r>
+              <a:rPr/>
+              <a:t> </a:t>
+            </a:r>
+            <a:r>
+              <a:rPr/>
+              <a:t>assignments</a:t>
+            </a:r>
+            <a:r>
+              <a:rPr/>
+              <a:t> </a:t>
+            </a:r>
+            <a:r>
+              <a:rPr/>
+              <a:t>in</a:t>
+            </a:r>
+            <a:r>
+              <a:rPr/>
+              <a:t> </a:t>
+            </a:r>
+            <a:r>
+              <a:rPr/>
+              <a:t>the</a:t>
+            </a:r>
+            <a:r>
+              <a:rPr/>
+              <a:t> </a:t>
+            </a:r>
+            <a:r>
+              <a:rPr/>
+              <a:t>upcoming</a:t>
+            </a:r>
+            <a:r>
+              <a:rPr/>
+              <a:t> </a:t>
+            </a:r>
+            <a:r>
+              <a:rPr/>
+              <a:t>weeks.</a:t>
             </a:r>
           </a:p>
         </p:txBody>

--- a/clinical-research-methodology/modules/5510-99-objectives.pptx
+++ b/clinical-research-methodology/modules/5510-99-objectives.pptx
@@ -1,11 +1,11 @@
 
 <file path=ppt/presentation.xml><?xml version="1.0" encoding="utf-8"?>
-<p:presentation xmlns:a="http://schemas.openxmlformats.org/drawingml/2006/main" xmlns:r="http://schemas.openxmlformats.org/officeDocument/2006/relationships" xmlns:p="http://schemas.openxmlformats.org/presentationml/2006/main" saveSubsetFonts="1" autoCompressPictures="0">
+<p:presentation xmlns:a="http://schemas.openxmlformats.org/drawingml/2006/main" xmlns:p="http://schemas.openxmlformats.org/presentationml/2006/main" xmlns:r="http://schemas.openxmlformats.org/officeDocument/2006/relationships" autoCompressPictures="0" saveSubsetFonts="1">
   <p:sldMasterIdLst>
     <p:sldMasterId id="2147483648" r:id="rId1"/>
   </p:sldMasterIdLst>
   <p:notesMasterIdLst>
-    <p:NotesMasterId r:id="rId16"/>
+    <p:NotesMasterId r:id="rId17"/>
   </p:notesMasterIdLst>
   <p:sldIdLst>
     <p:sldId id="256" r:id="rId2"/>
@@ -22,6 +22,7 @@
     <p:sldId id="267" r:id="rId13"/>
     <p:sldId id="268" r:id="rId14"/>
     <p:sldId id="269" r:id="rId15"/>
+    <p:sldId id="270" r:id="rId16"/>
   </p:sldIdLst>
   <p:sldSz cx="9144000" cy="6858000" type="screen4x3"/>
   <p:notesSz cx="6858000" cy="9144000"/>
@@ -29,8 +30,8 @@
     <a:defPPr>
       <a:defRPr lang="en-US"/>
     </a:defPPr>
-    <a:lvl1pPr marL="0" algn="l" defTabSz="457200" rtl="0" eaLnBrk="1" latinLnBrk="0" hangingPunct="1">
-      <a:defRPr sz="1800" kern="1200">
+    <a:lvl1pPr algn="l" defTabSz="457200" eaLnBrk="1" hangingPunct="1" latinLnBrk="0" marL="0" rtl="0">
+      <a:defRPr kern="1200" sz="1800">
         <a:solidFill>
           <a:schemeClr val="tx1"/>
         </a:solidFill>
@@ -39,8 +40,8 @@
         <a:cs typeface="+mn-cs"/>
       </a:defRPr>
     </a:lvl1pPr>
-    <a:lvl2pPr marL="457200" algn="l" defTabSz="457200" rtl="0" eaLnBrk="1" latinLnBrk="0" hangingPunct="1">
-      <a:defRPr sz="1800" kern="1200">
+    <a:lvl2pPr algn="l" defTabSz="457200" eaLnBrk="1" hangingPunct="1" latinLnBrk="0" marL="457200" rtl="0">
+      <a:defRPr kern="1200" sz="1800">
         <a:solidFill>
           <a:schemeClr val="tx1"/>
         </a:solidFill>
@@ -49,8 +50,8 @@
         <a:cs typeface="+mn-cs"/>
       </a:defRPr>
     </a:lvl2pPr>
-    <a:lvl3pPr marL="914400" algn="l" defTabSz="457200" rtl="0" eaLnBrk="1" latinLnBrk="0" hangingPunct="1">
-      <a:defRPr sz="1800" kern="1200">
+    <a:lvl3pPr algn="l" defTabSz="457200" eaLnBrk="1" hangingPunct="1" latinLnBrk="0" marL="914400" rtl="0">
+      <a:defRPr kern="1200" sz="1800">
         <a:solidFill>
           <a:schemeClr val="tx1"/>
         </a:solidFill>
@@ -59,8 +60,8 @@
         <a:cs typeface="+mn-cs"/>
       </a:defRPr>
     </a:lvl3pPr>
-    <a:lvl4pPr marL="1371600" algn="l" defTabSz="457200" rtl="0" eaLnBrk="1" latinLnBrk="0" hangingPunct="1">
-      <a:defRPr sz="1800" kern="1200">
+    <a:lvl4pPr algn="l" defTabSz="457200" eaLnBrk="1" hangingPunct="1" latinLnBrk="0" marL="1371600" rtl="0">
+      <a:defRPr kern="1200" sz="1800">
         <a:solidFill>
           <a:schemeClr val="tx1"/>
         </a:solidFill>
@@ -69,8 +70,8 @@
         <a:cs typeface="+mn-cs"/>
       </a:defRPr>
     </a:lvl4pPr>
-    <a:lvl5pPr marL="1828800" algn="l" defTabSz="457200" rtl="0" eaLnBrk="1" latinLnBrk="0" hangingPunct="1">
-      <a:defRPr sz="1800" kern="1200">
+    <a:lvl5pPr algn="l" defTabSz="457200" eaLnBrk="1" hangingPunct="1" latinLnBrk="0" marL="1828800" rtl="0">
+      <a:defRPr kern="1200" sz="1800">
         <a:solidFill>
           <a:schemeClr val="tx1"/>
         </a:solidFill>
@@ -79,8 +80,8 @@
         <a:cs typeface="+mn-cs"/>
       </a:defRPr>
     </a:lvl5pPr>
-    <a:lvl6pPr marL="2286000" algn="l" defTabSz="457200" rtl="0" eaLnBrk="1" latinLnBrk="0" hangingPunct="1">
-      <a:defRPr sz="1800" kern="1200">
+    <a:lvl6pPr algn="l" defTabSz="457200" eaLnBrk="1" hangingPunct="1" latinLnBrk="0" marL="2286000" rtl="0">
+      <a:defRPr kern="1200" sz="1800">
         <a:solidFill>
           <a:schemeClr val="tx1"/>
         </a:solidFill>
@@ -89,8 +90,8 @@
         <a:cs typeface="+mn-cs"/>
       </a:defRPr>
     </a:lvl6pPr>
-    <a:lvl7pPr marL="2743200" algn="l" defTabSz="457200" rtl="0" eaLnBrk="1" latinLnBrk="0" hangingPunct="1">
-      <a:defRPr sz="1800" kern="1200">
+    <a:lvl7pPr algn="l" defTabSz="457200" eaLnBrk="1" hangingPunct="1" latinLnBrk="0" marL="2743200" rtl="0">
+      <a:defRPr kern="1200" sz="1800">
         <a:solidFill>
           <a:schemeClr val="tx1"/>
         </a:solidFill>
@@ -99,8 +100,8 @@
         <a:cs typeface="+mn-cs"/>
       </a:defRPr>
     </a:lvl7pPr>
-    <a:lvl8pPr marL="3200400" algn="l" defTabSz="457200" rtl="0" eaLnBrk="1" latinLnBrk="0" hangingPunct="1">
-      <a:defRPr sz="1800" kern="1200">
+    <a:lvl8pPr algn="l" defTabSz="457200" eaLnBrk="1" hangingPunct="1" latinLnBrk="0" marL="3200400" rtl="0">
+      <a:defRPr kern="1200" sz="1800">
         <a:solidFill>
           <a:schemeClr val="tx1"/>
         </a:solidFill>
@@ -109,8 +110,8 @@
         <a:cs typeface="+mn-cs"/>
       </a:defRPr>
     </a:lvl8pPr>
-    <a:lvl9pPr marL="3657600" algn="l" defTabSz="457200" rtl="0" eaLnBrk="1" latinLnBrk="0" hangingPunct="1">
-      <a:defRPr sz="1800" kern="1200">
+    <a:lvl9pPr algn="l" defTabSz="457200" eaLnBrk="1" hangingPunct="1" latinLnBrk="0" marL="3657600" rtl="0">
+      <a:defRPr kern="1200" sz="1800">
         <a:solidFill>
           <a:schemeClr val="tx1"/>
         </a:solidFill>
@@ -538,6 +539,20 @@
             </a:pPr>
             <a:r>
               <a:rPr/>
+              <a:t>Synopsis</a:t>
+            </a:r>
+          </a:p>
+          <a:p>
+            <a:pPr lvl="0" marL="0" indent="0">
+              <a:buNone/>
+            </a:pPr>
+          </a:p>
+          <a:p>
+            <a:pPr lvl="0" marL="0" indent="0">
+              <a:buNone/>
+            </a:pPr>
+            <a:r>
+              <a:rPr/>
               <a:t>How</a:t>
             </a:r>
             <a:r>
@@ -2566,7 +2581,7 @@
           <a:p>
             <a:fld id="{18BDFEC3-8487-43E8-A154-7C12CBC1FFF2}" type="slidenum">
               <a:rPr lang="en-US"/>
-              <a:t>2</a:t>
+              <a:t>3</a:t>
             </a:fld>
             <a:endParaRPr lang="en-US"/>
           </a:p>
@@ -2626,23 +2641,295 @@
             </a:pPr>
             <a:r>
               <a:rPr/>
-              <a:t>To</a:t>
-            </a:r>
-            <a:r>
-              <a:rPr/>
-              <a:t> </a:t>
-            </a:r>
-            <a:r>
-              <a:rPr/>
-              <a:t>be</a:t>
-            </a:r>
-            <a:r>
-              <a:rPr/>
-              <a:t> </a:t>
-            </a:r>
-            <a:r>
-              <a:rPr/>
-              <a:t>added.</a:t>
+              <a:t>There</a:t>
+            </a:r>
+            <a:r>
+              <a:rPr/>
+              <a:t> </a:t>
+            </a:r>
+            <a:r>
+              <a:rPr/>
+              <a:t>are</a:t>
+            </a:r>
+            <a:r>
+              <a:rPr/>
+              <a:t> </a:t>
+            </a:r>
+            <a:r>
+              <a:rPr/>
+              <a:t>many</a:t>
+            </a:r>
+            <a:r>
+              <a:rPr/>
+              <a:t> </a:t>
+            </a:r>
+            <a:r>
+              <a:rPr/>
+              <a:t>approaches</a:t>
+            </a:r>
+            <a:r>
+              <a:rPr/>
+              <a:t> </a:t>
+            </a:r>
+            <a:r>
+              <a:rPr/>
+              <a:t>to</a:t>
+            </a:r>
+            <a:r>
+              <a:rPr/>
+              <a:t> </a:t>
+            </a:r>
+            <a:r>
+              <a:rPr/>
+              <a:t>collecting</a:t>
+            </a:r>
+            <a:r>
+              <a:rPr/>
+              <a:t> </a:t>
+            </a:r>
+            <a:r>
+              <a:rPr/>
+              <a:t>data.</a:t>
+            </a:r>
+            <a:r>
+              <a:rPr/>
+              <a:t> </a:t>
+            </a:r>
+            <a:r>
+              <a:rPr/>
+              <a:t>Some</a:t>
+            </a:r>
+            <a:r>
+              <a:rPr/>
+              <a:t> </a:t>
+            </a:r>
+            <a:r>
+              <a:rPr/>
+              <a:t>of</a:t>
+            </a:r>
+            <a:r>
+              <a:rPr/>
+              <a:t> </a:t>
+            </a:r>
+            <a:r>
+              <a:rPr/>
+              <a:t>these</a:t>
+            </a:r>
+            <a:r>
+              <a:rPr/>
+              <a:t> </a:t>
+            </a:r>
+            <a:r>
+              <a:rPr/>
+              <a:t>approaches</a:t>
+            </a:r>
+            <a:r>
+              <a:rPr/>
+              <a:t> </a:t>
+            </a:r>
+            <a:r>
+              <a:rPr/>
+              <a:t>(focus</a:t>
+            </a:r>
+            <a:r>
+              <a:rPr/>
+              <a:t> </a:t>
+            </a:r>
+            <a:r>
+              <a:rPr/>
+              <a:t>groups,</a:t>
+            </a:r>
+            <a:r>
+              <a:rPr/>
+              <a:t> </a:t>
+            </a:r>
+            <a:r>
+              <a:rPr/>
+              <a:t>interviews,</a:t>
+            </a:r>
+            <a:r>
+              <a:rPr/>
+              <a:t> </a:t>
+            </a:r>
+            <a:r>
+              <a:rPr/>
+              <a:t>questionnaires,</a:t>
+            </a:r>
+            <a:r>
+              <a:rPr/>
+              <a:t> </a:t>
+            </a:r>
+            <a:r>
+              <a:rPr/>
+              <a:t>in</a:t>
+            </a:r>
+            <a:r>
+              <a:rPr/>
+              <a:t> </a:t>
+            </a:r>
+            <a:r>
+              <a:rPr/>
+              <a:t>particular)</a:t>
+            </a:r>
+            <a:r>
+              <a:rPr/>
+              <a:t> </a:t>
+            </a:r>
+            <a:r>
+              <a:rPr/>
+              <a:t>require</a:t>
+            </a:r>
+            <a:r>
+              <a:rPr/>
+              <a:t> </a:t>
+            </a:r>
+            <a:r>
+              <a:rPr/>
+              <a:t>great</a:t>
+            </a:r>
+            <a:r>
+              <a:rPr/>
+              <a:t> </a:t>
+            </a:r>
+            <a:r>
+              <a:rPr/>
+              <a:t>care.</a:t>
+            </a:r>
+            <a:r>
+              <a:rPr/>
+              <a:t> </a:t>
+            </a:r>
+            <a:r>
+              <a:rPr/>
+              <a:t>This</a:t>
+            </a:r>
+            <a:r>
+              <a:rPr/>
+              <a:t> </a:t>
+            </a:r>
+            <a:r>
+              <a:rPr/>
+              <a:t>module</a:t>
+            </a:r>
+            <a:r>
+              <a:rPr/>
+              <a:t> </a:t>
+            </a:r>
+            <a:r>
+              <a:rPr/>
+              <a:t>illustrates</a:t>
+            </a:r>
+            <a:r>
+              <a:rPr/>
+              <a:t> </a:t>
+            </a:r>
+            <a:r>
+              <a:rPr/>
+              <a:t>some</a:t>
+            </a:r>
+            <a:r>
+              <a:rPr/>
+              <a:t> </a:t>
+            </a:r>
+            <a:r>
+              <a:rPr/>
+              <a:t>of</a:t>
+            </a:r>
+            <a:r>
+              <a:rPr/>
+              <a:t> </a:t>
+            </a:r>
+            <a:r>
+              <a:rPr/>
+              <a:t>the</a:t>
+            </a:r>
+            <a:r>
+              <a:rPr/>
+              <a:t> </a:t>
+            </a:r>
+            <a:r>
+              <a:rPr/>
+              <a:t>details</a:t>
+            </a:r>
+            <a:r>
+              <a:rPr/>
+              <a:t> </a:t>
+            </a:r>
+            <a:r>
+              <a:rPr/>
+              <a:t>that</a:t>
+            </a:r>
+            <a:r>
+              <a:rPr/>
+              <a:t> </a:t>
+            </a:r>
+            <a:r>
+              <a:rPr/>
+              <a:t>you</a:t>
+            </a:r>
+            <a:r>
+              <a:rPr/>
+              <a:t> </a:t>
+            </a:r>
+            <a:r>
+              <a:rPr/>
+              <a:t>need</a:t>
+            </a:r>
+            <a:r>
+              <a:rPr/>
+              <a:t> </a:t>
+            </a:r>
+            <a:r>
+              <a:rPr/>
+              <a:t>to</a:t>
+            </a:r>
+            <a:r>
+              <a:rPr/>
+              <a:t> </a:t>
+            </a:r>
+            <a:r>
+              <a:rPr/>
+              <a:t>specify</a:t>
+            </a:r>
+            <a:r>
+              <a:rPr/>
+              <a:t> </a:t>
+            </a:r>
+            <a:r>
+              <a:rPr/>
+              <a:t>in</a:t>
+            </a:r>
+            <a:r>
+              <a:rPr/>
+              <a:t> </a:t>
+            </a:r>
+            <a:r>
+              <a:rPr/>
+              <a:t>your</a:t>
+            </a:r>
+            <a:r>
+              <a:rPr/>
+              <a:t> </a:t>
+            </a:r>
+            <a:r>
+              <a:rPr/>
+              <a:t>data</a:t>
+            </a:r>
+            <a:r>
+              <a:rPr/>
+              <a:t> </a:t>
+            </a:r>
+            <a:r>
+              <a:rPr/>
+              <a:t>collection</a:t>
+            </a:r>
+            <a:r>
+              <a:rPr/>
+              <a:t> </a:t>
+            </a:r>
+            <a:r>
+              <a:rPr/>
+              <a:t>process.</a:t>
             </a:r>
           </a:p>
         </p:txBody>
@@ -2664,7 +2951,7 @@
           <a:p>
             <a:fld id="{18BDFEC3-8487-43E8-A154-7C12CBC1FFF2}" type="slidenum">
               <a:rPr lang="en-US"/>
-              <a:t>11</a:t>
+              <a:t>12</a:t>
             </a:fld>
             <a:endParaRPr lang="en-US"/>
           </a:p>
@@ -2724,23 +3011,151 @@
             </a:pPr>
             <a:r>
               <a:rPr/>
-              <a:t>To</a:t>
-            </a:r>
-            <a:r>
-              <a:rPr/>
-              <a:t> </a:t>
-            </a:r>
-            <a:r>
-              <a:rPr/>
-              <a:t>be</a:t>
-            </a:r>
-            <a:r>
-              <a:rPr/>
-              <a:t> </a:t>
-            </a:r>
-            <a:r>
-              <a:rPr/>
-              <a:t>added.</a:t>
+              <a:t>Data</a:t>
+            </a:r>
+            <a:r>
+              <a:rPr/>
+              <a:t> </a:t>
+            </a:r>
+            <a:r>
+              <a:rPr/>
+              <a:t>management</a:t>
+            </a:r>
+            <a:r>
+              <a:rPr/>
+              <a:t> </a:t>
+            </a:r>
+            <a:r>
+              <a:rPr/>
+              <a:t>is</a:t>
+            </a:r>
+            <a:r>
+              <a:rPr/>
+              <a:t> </a:t>
+            </a:r>
+            <a:r>
+              <a:rPr/>
+              <a:t>often</a:t>
+            </a:r>
+            <a:r>
+              <a:rPr/>
+              <a:t> </a:t>
+            </a:r>
+            <a:r>
+              <a:rPr/>
+              <a:t>tedious</a:t>
+            </a:r>
+            <a:r>
+              <a:rPr/>
+              <a:t> </a:t>
+            </a:r>
+            <a:r>
+              <a:rPr/>
+              <a:t>and</a:t>
+            </a:r>
+            <a:r>
+              <a:rPr/>
+              <a:t> </a:t>
+            </a:r>
+            <a:r>
+              <a:rPr/>
+              <a:t>time-consuming,</a:t>
+            </a:r>
+            <a:r>
+              <a:rPr/>
+              <a:t> </a:t>
+            </a:r>
+            <a:r>
+              <a:rPr/>
+              <a:t>but</a:t>
+            </a:r>
+            <a:r>
+              <a:rPr/>
+              <a:t> </a:t>
+            </a:r>
+            <a:r>
+              <a:rPr/>
+              <a:t>it</a:t>
+            </a:r>
+            <a:r>
+              <a:rPr/>
+              <a:t> </a:t>
+            </a:r>
+            <a:r>
+              <a:rPr/>
+              <a:t>is</a:t>
+            </a:r>
+            <a:r>
+              <a:rPr/>
+              <a:t> </a:t>
+            </a:r>
+            <a:r>
+              <a:rPr/>
+              <a:t>vital</a:t>
+            </a:r>
+            <a:r>
+              <a:rPr/>
+              <a:t> </a:t>
+            </a:r>
+            <a:r>
+              <a:rPr/>
+              <a:t>for</a:t>
+            </a:r>
+            <a:r>
+              <a:rPr/>
+              <a:t> </a:t>
+            </a:r>
+            <a:r>
+              <a:rPr/>
+              <a:t>assuring</a:t>
+            </a:r>
+            <a:r>
+              <a:rPr/>
+              <a:t> </a:t>
+            </a:r>
+            <a:r>
+              <a:rPr/>
+              <a:t>good</a:t>
+            </a:r>
+            <a:r>
+              <a:rPr/>
+              <a:t> </a:t>
+            </a:r>
+            <a:r>
+              <a:rPr/>
+              <a:t>quality</a:t>
+            </a:r>
+            <a:r>
+              <a:rPr/>
+              <a:t> </a:t>
+            </a:r>
+            <a:r>
+              <a:rPr/>
+              <a:t>data</a:t>
+            </a:r>
+            <a:r>
+              <a:rPr/>
+              <a:t> </a:t>
+            </a:r>
+            <a:r>
+              <a:rPr/>
+              <a:t>for</a:t>
+            </a:r>
+            <a:r>
+              <a:rPr/>
+              <a:t> </a:t>
+            </a:r>
+            <a:r>
+              <a:rPr/>
+              <a:t>your</a:t>
+            </a:r>
+            <a:r>
+              <a:rPr/>
+              <a:t> </a:t>
+            </a:r>
+            <a:r>
+              <a:rPr/>
+              <a:t>analyses.</a:t>
             </a:r>
           </a:p>
         </p:txBody>
@@ -2762,7 +3177,7 @@
           <a:p>
             <a:fld id="{18BDFEC3-8487-43E8-A154-7C12CBC1FFF2}" type="slidenum">
               <a:rPr lang="en-US"/>
-              <a:t>12</a:t>
+              <a:t>13</a:t>
             </a:fld>
             <a:endParaRPr lang="en-US"/>
           </a:p>
@@ -2822,7 +3237,191 @@
             </a:pPr>
             <a:r>
               <a:rPr/>
-              <a:t>To</a:t>
+              <a:t>If</a:t>
+            </a:r>
+            <a:r>
+              <a:rPr/>
+              <a:t> </a:t>
+            </a:r>
+            <a:r>
+              <a:rPr/>
+              <a:t>your</a:t>
+            </a:r>
+            <a:r>
+              <a:rPr/>
+              <a:t> </a:t>
+            </a:r>
+            <a:r>
+              <a:rPr/>
+              <a:t>research</a:t>
+            </a:r>
+            <a:r>
+              <a:rPr/>
+              <a:t> </a:t>
+            </a:r>
+            <a:r>
+              <a:rPr/>
+              <a:t>involves</a:t>
+            </a:r>
+            <a:r>
+              <a:rPr/>
+              <a:t> </a:t>
+            </a:r>
+            <a:r>
+              <a:rPr/>
+              <a:t>hypothesis</a:t>
+            </a:r>
+            <a:r>
+              <a:rPr/>
+              <a:t> </a:t>
+            </a:r>
+            <a:r>
+              <a:rPr/>
+              <a:t>testing,</a:t>
+            </a:r>
+            <a:r>
+              <a:rPr/>
+              <a:t> </a:t>
+            </a:r>
+            <a:r>
+              <a:rPr/>
+              <a:t>you</a:t>
+            </a:r>
+            <a:r>
+              <a:rPr/>
+              <a:t> </a:t>
+            </a:r>
+            <a:r>
+              <a:rPr/>
+              <a:t>need</a:t>
+            </a:r>
+            <a:r>
+              <a:rPr/>
+              <a:t> </a:t>
+            </a:r>
+            <a:r>
+              <a:rPr/>
+              <a:t>a</a:t>
+            </a:r>
+            <a:r>
+              <a:rPr/>
+              <a:t> </a:t>
+            </a:r>
+            <a:r>
+              <a:rPr/>
+              <a:t>basic</a:t>
+            </a:r>
+            <a:r>
+              <a:rPr/>
+              <a:t> </a:t>
+            </a:r>
+            <a:r>
+              <a:rPr/>
+              <a:t>understanding</a:t>
+            </a:r>
+            <a:r>
+              <a:rPr/>
+              <a:t> </a:t>
+            </a:r>
+            <a:r>
+              <a:rPr/>
+              <a:t>of</a:t>
+            </a:r>
+            <a:r>
+              <a:rPr/>
+              <a:t> </a:t>
+            </a:r>
+            <a:r>
+              <a:rPr/>
+              <a:t>Type</a:t>
+            </a:r>
+            <a:r>
+              <a:rPr/>
+              <a:t> </a:t>
+            </a:r>
+            <a:r>
+              <a:rPr/>
+              <a:t>I</a:t>
+            </a:r>
+            <a:r>
+              <a:rPr/>
+              <a:t> </a:t>
+            </a:r>
+            <a:r>
+              <a:rPr/>
+              <a:t>and</a:t>
+            </a:r>
+            <a:r>
+              <a:rPr/>
+              <a:t> </a:t>
+            </a:r>
+            <a:r>
+              <a:rPr/>
+              <a:t>II</a:t>
+            </a:r>
+            <a:r>
+              <a:rPr/>
+              <a:t> </a:t>
+            </a:r>
+            <a:r>
+              <a:rPr/>
+              <a:t>errors,</a:t>
+            </a:r>
+            <a:r>
+              <a:rPr/>
+              <a:t> </a:t>
+            </a:r>
+            <a:r>
+              <a:rPr/>
+              <a:t>p-values,</a:t>
+            </a:r>
+            <a:r>
+              <a:rPr/>
+              <a:t> </a:t>
+            </a:r>
+            <a:r>
+              <a:rPr/>
+              <a:t>and</a:t>
+            </a:r>
+            <a:r>
+              <a:rPr/>
+              <a:t> </a:t>
+            </a:r>
+            <a:r>
+              <a:rPr/>
+              <a:t>confidence</a:t>
+            </a:r>
+            <a:r>
+              <a:rPr/>
+              <a:t> </a:t>
+            </a:r>
+            <a:r>
+              <a:rPr/>
+              <a:t>intervals.</a:t>
+            </a:r>
+            <a:r>
+              <a:rPr/>
+              <a:t> </a:t>
+            </a:r>
+            <a:r>
+              <a:rPr/>
+              <a:t>You</a:t>
+            </a:r>
+            <a:r>
+              <a:rPr/>
+              <a:t> </a:t>
+            </a:r>
+            <a:r>
+              <a:rPr/>
+              <a:t>should</a:t>
+            </a:r>
+            <a:r>
+              <a:rPr/>
+              <a:t> </a:t>
+            </a:r>
+            <a:r>
+              <a:rPr/>
+              <a:t>also</a:t>
             </a:r>
             <a:r>
               <a:rPr/>
@@ -2838,7 +3437,95 @@
             </a:r>
             <a:r>
               <a:rPr/>
-              <a:t>added.</a:t>
+              <a:t>aware</a:t>
+            </a:r>
+            <a:r>
+              <a:rPr/>
+              <a:t> </a:t>
+            </a:r>
+            <a:r>
+              <a:rPr/>
+              <a:t>of</a:t>
+            </a:r>
+            <a:r>
+              <a:rPr/>
+              <a:t> </a:t>
+            </a:r>
+            <a:r>
+              <a:rPr/>
+              <a:t>a</a:t>
+            </a:r>
+            <a:r>
+              <a:rPr/>
+              <a:t> </a:t>
+            </a:r>
+            <a:r>
+              <a:rPr/>
+              <a:t>Bayesian</a:t>
+            </a:r>
+            <a:r>
+              <a:rPr/>
+              <a:t> </a:t>
+            </a:r>
+            <a:r>
+              <a:rPr/>
+              <a:t>alternative</a:t>
+            </a:r>
+            <a:r>
+              <a:rPr/>
+              <a:t> </a:t>
+            </a:r>
+            <a:r>
+              <a:rPr/>
+              <a:t>to</a:t>
+            </a:r>
+            <a:r>
+              <a:rPr/>
+              <a:t> </a:t>
+            </a:r>
+            <a:r>
+              <a:rPr/>
+              <a:t>the</a:t>
+            </a:r>
+            <a:r>
+              <a:rPr/>
+              <a:t> </a:t>
+            </a:r>
+            <a:r>
+              <a:rPr/>
+              <a:t>classical</a:t>
+            </a:r>
+            <a:r>
+              <a:rPr/>
+              <a:t> </a:t>
+            </a:r>
+            <a:r>
+              <a:rPr/>
+              <a:t>approach</a:t>
+            </a:r>
+            <a:r>
+              <a:rPr/>
+              <a:t> </a:t>
+            </a:r>
+            <a:r>
+              <a:rPr/>
+              <a:t>to</a:t>
+            </a:r>
+            <a:r>
+              <a:rPr/>
+              <a:t> </a:t>
+            </a:r>
+            <a:r>
+              <a:rPr/>
+              <a:t>hypothesis</a:t>
+            </a:r>
+            <a:r>
+              <a:rPr/>
+              <a:t> </a:t>
+            </a:r>
+            <a:r>
+              <a:rPr/>
+              <a:t>testing.</a:t>
             </a:r>
           </a:p>
         </p:txBody>
@@ -2860,7 +3547,7 @@
           <a:p>
             <a:fld id="{18BDFEC3-8487-43E8-A154-7C12CBC1FFF2}" type="slidenum">
               <a:rPr lang="en-US"/>
-              <a:t>13</a:t>
+              <a:t>14</a:t>
             </a:fld>
             <a:endParaRPr lang="en-US"/>
           </a:p>
@@ -2920,23 +3607,471 @@
             </a:pPr>
             <a:r>
               <a:rPr/>
-              <a:t>To</a:t>
-            </a:r>
-            <a:r>
-              <a:rPr/>
-              <a:t> </a:t>
-            </a:r>
-            <a:r>
-              <a:rPr/>
-              <a:t>be</a:t>
-            </a:r>
-            <a:r>
-              <a:rPr/>
-              <a:t> </a:t>
-            </a:r>
-            <a:r>
-              <a:rPr/>
-              <a:t>added.</a:t>
+              <a:t>You</a:t>
+            </a:r>
+            <a:r>
+              <a:rPr/>
+              <a:t> </a:t>
+            </a:r>
+            <a:r>
+              <a:rPr/>
+              <a:t>must</a:t>
+            </a:r>
+            <a:r>
+              <a:rPr/>
+              <a:t> </a:t>
+            </a:r>
+            <a:r>
+              <a:rPr/>
+              <a:t>define</a:t>
+            </a:r>
+            <a:r>
+              <a:rPr/>
+              <a:t> </a:t>
+            </a:r>
+            <a:r>
+              <a:rPr/>
+              <a:t>your</a:t>
+            </a:r>
+            <a:r>
+              <a:rPr/>
+              <a:t> </a:t>
+            </a:r>
+            <a:r>
+              <a:rPr/>
+              <a:t>statistical</a:t>
+            </a:r>
+            <a:r>
+              <a:rPr/>
+              <a:t> </a:t>
+            </a:r>
+            <a:r>
+              <a:rPr/>
+              <a:t>analysis</a:t>
+            </a:r>
+            <a:r>
+              <a:rPr/>
+              <a:t> </a:t>
+            </a:r>
+            <a:r>
+              <a:rPr/>
+              <a:t>approach</a:t>
+            </a:r>
+            <a:r>
+              <a:rPr/>
+              <a:t> </a:t>
+            </a:r>
+            <a:r>
+              <a:rPr/>
+              <a:t>in</a:t>
+            </a:r>
+            <a:r>
+              <a:rPr/>
+              <a:t> </a:t>
+            </a:r>
+            <a:r>
+              <a:rPr/>
+              <a:t>your</a:t>
+            </a:r>
+            <a:r>
+              <a:rPr/>
+              <a:t> </a:t>
+            </a:r>
+            <a:r>
+              <a:rPr/>
+              <a:t>research</a:t>
+            </a:r>
+            <a:r>
+              <a:rPr/>
+              <a:t> </a:t>
+            </a:r>
+            <a:r>
+              <a:rPr/>
+              <a:t>plan.</a:t>
+            </a:r>
+            <a:r>
+              <a:rPr/>
+              <a:t> </a:t>
+            </a:r>
+            <a:r>
+              <a:rPr/>
+              <a:t>This</a:t>
+            </a:r>
+            <a:r>
+              <a:rPr/>
+              <a:t> </a:t>
+            </a:r>
+            <a:r>
+              <a:rPr/>
+              <a:t>module</a:t>
+            </a:r>
+            <a:r>
+              <a:rPr/>
+              <a:t> </a:t>
+            </a:r>
+            <a:r>
+              <a:rPr/>
+              <a:t>will</a:t>
+            </a:r>
+            <a:r>
+              <a:rPr/>
+              <a:t> </a:t>
+            </a:r>
+            <a:r>
+              <a:rPr/>
+              <a:t>cover</a:t>
+            </a:r>
+            <a:r>
+              <a:rPr/>
+              <a:t> </a:t>
+            </a:r>
+            <a:r>
+              <a:rPr/>
+              <a:t>the</a:t>
+            </a:r>
+            <a:r>
+              <a:rPr/>
+              <a:t> </a:t>
+            </a:r>
+            <a:r>
+              <a:rPr/>
+              <a:t>conceptual</a:t>
+            </a:r>
+            <a:r>
+              <a:rPr/>
+              <a:t> </a:t>
+            </a:r>
+            <a:r>
+              <a:rPr/>
+              <a:t>ideas</a:t>
+            </a:r>
+            <a:r>
+              <a:rPr/>
+              <a:t> </a:t>
+            </a:r>
+            <a:r>
+              <a:rPr/>
+              <a:t>behind</a:t>
+            </a:r>
+            <a:r>
+              <a:rPr/>
+              <a:t> </a:t>
+            </a:r>
+            <a:r>
+              <a:rPr/>
+              <a:t>a</a:t>
+            </a:r>
+            <a:r>
+              <a:rPr/>
+              <a:t> </a:t>
+            </a:r>
+            <a:r>
+              <a:rPr/>
+              <a:t>variety</a:t>
+            </a:r>
+            <a:r>
+              <a:rPr/>
+              <a:t> </a:t>
+            </a:r>
+            <a:r>
+              <a:rPr/>
+              <a:t>of</a:t>
+            </a:r>
+            <a:r>
+              <a:rPr/>
+              <a:t> </a:t>
+            </a:r>
+            <a:r>
+              <a:rPr/>
+              <a:t>statistical</a:t>
+            </a:r>
+            <a:r>
+              <a:rPr/>
+              <a:t> </a:t>
+            </a:r>
+            <a:r>
+              <a:rPr/>
+              <a:t>models</a:t>
+            </a:r>
+            <a:r>
+              <a:rPr/>
+              <a:t> </a:t>
+            </a:r>
+            <a:r>
+              <a:rPr/>
+              <a:t>(linear</a:t>
+            </a:r>
+            <a:r>
+              <a:rPr/>
+              <a:t> </a:t>
+            </a:r>
+            <a:r>
+              <a:rPr/>
+              <a:t>regression,</a:t>
+            </a:r>
+            <a:r>
+              <a:rPr/>
+              <a:t> </a:t>
+            </a:r>
+            <a:r>
+              <a:rPr/>
+              <a:t>logistic</a:t>
+            </a:r>
+            <a:r>
+              <a:rPr/>
+              <a:t> </a:t>
+            </a:r>
+            <a:r>
+              <a:rPr/>
+              <a:t>regression,</a:t>
+            </a:r>
+            <a:r>
+              <a:rPr/>
+              <a:t> </a:t>
+            </a:r>
+            <a:r>
+              <a:rPr/>
+              <a:t>survival</a:t>
+            </a:r>
+            <a:r>
+              <a:rPr/>
+              <a:t> </a:t>
+            </a:r>
+            <a:r>
+              <a:rPr/>
+              <a:t>analysis)</a:t>
+            </a:r>
+            <a:r>
+              <a:rPr/>
+              <a:t> </a:t>
+            </a:r>
+            <a:r>
+              <a:rPr/>
+              <a:t>not</a:t>
+            </a:r>
+            <a:r>
+              <a:rPr/>
+              <a:t> </a:t>
+            </a:r>
+            <a:r>
+              <a:rPr/>
+              <a:t>to</a:t>
+            </a:r>
+            <a:r>
+              <a:rPr/>
+              <a:t> </a:t>
+            </a:r>
+            <a:r>
+              <a:rPr/>
+              <a:t>the</a:t>
+            </a:r>
+            <a:r>
+              <a:rPr/>
+              <a:t> </a:t>
+            </a:r>
+            <a:r>
+              <a:rPr/>
+              <a:t>level</a:t>
+            </a:r>
+            <a:r>
+              <a:rPr/>
+              <a:t> </a:t>
+            </a:r>
+            <a:r>
+              <a:rPr/>
+              <a:t>of</a:t>
+            </a:r>
+            <a:r>
+              <a:rPr/>
+              <a:t> </a:t>
+            </a:r>
+            <a:r>
+              <a:rPr/>
+              <a:t>detail</a:t>
+            </a:r>
+            <a:r>
+              <a:rPr/>
+              <a:t> </a:t>
+            </a:r>
+            <a:r>
+              <a:rPr/>
+              <a:t>that</a:t>
+            </a:r>
+            <a:r>
+              <a:rPr/>
+              <a:t> </a:t>
+            </a:r>
+            <a:r>
+              <a:rPr/>
+              <a:t>you</a:t>
+            </a:r>
+            <a:r>
+              <a:rPr/>
+              <a:t> </a:t>
+            </a:r>
+            <a:r>
+              <a:rPr/>
+              <a:t>will</a:t>
+            </a:r>
+            <a:r>
+              <a:rPr/>
+              <a:t> </a:t>
+            </a:r>
+            <a:r>
+              <a:rPr/>
+              <a:t>need</a:t>
+            </a:r>
+            <a:r>
+              <a:rPr/>
+              <a:t> </a:t>
+            </a:r>
+            <a:r>
+              <a:rPr/>
+              <a:t>to</a:t>
+            </a:r>
+            <a:r>
+              <a:rPr/>
+              <a:t> </a:t>
+            </a:r>
+            <a:r>
+              <a:rPr/>
+              <a:t>know</a:t>
+            </a:r>
+            <a:r>
+              <a:rPr/>
+              <a:t> </a:t>
+            </a:r>
+            <a:r>
+              <a:rPr/>
+              <a:t>to</a:t>
+            </a:r>
+            <a:r>
+              <a:rPr/>
+              <a:t> </a:t>
+            </a:r>
+            <a:r>
+              <a:rPr/>
+              <a:t>conduct</a:t>
+            </a:r>
+            <a:r>
+              <a:rPr/>
+              <a:t> </a:t>
+            </a:r>
+            <a:r>
+              <a:rPr/>
+              <a:t>those</a:t>
+            </a:r>
+            <a:r>
+              <a:rPr/>
+              <a:t> </a:t>
+            </a:r>
+            <a:r>
+              <a:rPr/>
+              <a:t>analyses,</a:t>
+            </a:r>
+            <a:r>
+              <a:rPr/>
+              <a:t> </a:t>
+            </a:r>
+            <a:r>
+              <a:rPr/>
+              <a:t>but</a:t>
+            </a:r>
+            <a:r>
+              <a:rPr/>
+              <a:t> </a:t>
+            </a:r>
+            <a:r>
+              <a:rPr/>
+              <a:t>rather</a:t>
+            </a:r>
+            <a:r>
+              <a:rPr/>
+              <a:t> </a:t>
+            </a:r>
+            <a:r>
+              <a:rPr/>
+              <a:t>how</a:t>
+            </a:r>
+            <a:r>
+              <a:rPr/>
+              <a:t> </a:t>
+            </a:r>
+            <a:r>
+              <a:rPr/>
+              <a:t>to</a:t>
+            </a:r>
+            <a:r>
+              <a:rPr/>
+              <a:t> </a:t>
+            </a:r>
+            <a:r>
+              <a:rPr/>
+              <a:t>defend</a:t>
+            </a:r>
+            <a:r>
+              <a:rPr/>
+              <a:t> </a:t>
+            </a:r>
+            <a:r>
+              <a:rPr/>
+              <a:t>and</a:t>
+            </a:r>
+            <a:r>
+              <a:rPr/>
+              <a:t> </a:t>
+            </a:r>
+            <a:r>
+              <a:rPr/>
+              <a:t>justify</a:t>
+            </a:r>
+            <a:r>
+              <a:rPr/>
+              <a:t> </a:t>
+            </a:r>
+            <a:r>
+              <a:rPr/>
+              <a:t>these</a:t>
+            </a:r>
+            <a:r>
+              <a:rPr/>
+              <a:t> </a:t>
+            </a:r>
+            <a:r>
+              <a:rPr/>
+              <a:t>approaches</a:t>
+            </a:r>
+            <a:r>
+              <a:rPr/>
+              <a:t> </a:t>
+            </a:r>
+            <a:r>
+              <a:rPr/>
+              <a:t>in</a:t>
+            </a:r>
+            <a:r>
+              <a:rPr/>
+              <a:t> </a:t>
+            </a:r>
+            <a:r>
+              <a:rPr/>
+              <a:t>your</a:t>
+            </a:r>
+            <a:r>
+              <a:rPr/>
+              <a:t> </a:t>
+            </a:r>
+            <a:r>
+              <a:rPr/>
+              <a:t>methods</a:t>
+            </a:r>
+            <a:r>
+              <a:rPr/>
+              <a:t> </a:t>
+            </a:r>
+            <a:r>
+              <a:rPr/>
+              <a:t>section.</a:t>
             </a:r>
           </a:p>
         </p:txBody>
@@ -2958,7 +4093,7 @@
           <a:p>
             <a:fld id="{18BDFEC3-8487-43E8-A154-7C12CBC1FFF2}" type="slidenum">
               <a:rPr lang="en-US"/>
-              <a:t>14</a:t>
+              <a:t>15</a:t>
             </a:fld>
             <a:endParaRPr lang="en-US"/>
           </a:p>
@@ -4996,7 +6131,7 @@
           <a:p>
             <a:fld id="{18BDFEC3-8487-43E8-A154-7C12CBC1FFF2}" type="slidenum">
               <a:rPr lang="en-US"/>
-              <a:t>3</a:t>
+              <a:t>4</a:t>
             </a:fld>
             <a:endParaRPr lang="en-US"/>
           </a:p>
@@ -5056,23 +6191,861 @@
             </a:pPr>
             <a:r>
               <a:rPr/>
-              <a:t>To</a:t>
-            </a:r>
-            <a:r>
-              <a:rPr/>
-              <a:t> </a:t>
-            </a:r>
-            <a:r>
-              <a:rPr/>
-              <a:t>be</a:t>
-            </a:r>
-            <a:r>
-              <a:rPr/>
-              <a:t> </a:t>
-            </a:r>
-            <a:r>
-              <a:rPr/>
-              <a:t>added.</a:t>
+              <a:t>A</a:t>
+            </a:r>
+            <a:r>
+              <a:rPr/>
+              <a:t> </a:t>
+            </a:r>
+            <a:r>
+              <a:rPr/>
+              <a:t>literature</a:t>
+            </a:r>
+            <a:r>
+              <a:rPr/>
+              <a:t> </a:t>
+            </a:r>
+            <a:r>
+              <a:rPr/>
+              <a:t>review</a:t>
+            </a:r>
+            <a:r>
+              <a:rPr/>
+              <a:t> </a:t>
+            </a:r>
+            <a:r>
+              <a:rPr/>
+              <a:t>provides</a:t>
+            </a:r>
+            <a:r>
+              <a:rPr/>
+              <a:t> </a:t>
+            </a:r>
+            <a:r>
+              <a:rPr/>
+              <a:t>your</a:t>
+            </a:r>
+            <a:r>
+              <a:rPr/>
+              <a:t> </a:t>
+            </a:r>
+            <a:r>
+              <a:rPr/>
+              <a:t>reader</a:t>
+            </a:r>
+            <a:r>
+              <a:rPr/>
+              <a:t> </a:t>
+            </a:r>
+            <a:r>
+              <a:rPr/>
+              <a:t>with</a:t>
+            </a:r>
+            <a:r>
+              <a:rPr/>
+              <a:t> </a:t>
+            </a:r>
+            <a:r>
+              <a:rPr/>
+              <a:t>the</a:t>
+            </a:r>
+            <a:r>
+              <a:rPr/>
+              <a:t> </a:t>
+            </a:r>
+            <a:r>
+              <a:rPr/>
+              <a:t>context</a:t>
+            </a:r>
+            <a:r>
+              <a:rPr/>
+              <a:t> </a:t>
+            </a:r>
+            <a:r>
+              <a:rPr/>
+              <a:t>needed</a:t>
+            </a:r>
+            <a:r>
+              <a:rPr/>
+              <a:t> </a:t>
+            </a:r>
+            <a:r>
+              <a:rPr/>
+              <a:t>to</a:t>
+            </a:r>
+            <a:r>
+              <a:rPr/>
+              <a:t> </a:t>
+            </a:r>
+            <a:r>
+              <a:rPr/>
+              <a:t>understand</a:t>
+            </a:r>
+            <a:r>
+              <a:rPr/>
+              <a:t> </a:t>
+            </a:r>
+            <a:r>
+              <a:rPr/>
+              <a:t>your</a:t>
+            </a:r>
+            <a:r>
+              <a:rPr/>
+              <a:t> </a:t>
+            </a:r>
+            <a:r>
+              <a:rPr/>
+              <a:t>research.</a:t>
+            </a:r>
+            <a:r>
+              <a:rPr/>
+              <a:t> </a:t>
+            </a:r>
+            <a:r>
+              <a:rPr/>
+              <a:t>It</a:t>
+            </a:r>
+            <a:r>
+              <a:rPr/>
+              <a:t> </a:t>
+            </a:r>
+            <a:r>
+              <a:rPr/>
+              <a:t>reviews</a:t>
+            </a:r>
+            <a:r>
+              <a:rPr/>
+              <a:t> </a:t>
+            </a:r>
+            <a:r>
+              <a:rPr/>
+              <a:t>what</a:t>
+            </a:r>
+            <a:r>
+              <a:rPr/>
+              <a:t> </a:t>
+            </a:r>
+            <a:r>
+              <a:rPr/>
+              <a:t>is</a:t>
+            </a:r>
+            <a:r>
+              <a:rPr/>
+              <a:t> </a:t>
+            </a:r>
+            <a:r>
+              <a:rPr/>
+              <a:t>already</a:t>
+            </a:r>
+            <a:r>
+              <a:rPr/>
+              <a:t> </a:t>
+            </a:r>
+            <a:r>
+              <a:rPr/>
+              <a:t>known</a:t>
+            </a:r>
+            <a:r>
+              <a:rPr/>
+              <a:t> </a:t>
+            </a:r>
+            <a:r>
+              <a:rPr/>
+              <a:t>about</a:t>
+            </a:r>
+            <a:r>
+              <a:rPr/>
+              <a:t> </a:t>
+            </a:r>
+            <a:r>
+              <a:rPr/>
+              <a:t>your</a:t>
+            </a:r>
+            <a:r>
+              <a:rPr/>
+              <a:t> </a:t>
+            </a:r>
+            <a:r>
+              <a:rPr/>
+              <a:t>topic,</a:t>
+            </a:r>
+            <a:r>
+              <a:rPr/>
+              <a:t> </a:t>
+            </a:r>
+            <a:r>
+              <a:rPr/>
+              <a:t>gaps</a:t>
+            </a:r>
+            <a:r>
+              <a:rPr/>
+              <a:t> </a:t>
+            </a:r>
+            <a:r>
+              <a:rPr/>
+              <a:t>in</a:t>
+            </a:r>
+            <a:r>
+              <a:rPr/>
+              <a:t> </a:t>
+            </a:r>
+            <a:r>
+              <a:rPr/>
+              <a:t>the</a:t>
+            </a:r>
+            <a:r>
+              <a:rPr/>
+              <a:t> </a:t>
+            </a:r>
+            <a:r>
+              <a:rPr/>
+              <a:t>existing</a:t>
+            </a:r>
+            <a:r>
+              <a:rPr/>
+              <a:t> </a:t>
+            </a:r>
+            <a:r>
+              <a:rPr/>
+              <a:t>knowledge,</a:t>
+            </a:r>
+            <a:r>
+              <a:rPr/>
+              <a:t> </a:t>
+            </a:r>
+            <a:r>
+              <a:rPr/>
+              <a:t>and</a:t>
+            </a:r>
+            <a:r>
+              <a:rPr/>
+              <a:t> </a:t>
+            </a:r>
+            <a:r>
+              <a:rPr/>
+              <a:t>how</a:t>
+            </a:r>
+            <a:r>
+              <a:rPr/>
+              <a:t> </a:t>
+            </a:r>
+            <a:r>
+              <a:rPr/>
+              <a:t>your</a:t>
+            </a:r>
+            <a:r>
+              <a:rPr/>
+              <a:t> </a:t>
+            </a:r>
+            <a:r>
+              <a:rPr/>
+              <a:t>proposed</a:t>
+            </a:r>
+            <a:r>
+              <a:rPr/>
+              <a:t> </a:t>
+            </a:r>
+            <a:r>
+              <a:rPr/>
+              <a:t>work</a:t>
+            </a:r>
+            <a:r>
+              <a:rPr/>
+              <a:t> </a:t>
+            </a:r>
+            <a:r>
+              <a:rPr/>
+              <a:t>will</a:t>
+            </a:r>
+            <a:r>
+              <a:rPr/>
+              <a:t> </a:t>
+            </a:r>
+            <a:r>
+              <a:rPr/>
+              <a:t>fill</a:t>
+            </a:r>
+            <a:r>
+              <a:rPr/>
+              <a:t> </a:t>
+            </a:r>
+            <a:r>
+              <a:rPr/>
+              <a:t>some</a:t>
+            </a:r>
+            <a:r>
+              <a:rPr/>
+              <a:t> </a:t>
+            </a:r>
+            <a:r>
+              <a:rPr/>
+              <a:t>of</a:t>
+            </a:r>
+            <a:r>
+              <a:rPr/>
+              <a:t> </a:t>
+            </a:r>
+            <a:r>
+              <a:rPr/>
+              <a:t>those</a:t>
+            </a:r>
+            <a:r>
+              <a:rPr/>
+              <a:t> </a:t>
+            </a:r>
+            <a:r>
+              <a:rPr/>
+              <a:t>gaps.</a:t>
+            </a:r>
+            <a:r>
+              <a:rPr/>
+              <a:t> </a:t>
+            </a:r>
+            <a:r>
+              <a:rPr/>
+              <a:t>It</a:t>
+            </a:r>
+            <a:r>
+              <a:rPr/>
+              <a:t> </a:t>
+            </a:r>
+            <a:r>
+              <a:rPr/>
+              <a:t>is</a:t>
+            </a:r>
+            <a:r>
+              <a:rPr/>
+              <a:t> </a:t>
+            </a:r>
+            <a:r>
+              <a:rPr/>
+              <a:t>important</a:t>
+            </a:r>
+            <a:r>
+              <a:rPr/>
+              <a:t> </a:t>
+            </a:r>
+            <a:r>
+              <a:rPr/>
+              <a:t>to</a:t>
+            </a:r>
+            <a:r>
+              <a:rPr/>
+              <a:t> </a:t>
+            </a:r>
+            <a:r>
+              <a:rPr/>
+              <a:t>understand</a:t>
+            </a:r>
+            <a:r>
+              <a:rPr/>
+              <a:t> </a:t>
+            </a:r>
+            <a:r>
+              <a:rPr/>
+              <a:t>how</a:t>
+            </a:r>
+            <a:r>
+              <a:rPr/>
+              <a:t> </a:t>
+            </a:r>
+            <a:r>
+              <a:rPr/>
+              <a:t>a</a:t>
+            </a:r>
+            <a:r>
+              <a:rPr/>
+              <a:t> </a:t>
+            </a:r>
+            <a:r>
+              <a:rPr/>
+              <a:t>literature</a:t>
+            </a:r>
+            <a:r>
+              <a:rPr/>
+              <a:t> </a:t>
+            </a:r>
+            <a:r>
+              <a:rPr/>
+              <a:t>review</a:t>
+            </a:r>
+            <a:r>
+              <a:rPr/>
+              <a:t> </a:t>
+            </a:r>
+            <a:r>
+              <a:rPr/>
+              <a:t>contrasts</a:t>
+            </a:r>
+            <a:r>
+              <a:rPr/>
+              <a:t> </a:t>
+            </a:r>
+            <a:r>
+              <a:rPr/>
+              <a:t>with</a:t>
+            </a:r>
+            <a:r>
+              <a:rPr/>
+              <a:t> </a:t>
+            </a:r>
+            <a:r>
+              <a:rPr/>
+              <a:t>other</a:t>
+            </a:r>
+            <a:r>
+              <a:rPr/>
+              <a:t> </a:t>
+            </a:r>
+            <a:r>
+              <a:rPr/>
+              <a:t>summaries</a:t>
+            </a:r>
+            <a:r>
+              <a:rPr/>
+              <a:t> </a:t>
+            </a:r>
+            <a:r>
+              <a:rPr/>
+              <a:t>of</a:t>
+            </a:r>
+            <a:r>
+              <a:rPr/>
+              <a:t> </a:t>
+            </a:r>
+            <a:r>
+              <a:rPr/>
+              <a:t>the</a:t>
+            </a:r>
+            <a:r>
+              <a:rPr/>
+              <a:t> </a:t>
+            </a:r>
+            <a:r>
+              <a:rPr/>
+              <a:t>existing</a:t>
+            </a:r>
+            <a:r>
+              <a:rPr/>
+              <a:t> </a:t>
+            </a:r>
+            <a:r>
+              <a:rPr/>
+              <a:t>research</a:t>
+            </a:r>
+            <a:r>
+              <a:rPr/>
+              <a:t> </a:t>
+            </a:r>
+            <a:r>
+              <a:rPr/>
+              <a:t>(such</a:t>
+            </a:r>
+            <a:r>
+              <a:rPr/>
+              <a:t> </a:t>
+            </a:r>
+            <a:r>
+              <a:rPr/>
+              <a:t>as</a:t>
+            </a:r>
+            <a:r>
+              <a:rPr/>
+              <a:t> </a:t>
+            </a:r>
+            <a:r>
+              <a:rPr/>
+              <a:t>an</a:t>
+            </a:r>
+            <a:r>
+              <a:rPr/>
+              <a:t> </a:t>
+            </a:r>
+            <a:r>
+              <a:rPr/>
+              <a:t>annotated</a:t>
+            </a:r>
+            <a:r>
+              <a:rPr/>
+              <a:t> </a:t>
+            </a:r>
+            <a:r>
+              <a:rPr/>
+              <a:t>bibliography</a:t>
+            </a:r>
+            <a:r>
+              <a:rPr/>
+              <a:t> </a:t>
+            </a:r>
+            <a:r>
+              <a:rPr/>
+              <a:t>or</a:t>
+            </a:r>
+            <a:r>
+              <a:rPr/>
+              <a:t> </a:t>
+            </a:r>
+            <a:r>
+              <a:rPr/>
+              <a:t>a</a:t>
+            </a:r>
+            <a:r>
+              <a:rPr/>
+              <a:t> </a:t>
+            </a:r>
+            <a:r>
+              <a:rPr/>
+              <a:t>systematic</a:t>
+            </a:r>
+            <a:r>
+              <a:rPr/>
+              <a:t> </a:t>
+            </a:r>
+            <a:r>
+              <a:rPr/>
+              <a:t>overview).</a:t>
+            </a:r>
+            <a:r>
+              <a:rPr/>
+              <a:t> </a:t>
+            </a:r>
+            <a:r>
+              <a:rPr/>
+              <a:t>You</a:t>
+            </a:r>
+            <a:r>
+              <a:rPr/>
+              <a:t> </a:t>
+            </a:r>
+            <a:r>
+              <a:rPr/>
+              <a:t>also</a:t>
+            </a:r>
+            <a:r>
+              <a:rPr/>
+              <a:t> </a:t>
+            </a:r>
+            <a:r>
+              <a:rPr/>
+              <a:t>need</a:t>
+            </a:r>
+            <a:r>
+              <a:rPr/>
+              <a:t> </a:t>
+            </a:r>
+            <a:r>
+              <a:rPr/>
+              <a:t>to</a:t>
+            </a:r>
+            <a:r>
+              <a:rPr/>
+              <a:t> </a:t>
+            </a:r>
+            <a:r>
+              <a:rPr/>
+              <a:t>choose</a:t>
+            </a:r>
+            <a:r>
+              <a:rPr/>
+              <a:t> </a:t>
+            </a:r>
+            <a:r>
+              <a:rPr/>
+              <a:t>an</a:t>
+            </a:r>
+            <a:r>
+              <a:rPr/>
+              <a:t> </a:t>
+            </a:r>
+            <a:r>
+              <a:rPr/>
+              <a:t>organizational</a:t>
+            </a:r>
+            <a:r>
+              <a:rPr/>
+              <a:t> </a:t>
+            </a:r>
+            <a:r>
+              <a:rPr/>
+              <a:t>structure</a:t>
+            </a:r>
+            <a:r>
+              <a:rPr/>
+              <a:t> </a:t>
+            </a:r>
+            <a:r>
+              <a:rPr/>
+              <a:t>for</a:t>
+            </a:r>
+            <a:r>
+              <a:rPr/>
+              <a:t> </a:t>
+            </a:r>
+            <a:r>
+              <a:rPr/>
+              <a:t>your</a:t>
+            </a:r>
+            <a:r>
+              <a:rPr/>
+              <a:t> </a:t>
+            </a:r>
+            <a:r>
+              <a:rPr/>
+              <a:t>literature</a:t>
+            </a:r>
+            <a:r>
+              <a:rPr/>
+              <a:t> </a:t>
+            </a:r>
+            <a:r>
+              <a:rPr/>
+              <a:t>review.</a:t>
+            </a:r>
+          </a:p>
+          <a:p>
+            <a:pPr lvl="0" marL="0" indent="0">
+              <a:buNone/>
+            </a:pPr>
+          </a:p>
+          <a:p>
+            <a:pPr lvl="0" marL="0" indent="0">
+              <a:buNone/>
+            </a:pPr>
+            <a:r>
+              <a:rPr/>
+              <a:t>You</a:t>
+            </a:r>
+            <a:r>
+              <a:rPr/>
+              <a:t> </a:t>
+            </a:r>
+            <a:r>
+              <a:rPr/>
+              <a:t>will</a:t>
+            </a:r>
+            <a:r>
+              <a:rPr/>
+              <a:t> </a:t>
+            </a:r>
+            <a:r>
+              <a:rPr/>
+              <a:t>have</a:t>
+            </a:r>
+            <a:r>
+              <a:rPr/>
+              <a:t> </a:t>
+            </a:r>
+            <a:r>
+              <a:rPr/>
+              <a:t>to</a:t>
+            </a:r>
+            <a:r>
+              <a:rPr/>
+              <a:t> </a:t>
+            </a:r>
+            <a:r>
+              <a:rPr/>
+              <a:t>submit</a:t>
+            </a:r>
+            <a:r>
+              <a:rPr/>
+              <a:t> </a:t>
+            </a:r>
+            <a:r>
+              <a:rPr/>
+              <a:t>a</a:t>
+            </a:r>
+            <a:r>
+              <a:rPr/>
+              <a:t> </a:t>
+            </a:r>
+            <a:r>
+              <a:rPr/>
+              <a:t>literature</a:t>
+            </a:r>
+            <a:r>
+              <a:rPr/>
+              <a:t> </a:t>
+            </a:r>
+            <a:r>
+              <a:rPr/>
+              <a:t>review</a:t>
+            </a:r>
+            <a:r>
+              <a:rPr/>
+              <a:t> </a:t>
+            </a:r>
+            <a:r>
+              <a:rPr/>
+              <a:t>in</a:t>
+            </a:r>
+            <a:r>
+              <a:rPr/>
+              <a:t> </a:t>
+            </a:r>
+            <a:r>
+              <a:rPr/>
+              <a:t>a</a:t>
+            </a:r>
+            <a:r>
+              <a:rPr/>
+              <a:t> </a:t>
+            </a:r>
+            <a:r>
+              <a:rPr/>
+              <a:t>few</a:t>
+            </a:r>
+            <a:r>
+              <a:rPr/>
+              <a:t> </a:t>
+            </a:r>
+            <a:r>
+              <a:rPr/>
+              <a:t>weeks,</a:t>
+            </a:r>
+            <a:r>
+              <a:rPr/>
+              <a:t> </a:t>
+            </a:r>
+            <a:r>
+              <a:rPr/>
+              <a:t>so</a:t>
+            </a:r>
+            <a:r>
+              <a:rPr/>
+              <a:t> </a:t>
+            </a:r>
+            <a:r>
+              <a:rPr/>
+              <a:t>please</a:t>
+            </a:r>
+            <a:r>
+              <a:rPr/>
+              <a:t> </a:t>
+            </a:r>
+            <a:r>
+              <a:rPr/>
+              <a:t>start</a:t>
+            </a:r>
+            <a:r>
+              <a:rPr/>
+              <a:t> </a:t>
+            </a:r>
+            <a:r>
+              <a:rPr/>
+              <a:t>working</a:t>
+            </a:r>
+            <a:r>
+              <a:rPr/>
+              <a:t> </a:t>
+            </a:r>
+            <a:r>
+              <a:rPr/>
+              <a:t>on</a:t>
+            </a:r>
+            <a:r>
+              <a:rPr/>
+              <a:t> </a:t>
+            </a:r>
+            <a:r>
+              <a:rPr/>
+              <a:t>it</a:t>
+            </a:r>
+            <a:r>
+              <a:rPr/>
+              <a:t> </a:t>
+            </a:r>
+            <a:r>
+              <a:rPr/>
+              <a:t>now.</a:t>
+            </a:r>
+            <a:r>
+              <a:rPr/>
+              <a:t> </a:t>
+            </a:r>
+            <a:r>
+              <a:rPr/>
+              <a:t>If</a:t>
+            </a:r>
+            <a:r>
+              <a:rPr/>
+              <a:t> </a:t>
+            </a:r>
+            <a:r>
+              <a:rPr/>
+              <a:t>you</a:t>
+            </a:r>
+            <a:r>
+              <a:rPr/>
+              <a:t> </a:t>
+            </a:r>
+            <a:r>
+              <a:rPr/>
+              <a:t>are</a:t>
+            </a:r>
+            <a:r>
+              <a:rPr/>
+              <a:t> </a:t>
+            </a:r>
+            <a:r>
+              <a:rPr/>
+              <a:t>having</a:t>
+            </a:r>
+            <a:r>
+              <a:rPr/>
+              <a:t> </a:t>
+            </a:r>
+            <a:r>
+              <a:rPr/>
+              <a:t>trouble</a:t>
+            </a:r>
+            <a:r>
+              <a:rPr/>
+              <a:t> </a:t>
+            </a:r>
+            <a:r>
+              <a:rPr/>
+              <a:t>getting</a:t>
+            </a:r>
+            <a:r>
+              <a:rPr/>
+              <a:t> </a:t>
+            </a:r>
+            <a:r>
+              <a:rPr/>
+              <a:t>started,</a:t>
+            </a:r>
+            <a:r>
+              <a:rPr/>
+              <a:t> </a:t>
+            </a:r>
+            <a:r>
+              <a:rPr/>
+              <a:t>please</a:t>
+            </a:r>
+            <a:r>
+              <a:rPr/>
+              <a:t> </a:t>
+            </a:r>
+            <a:r>
+              <a:rPr/>
+              <a:t>talk</a:t>
+            </a:r>
+            <a:r>
+              <a:rPr/>
+              <a:t> </a:t>
+            </a:r>
+            <a:r>
+              <a:rPr/>
+              <a:t>to</a:t>
+            </a:r>
+            <a:r>
+              <a:rPr/>
+              <a:t> </a:t>
+            </a:r>
+            <a:r>
+              <a:rPr/>
+              <a:t>me.</a:t>
             </a:r>
           </a:p>
         </p:txBody>
@@ -5094,7 +7067,7 @@
           <a:p>
             <a:fld id="{18BDFEC3-8487-43E8-A154-7C12CBC1FFF2}" type="slidenum">
               <a:rPr lang="en-US"/>
-              <a:t>4</a:t>
+              <a:t>5</a:t>
             </a:fld>
             <a:endParaRPr lang="en-US"/>
           </a:p>
@@ -5154,23 +7127,767 @@
             </a:pPr>
             <a:r>
               <a:rPr/>
-              <a:t>To</a:t>
-            </a:r>
-            <a:r>
-              <a:rPr/>
-              <a:t> </a:t>
-            </a:r>
-            <a:r>
-              <a:rPr/>
-              <a:t>be</a:t>
-            </a:r>
-            <a:r>
-              <a:rPr/>
-              <a:t> </a:t>
-            </a:r>
-            <a:r>
-              <a:rPr/>
-              <a:t>added.</a:t>
+              <a:t>Randomization</a:t>
+            </a:r>
+            <a:r>
+              <a:rPr/>
+              <a:t> </a:t>
+            </a:r>
+            <a:r>
+              <a:rPr/>
+              <a:t>is</a:t>
+            </a:r>
+            <a:r>
+              <a:rPr/>
+              <a:t> </a:t>
+            </a:r>
+            <a:r>
+              <a:rPr/>
+              <a:t>the</a:t>
+            </a:r>
+            <a:r>
+              <a:rPr/>
+              <a:t> </a:t>
+            </a:r>
+            <a:r>
+              <a:rPr/>
+              <a:t>use</a:t>
+            </a:r>
+            <a:r>
+              <a:rPr/>
+              <a:t> </a:t>
+            </a:r>
+            <a:r>
+              <a:rPr/>
+              <a:t>of</a:t>
+            </a:r>
+            <a:r>
+              <a:rPr/>
+              <a:t> </a:t>
+            </a:r>
+            <a:r>
+              <a:rPr/>
+              <a:t>a</a:t>
+            </a:r>
+            <a:r>
+              <a:rPr/>
+              <a:t> </a:t>
+            </a:r>
+            <a:r>
+              <a:rPr/>
+              <a:t>random</a:t>
+            </a:r>
+            <a:r>
+              <a:rPr/>
+              <a:t> </a:t>
+            </a:r>
+            <a:r>
+              <a:rPr/>
+              <a:t>device,</a:t>
+            </a:r>
+            <a:r>
+              <a:rPr/>
+              <a:t> </a:t>
+            </a:r>
+            <a:r>
+              <a:rPr/>
+              <a:t>like</a:t>
+            </a:r>
+            <a:r>
+              <a:rPr/>
+              <a:t> </a:t>
+            </a:r>
+            <a:r>
+              <a:rPr/>
+              <a:t>the</a:t>
+            </a:r>
+            <a:r>
+              <a:rPr/>
+              <a:t> </a:t>
+            </a:r>
+            <a:r>
+              <a:rPr/>
+              <a:t>toss</a:t>
+            </a:r>
+            <a:r>
+              <a:rPr/>
+              <a:t> </a:t>
+            </a:r>
+            <a:r>
+              <a:rPr/>
+              <a:t>of</a:t>
+            </a:r>
+            <a:r>
+              <a:rPr/>
+              <a:t> </a:t>
+            </a:r>
+            <a:r>
+              <a:rPr/>
+              <a:t>a</a:t>
+            </a:r>
+            <a:r>
+              <a:rPr/>
+              <a:t> </a:t>
+            </a:r>
+            <a:r>
+              <a:rPr/>
+              <a:t>coin</a:t>
+            </a:r>
+            <a:r>
+              <a:rPr/>
+              <a:t> </a:t>
+            </a:r>
+            <a:r>
+              <a:rPr/>
+              <a:t>or</a:t>
+            </a:r>
+            <a:r>
+              <a:rPr/>
+              <a:t> </a:t>
+            </a:r>
+            <a:r>
+              <a:rPr/>
+              <a:t>the</a:t>
+            </a:r>
+            <a:r>
+              <a:rPr/>
+              <a:t> </a:t>
+            </a:r>
+            <a:r>
+              <a:rPr/>
+              <a:t>roll</a:t>
+            </a:r>
+            <a:r>
+              <a:rPr/>
+              <a:t> </a:t>
+            </a:r>
+            <a:r>
+              <a:rPr/>
+              <a:t>of</a:t>
+            </a:r>
+            <a:r>
+              <a:rPr/>
+              <a:t> </a:t>
+            </a:r>
+            <a:r>
+              <a:rPr/>
+              <a:t>a</a:t>
+            </a:r>
+            <a:r>
+              <a:rPr/>
+              <a:t> </a:t>
+            </a:r>
+            <a:r>
+              <a:rPr/>
+              <a:t>die,</a:t>
+            </a:r>
+            <a:r>
+              <a:rPr/>
+              <a:t> </a:t>
+            </a:r>
+            <a:r>
+              <a:rPr/>
+              <a:t>or</a:t>
+            </a:r>
+            <a:r>
+              <a:rPr/>
+              <a:t> </a:t>
+            </a:r>
+            <a:r>
+              <a:rPr/>
+              <a:t>more</a:t>
+            </a:r>
+            <a:r>
+              <a:rPr/>
+              <a:t> </a:t>
+            </a:r>
+            <a:r>
+              <a:rPr/>
+              <a:t>frequently,</a:t>
+            </a:r>
+            <a:r>
+              <a:rPr/>
+              <a:t> </a:t>
+            </a:r>
+            <a:r>
+              <a:rPr/>
+              <a:t>a</a:t>
+            </a:r>
+            <a:r>
+              <a:rPr/>
+              <a:t> </a:t>
+            </a:r>
+            <a:r>
+              <a:rPr/>
+              <a:t>random</a:t>
+            </a:r>
+            <a:r>
+              <a:rPr/>
+              <a:t> </a:t>
+            </a:r>
+            <a:r>
+              <a:rPr/>
+              <a:t>number</a:t>
+            </a:r>
+            <a:r>
+              <a:rPr/>
+              <a:t> </a:t>
+            </a:r>
+            <a:r>
+              <a:rPr/>
+              <a:t>generator</a:t>
+            </a:r>
+            <a:r>
+              <a:rPr/>
+              <a:t> </a:t>
+            </a:r>
+            <a:r>
+              <a:rPr/>
+              <a:t>to</a:t>
+            </a:r>
+            <a:r>
+              <a:rPr/>
+              <a:t> </a:t>
+            </a:r>
+            <a:r>
+              <a:rPr/>
+              <a:t>see</a:t>
+            </a:r>
+            <a:r>
+              <a:rPr/>
+              <a:t> </a:t>
+            </a:r>
+            <a:r>
+              <a:rPr/>
+              <a:t>which</a:t>
+            </a:r>
+            <a:r>
+              <a:rPr/>
+              <a:t> </a:t>
+            </a:r>
+            <a:r>
+              <a:rPr/>
+              <a:t>patients</a:t>
+            </a:r>
+            <a:r>
+              <a:rPr/>
+              <a:t> </a:t>
+            </a:r>
+            <a:r>
+              <a:rPr/>
+              <a:t>are</a:t>
+            </a:r>
+            <a:r>
+              <a:rPr/>
+              <a:t> </a:t>
+            </a:r>
+            <a:r>
+              <a:rPr/>
+              <a:t>assigned</a:t>
+            </a:r>
+            <a:r>
+              <a:rPr/>
+              <a:t> </a:t>
+            </a:r>
+            <a:r>
+              <a:rPr/>
+              <a:t>to</a:t>
+            </a:r>
+            <a:r>
+              <a:rPr/>
+              <a:t> </a:t>
+            </a:r>
+            <a:r>
+              <a:rPr/>
+              <a:t>which</a:t>
+            </a:r>
+            <a:r>
+              <a:rPr/>
+              <a:t> </a:t>
+            </a:r>
+            <a:r>
+              <a:rPr/>
+              <a:t>treatment</a:t>
+            </a:r>
+            <a:r>
+              <a:rPr/>
+              <a:t> </a:t>
+            </a:r>
+            <a:r>
+              <a:rPr/>
+              <a:t>groups.</a:t>
+            </a:r>
+            <a:r>
+              <a:rPr/>
+              <a:t> </a:t>
+            </a:r>
+            <a:r>
+              <a:rPr/>
+              <a:t>Randomization</a:t>
+            </a:r>
+            <a:r>
+              <a:rPr/>
+              <a:t> </a:t>
+            </a:r>
+            <a:r>
+              <a:rPr/>
+              <a:t>is</a:t>
+            </a:r>
+            <a:r>
+              <a:rPr/>
+              <a:t> </a:t>
+            </a:r>
+            <a:r>
+              <a:rPr/>
+              <a:t>difficult</a:t>
+            </a:r>
+            <a:r>
+              <a:rPr/>
+              <a:t> </a:t>
+            </a:r>
+            <a:r>
+              <a:rPr/>
+              <a:t>to</a:t>
+            </a:r>
+            <a:r>
+              <a:rPr/>
+              <a:t> </a:t>
+            </a:r>
+            <a:r>
+              <a:rPr/>
+              <a:t>achieve,</a:t>
+            </a:r>
+            <a:r>
+              <a:rPr/>
+              <a:t> </a:t>
+            </a:r>
+            <a:r>
+              <a:rPr/>
+              <a:t>and</a:t>
+            </a:r>
+            <a:r>
+              <a:rPr/>
+              <a:t> </a:t>
+            </a:r>
+            <a:r>
+              <a:rPr/>
+              <a:t>impossible</a:t>
+            </a:r>
+            <a:r>
+              <a:rPr/>
+              <a:t> </a:t>
+            </a:r>
+            <a:r>
+              <a:rPr/>
+              <a:t>to</a:t>
+            </a:r>
+            <a:r>
+              <a:rPr/>
+              <a:t> </a:t>
+            </a:r>
+            <a:r>
+              <a:rPr/>
+              <a:t>achieve</a:t>
+            </a:r>
+            <a:r>
+              <a:rPr/>
+              <a:t> </a:t>
+            </a:r>
+            <a:r>
+              <a:rPr/>
+              <a:t>in</a:t>
+            </a:r>
+            <a:r>
+              <a:rPr/>
+              <a:t> </a:t>
+            </a:r>
+            <a:r>
+              <a:rPr/>
+              <a:t>some</a:t>
+            </a:r>
+            <a:r>
+              <a:rPr/>
+              <a:t> </a:t>
+            </a:r>
+            <a:r>
+              <a:rPr/>
+              <a:t>settings.</a:t>
+            </a:r>
+            <a:r>
+              <a:rPr/>
+              <a:t> </a:t>
+            </a:r>
+            <a:r>
+              <a:rPr/>
+              <a:t>When</a:t>
+            </a:r>
+            <a:r>
+              <a:rPr/>
+              <a:t> </a:t>
+            </a:r>
+            <a:r>
+              <a:rPr/>
+              <a:t>you</a:t>
+            </a:r>
+            <a:r>
+              <a:rPr/>
+              <a:t> </a:t>
+            </a:r>
+            <a:r>
+              <a:rPr/>
+              <a:t>can</a:t>
+            </a:r>
+            <a:r>
+              <a:rPr/>
+              <a:t> </a:t>
+            </a:r>
+            <a:r>
+              <a:rPr/>
+              <a:t>use</a:t>
+            </a:r>
+            <a:r>
+              <a:rPr/>
+              <a:t> </a:t>
+            </a:r>
+            <a:r>
+              <a:rPr/>
+              <a:t>randomization,</a:t>
+            </a:r>
+            <a:r>
+              <a:rPr/>
+              <a:t> </a:t>
+            </a:r>
+            <a:r>
+              <a:rPr/>
+              <a:t>however,</a:t>
+            </a:r>
+            <a:r>
+              <a:rPr/>
+              <a:t> </a:t>
+            </a:r>
+            <a:r>
+              <a:rPr/>
+              <a:t>it</a:t>
+            </a:r>
+            <a:r>
+              <a:rPr/>
+              <a:t> </a:t>
+            </a:r>
+            <a:r>
+              <a:rPr/>
+              <a:t>is</a:t>
+            </a:r>
+            <a:r>
+              <a:rPr/>
+              <a:t> </a:t>
+            </a:r>
+            <a:r>
+              <a:rPr/>
+              <a:t>very</a:t>
+            </a:r>
+            <a:r>
+              <a:rPr/>
+              <a:t> </a:t>
+            </a:r>
+            <a:r>
+              <a:rPr/>
+              <a:t>powerful,</a:t>
+            </a:r>
+            <a:r>
+              <a:rPr/>
+              <a:t> </a:t>
+            </a:r>
+            <a:r>
+              <a:rPr/>
+              <a:t>eliminating</a:t>
+            </a:r>
+            <a:r>
+              <a:rPr/>
+              <a:t> </a:t>
+            </a:r>
+            <a:r>
+              <a:rPr/>
+              <a:t>many</a:t>
+            </a:r>
+            <a:r>
+              <a:rPr/>
+              <a:t> </a:t>
+            </a:r>
+            <a:r>
+              <a:rPr/>
+              <a:t>potential</a:t>
+            </a:r>
+            <a:r>
+              <a:rPr/>
+              <a:t> </a:t>
+            </a:r>
+            <a:r>
+              <a:rPr/>
+              <a:t>biases</a:t>
+            </a:r>
+            <a:r>
+              <a:rPr/>
+              <a:t> </a:t>
+            </a:r>
+            <a:r>
+              <a:rPr/>
+              <a:t>in</a:t>
+            </a:r>
+            <a:r>
+              <a:rPr/>
+              <a:t> </a:t>
+            </a:r>
+            <a:r>
+              <a:rPr/>
+              <a:t>your</a:t>
+            </a:r>
+            <a:r>
+              <a:rPr/>
+              <a:t> </a:t>
+            </a:r>
+            <a:r>
+              <a:rPr/>
+              <a:t>study</a:t>
+            </a:r>
+            <a:r>
+              <a:rPr/>
+              <a:t> </a:t>
+            </a:r>
+            <a:r>
+              <a:rPr/>
+              <a:t>and</a:t>
+            </a:r>
+            <a:r>
+              <a:rPr/>
+              <a:t> </a:t>
+            </a:r>
+            <a:r>
+              <a:rPr/>
+              <a:t>allowing</a:t>
+            </a:r>
+            <a:r>
+              <a:rPr/>
+              <a:t> </a:t>
+            </a:r>
+            <a:r>
+              <a:rPr/>
+              <a:t>you</a:t>
+            </a:r>
+            <a:r>
+              <a:rPr/>
+              <a:t> </a:t>
+            </a:r>
+            <a:r>
+              <a:rPr/>
+              <a:t>to</a:t>
+            </a:r>
+            <a:r>
+              <a:rPr/>
+              <a:t> </a:t>
+            </a:r>
+            <a:r>
+              <a:rPr/>
+              <a:t>make</a:t>
+            </a:r>
+            <a:r>
+              <a:rPr/>
+              <a:t> </a:t>
+            </a:r>
+            <a:r>
+              <a:rPr/>
+              <a:t>strong</a:t>
+            </a:r>
+            <a:r>
+              <a:rPr/>
+              <a:t> </a:t>
+            </a:r>
+            <a:r>
+              <a:rPr/>
+              <a:t>probability</a:t>
+            </a:r>
+            <a:r>
+              <a:rPr/>
+              <a:t> </a:t>
+            </a:r>
+            <a:r>
+              <a:rPr/>
+              <a:t>statements</a:t>
+            </a:r>
+            <a:r>
+              <a:rPr/>
+              <a:t> </a:t>
+            </a:r>
+            <a:r>
+              <a:rPr/>
+              <a:t>about</a:t>
+            </a:r>
+            <a:r>
+              <a:rPr/>
+              <a:t> </a:t>
+            </a:r>
+            <a:r>
+              <a:rPr/>
+              <a:t>the</a:t>
+            </a:r>
+            <a:r>
+              <a:rPr/>
+              <a:t> </a:t>
+            </a:r>
+            <a:r>
+              <a:rPr/>
+              <a:t>data</a:t>
+            </a:r>
+            <a:r>
+              <a:rPr/>
+              <a:t> </a:t>
+            </a:r>
+            <a:r>
+              <a:rPr/>
+              <a:t>that</a:t>
+            </a:r>
+            <a:r>
+              <a:rPr/>
+              <a:t> </a:t>
+            </a:r>
+            <a:r>
+              <a:rPr/>
+              <a:t>you</a:t>
+            </a:r>
+            <a:r>
+              <a:rPr/>
+              <a:t> </a:t>
+            </a:r>
+            <a:r>
+              <a:rPr/>
+              <a:t>collect.</a:t>
+            </a:r>
+            <a:r>
+              <a:rPr/>
+              <a:t> </a:t>
+            </a:r>
+            <a:r>
+              <a:rPr/>
+              <a:t>You</a:t>
+            </a:r>
+            <a:r>
+              <a:rPr/>
+              <a:t> </a:t>
+            </a:r>
+            <a:r>
+              <a:rPr/>
+              <a:t>should</a:t>
+            </a:r>
+            <a:r>
+              <a:rPr/>
+              <a:t> </a:t>
+            </a:r>
+            <a:r>
+              <a:rPr/>
+              <a:t>know</a:t>
+            </a:r>
+            <a:r>
+              <a:rPr/>
+              <a:t> </a:t>
+            </a:r>
+            <a:r>
+              <a:rPr/>
+              <a:t>when</a:t>
+            </a:r>
+            <a:r>
+              <a:rPr/>
+              <a:t> </a:t>
+            </a:r>
+            <a:r>
+              <a:rPr/>
+              <a:t>to</a:t>
+            </a:r>
+            <a:r>
+              <a:rPr/>
+              <a:t> </a:t>
+            </a:r>
+            <a:r>
+              <a:rPr/>
+              <a:t>use</a:t>
+            </a:r>
+            <a:r>
+              <a:rPr/>
+              <a:t> </a:t>
+            </a:r>
+            <a:r>
+              <a:rPr/>
+              <a:t>randomization</a:t>
+            </a:r>
+            <a:r>
+              <a:rPr/>
+              <a:t> </a:t>
+            </a:r>
+            <a:r>
+              <a:rPr/>
+              <a:t>and</a:t>
+            </a:r>
+            <a:r>
+              <a:rPr/>
+              <a:t> </a:t>
+            </a:r>
+            <a:r>
+              <a:rPr/>
+              <a:t>when</a:t>
+            </a:r>
+            <a:r>
+              <a:rPr/>
+              <a:t> </a:t>
+            </a:r>
+            <a:r>
+              <a:rPr/>
+              <a:t>it</a:t>
+            </a:r>
+            <a:r>
+              <a:rPr/>
+              <a:t> </a:t>
+            </a:r>
+            <a:r>
+              <a:rPr/>
+              <a:t>is</a:t>
+            </a:r>
+            <a:r>
+              <a:rPr/>
+              <a:t> </a:t>
+            </a:r>
+            <a:r>
+              <a:rPr/>
+              <a:t>impractical</a:t>
+            </a:r>
+            <a:r>
+              <a:rPr/>
+              <a:t> </a:t>
+            </a:r>
+            <a:r>
+              <a:rPr/>
+              <a:t>or</a:t>
+            </a:r>
+            <a:r>
+              <a:rPr/>
+              <a:t> </a:t>
+            </a:r>
+            <a:r>
+              <a:rPr/>
+              <a:t>impossible</a:t>
+            </a:r>
+            <a:r>
+              <a:rPr/>
+              <a:t> </a:t>
+            </a:r>
+            <a:r>
+              <a:rPr/>
+              <a:t>to</a:t>
+            </a:r>
+            <a:r>
+              <a:rPr/>
+              <a:t> </a:t>
+            </a:r>
+            <a:r>
+              <a:rPr/>
+              <a:t>use.</a:t>
             </a:r>
           </a:p>
         </p:txBody>
@@ -5192,7 +7909,7 @@
           <a:p>
             <a:fld id="{18BDFEC3-8487-43E8-A154-7C12CBC1FFF2}" type="slidenum">
               <a:rPr lang="en-US"/>
-              <a:t>5</a:t>
+              <a:t>6</a:t>
             </a:fld>
             <a:endParaRPr lang="en-US"/>
           </a:p>
@@ -5252,23 +7969,487 @@
             </a:pPr>
             <a:r>
               <a:rPr/>
-              <a:t>To</a:t>
-            </a:r>
-            <a:r>
-              <a:rPr/>
-              <a:t> </a:t>
-            </a:r>
-            <a:r>
-              <a:rPr/>
-              <a:t>be</a:t>
-            </a:r>
-            <a:r>
-              <a:rPr/>
-              <a:t> </a:t>
-            </a:r>
-            <a:r>
-              <a:rPr/>
-              <a:t>added.</a:t>
+              <a:t>Quasi-experimental</a:t>
+            </a:r>
+            <a:r>
+              <a:rPr/>
+              <a:t> </a:t>
+            </a:r>
+            <a:r>
+              <a:rPr/>
+              <a:t>designs</a:t>
+            </a:r>
+            <a:r>
+              <a:rPr/>
+              <a:t> </a:t>
+            </a:r>
+            <a:r>
+              <a:rPr/>
+              <a:t>are</a:t>
+            </a:r>
+            <a:r>
+              <a:rPr/>
+              <a:t> </a:t>
+            </a:r>
+            <a:r>
+              <a:rPr/>
+              <a:t>used</a:t>
+            </a:r>
+            <a:r>
+              <a:rPr/>
+              <a:t> </a:t>
+            </a:r>
+            <a:r>
+              <a:rPr/>
+              <a:t>in</a:t>
+            </a:r>
+            <a:r>
+              <a:rPr/>
+              <a:t> </a:t>
+            </a:r>
+            <a:r>
+              <a:rPr/>
+              <a:t>settings</a:t>
+            </a:r>
+            <a:r>
+              <a:rPr/>
+              <a:t> </a:t>
+            </a:r>
+            <a:r>
+              <a:rPr/>
+              <a:t>where</a:t>
+            </a:r>
+            <a:r>
+              <a:rPr/>
+              <a:t> </a:t>
+            </a:r>
+            <a:r>
+              <a:rPr/>
+              <a:t>you</a:t>
+            </a:r>
+            <a:r>
+              <a:rPr/>
+              <a:t> </a:t>
+            </a:r>
+            <a:r>
+              <a:rPr/>
+              <a:t>have</a:t>
+            </a:r>
+            <a:r>
+              <a:rPr/>
+              <a:t> </a:t>
+            </a:r>
+            <a:r>
+              <a:rPr/>
+              <a:t>control</a:t>
+            </a:r>
+            <a:r>
+              <a:rPr/>
+              <a:t> </a:t>
+            </a:r>
+            <a:r>
+              <a:rPr/>
+              <a:t>over</a:t>
+            </a:r>
+            <a:r>
+              <a:rPr/>
+              <a:t> </a:t>
+            </a:r>
+            <a:r>
+              <a:rPr/>
+              <a:t>the</a:t>
+            </a:r>
+            <a:r>
+              <a:rPr/>
+              <a:t> </a:t>
+            </a:r>
+            <a:r>
+              <a:rPr/>
+              <a:t>intervention</a:t>
+            </a:r>
+            <a:r>
+              <a:rPr/>
+              <a:t> </a:t>
+            </a:r>
+            <a:r>
+              <a:rPr/>
+              <a:t>being</a:t>
+            </a:r>
+            <a:r>
+              <a:rPr/>
+              <a:t> </a:t>
+            </a:r>
+            <a:r>
+              <a:rPr/>
+              <a:t>offered,</a:t>
+            </a:r>
+            <a:r>
+              <a:rPr/>
+              <a:t> </a:t>
+            </a:r>
+            <a:r>
+              <a:rPr/>
+              <a:t>but</a:t>
+            </a:r>
+            <a:r>
+              <a:rPr/>
+              <a:t> </a:t>
+            </a:r>
+            <a:r>
+              <a:rPr/>
+              <a:t>you</a:t>
+            </a:r>
+            <a:r>
+              <a:rPr/>
+              <a:t> </a:t>
+            </a:r>
+            <a:r>
+              <a:rPr/>
+              <a:t>choose</a:t>
+            </a:r>
+            <a:r>
+              <a:rPr/>
+              <a:t> </a:t>
+            </a:r>
+            <a:r>
+              <a:rPr/>
+              <a:t>to</a:t>
+            </a:r>
+            <a:r>
+              <a:rPr/>
+              <a:t> </a:t>
+            </a:r>
+            <a:r>
+              <a:rPr/>
+              <a:t>forgo</a:t>
+            </a:r>
+            <a:r>
+              <a:rPr/>
+              <a:t> </a:t>
+            </a:r>
+            <a:r>
+              <a:rPr/>
+              <a:t>randomization.</a:t>
+            </a:r>
+            <a:r>
+              <a:rPr/>
+              <a:t> </a:t>
+            </a:r>
+            <a:r>
+              <a:rPr/>
+              <a:t>You</a:t>
+            </a:r>
+            <a:r>
+              <a:rPr/>
+              <a:t> </a:t>
+            </a:r>
+            <a:r>
+              <a:rPr/>
+              <a:t>use</a:t>
+            </a:r>
+            <a:r>
+              <a:rPr/>
+              <a:t> </a:t>
+            </a:r>
+            <a:r>
+              <a:rPr/>
+              <a:t>these</a:t>
+            </a:r>
+            <a:r>
+              <a:rPr/>
+              <a:t> </a:t>
+            </a:r>
+            <a:r>
+              <a:rPr/>
+              <a:t>designs</a:t>
+            </a:r>
+            <a:r>
+              <a:rPr/>
+              <a:t> </a:t>
+            </a:r>
+            <a:r>
+              <a:rPr/>
+              <a:t>often</a:t>
+            </a:r>
+            <a:r>
+              <a:rPr/>
+              <a:t> </a:t>
+            </a:r>
+            <a:r>
+              <a:rPr/>
+              <a:t>when</a:t>
+            </a:r>
+            <a:r>
+              <a:rPr/>
+              <a:t> </a:t>
+            </a:r>
+            <a:r>
+              <a:rPr/>
+              <a:t>randomization</a:t>
+            </a:r>
+            <a:r>
+              <a:rPr/>
+              <a:t> </a:t>
+            </a:r>
+            <a:r>
+              <a:rPr/>
+              <a:t>is</a:t>
+            </a:r>
+            <a:r>
+              <a:rPr/>
+              <a:t> </a:t>
+            </a:r>
+            <a:r>
+              <a:rPr/>
+              <a:t>impractical</a:t>
+            </a:r>
+            <a:r>
+              <a:rPr/>
+              <a:t> </a:t>
+            </a:r>
+            <a:r>
+              <a:rPr/>
+              <a:t>or</a:t>
+            </a:r>
+            <a:r>
+              <a:rPr/>
+              <a:t> </a:t>
+            </a:r>
+            <a:r>
+              <a:rPr/>
+              <a:t>unacceptable.</a:t>
+            </a:r>
+            <a:r>
+              <a:rPr/>
+              <a:t> </a:t>
+            </a:r>
+            <a:r>
+              <a:rPr/>
+              <a:t>These</a:t>
+            </a:r>
+            <a:r>
+              <a:rPr/>
+              <a:t> </a:t>
+            </a:r>
+            <a:r>
+              <a:rPr/>
+              <a:t>designs</a:t>
+            </a:r>
+            <a:r>
+              <a:rPr/>
+              <a:t> </a:t>
+            </a:r>
+            <a:r>
+              <a:rPr/>
+              <a:t>are</a:t>
+            </a:r>
+            <a:r>
+              <a:rPr/>
+              <a:t> </a:t>
+            </a:r>
+            <a:r>
+              <a:rPr/>
+              <a:t>frequently</a:t>
+            </a:r>
+            <a:r>
+              <a:rPr/>
+              <a:t> </a:t>
+            </a:r>
+            <a:r>
+              <a:rPr/>
+              <a:t>used</a:t>
+            </a:r>
+            <a:r>
+              <a:rPr/>
+              <a:t> </a:t>
+            </a:r>
+            <a:r>
+              <a:rPr/>
+              <a:t>in</a:t>
+            </a:r>
+            <a:r>
+              <a:rPr/>
+              <a:t> </a:t>
+            </a:r>
+            <a:r>
+              <a:rPr/>
+              <a:t>quality</a:t>
+            </a:r>
+            <a:r>
+              <a:rPr/>
+              <a:t> </a:t>
+            </a:r>
+            <a:r>
+              <a:rPr/>
+              <a:t>improvement</a:t>
+            </a:r>
+            <a:r>
+              <a:rPr/>
+              <a:t> </a:t>
+            </a:r>
+            <a:r>
+              <a:rPr/>
+              <a:t>studies.</a:t>
+            </a:r>
+            <a:r>
+              <a:rPr/>
+              <a:t> </a:t>
+            </a:r>
+            <a:r>
+              <a:rPr/>
+              <a:t>While</a:t>
+            </a:r>
+            <a:r>
+              <a:rPr/>
+              <a:t> </a:t>
+            </a:r>
+            <a:r>
+              <a:rPr/>
+              <a:t>there</a:t>
+            </a:r>
+            <a:r>
+              <a:rPr/>
+              <a:t> </a:t>
+            </a:r>
+            <a:r>
+              <a:rPr/>
+              <a:t>are</a:t>
+            </a:r>
+            <a:r>
+              <a:rPr/>
+              <a:t> </a:t>
+            </a:r>
+            <a:r>
+              <a:rPr/>
+              <a:t>legitimate</a:t>
+            </a:r>
+            <a:r>
+              <a:rPr/>
+              <a:t> </a:t>
+            </a:r>
+            <a:r>
+              <a:rPr/>
+              <a:t>concerns</a:t>
+            </a:r>
+            <a:r>
+              <a:rPr/>
+              <a:t> </a:t>
+            </a:r>
+            <a:r>
+              <a:rPr/>
+              <a:t>about</a:t>
+            </a:r>
+            <a:r>
+              <a:rPr/>
+              <a:t> </a:t>
+            </a:r>
+            <a:r>
+              <a:rPr/>
+              <a:t>weaknesses</a:t>
+            </a:r>
+            <a:r>
+              <a:rPr/>
+              <a:t> </a:t>
+            </a:r>
+            <a:r>
+              <a:rPr/>
+              <a:t>associated</a:t>
+            </a:r>
+            <a:r>
+              <a:rPr/>
+              <a:t> </a:t>
+            </a:r>
+            <a:r>
+              <a:rPr/>
+              <a:t>with</a:t>
+            </a:r>
+            <a:r>
+              <a:rPr/>
+              <a:t> </a:t>
+            </a:r>
+            <a:r>
+              <a:rPr/>
+              <a:t>quasi-experimental</a:t>
+            </a:r>
+            <a:r>
+              <a:rPr/>
+              <a:t> </a:t>
+            </a:r>
+            <a:r>
+              <a:rPr/>
+              <a:t>designs,</a:t>
+            </a:r>
+            <a:r>
+              <a:rPr/>
+              <a:t> </a:t>
+            </a:r>
+            <a:r>
+              <a:rPr/>
+              <a:t>you</a:t>
+            </a:r>
+            <a:r>
+              <a:rPr/>
+              <a:t> </a:t>
+            </a:r>
+            <a:r>
+              <a:rPr/>
+              <a:t>can</a:t>
+            </a:r>
+            <a:r>
+              <a:rPr/>
+              <a:t> </a:t>
+            </a:r>
+            <a:r>
+              <a:rPr/>
+              <a:t>still</a:t>
+            </a:r>
+            <a:r>
+              <a:rPr/>
+              <a:t> </a:t>
+            </a:r>
+            <a:r>
+              <a:rPr/>
+              <a:t>use</a:t>
+            </a:r>
+            <a:r>
+              <a:rPr/>
+              <a:t> </a:t>
+            </a:r>
+            <a:r>
+              <a:rPr/>
+              <a:t>them</a:t>
+            </a:r>
+            <a:r>
+              <a:rPr/>
+              <a:t> </a:t>
+            </a:r>
+            <a:r>
+              <a:rPr/>
+              <a:t>to</a:t>
+            </a:r>
+            <a:r>
+              <a:rPr/>
+              <a:t> </a:t>
+            </a:r>
+            <a:r>
+              <a:rPr/>
+              <a:t>draw</a:t>
+            </a:r>
+            <a:r>
+              <a:rPr/>
+              <a:t> </a:t>
+            </a:r>
+            <a:r>
+              <a:rPr/>
+              <a:t>valid</a:t>
+            </a:r>
+            <a:r>
+              <a:rPr/>
+              <a:t> </a:t>
+            </a:r>
+            <a:r>
+              <a:rPr/>
+              <a:t>inferences.</a:t>
             </a:r>
           </a:p>
         </p:txBody>
@@ -5290,7 +8471,7 @@
           <a:p>
             <a:fld id="{18BDFEC3-8487-43E8-A154-7C12CBC1FFF2}" type="slidenum">
               <a:rPr lang="en-US"/>
-              <a:t>6</a:t>
+              <a:t>7</a:t>
             </a:fld>
             <a:endParaRPr lang="en-US"/>
           </a:p>
@@ -5350,23 +8531,909 @@
             </a:pPr>
             <a:r>
               <a:rPr/>
-              <a:t>To</a:t>
-            </a:r>
-            <a:r>
-              <a:rPr/>
-              <a:t> </a:t>
-            </a:r>
-            <a:r>
-              <a:rPr/>
-              <a:t>be</a:t>
-            </a:r>
-            <a:r>
-              <a:rPr/>
-              <a:t> </a:t>
-            </a:r>
-            <a:r>
-              <a:rPr/>
-              <a:t>added.</a:t>
+              <a:t>Observational</a:t>
+            </a:r>
+            <a:r>
+              <a:rPr/>
+              <a:t> </a:t>
+            </a:r>
+            <a:r>
+              <a:rPr/>
+              <a:t>studies</a:t>
+            </a:r>
+            <a:r>
+              <a:rPr/>
+              <a:t> </a:t>
+            </a:r>
+            <a:r>
+              <a:rPr/>
+              <a:t>are</a:t>
+            </a:r>
+            <a:r>
+              <a:rPr/>
+              <a:t> </a:t>
+            </a:r>
+            <a:r>
+              <a:rPr/>
+              <a:t>used</a:t>
+            </a:r>
+            <a:r>
+              <a:rPr/>
+              <a:t> </a:t>
+            </a:r>
+            <a:r>
+              <a:rPr/>
+              <a:t>when</a:t>
+            </a:r>
+            <a:r>
+              <a:rPr/>
+              <a:t> </a:t>
+            </a:r>
+            <a:r>
+              <a:rPr/>
+              <a:t>the</a:t>
+            </a:r>
+            <a:r>
+              <a:rPr/>
+              <a:t> </a:t>
+            </a:r>
+            <a:r>
+              <a:rPr/>
+              <a:t>researcher</a:t>
+            </a:r>
+            <a:r>
+              <a:rPr/>
+              <a:t> </a:t>
+            </a:r>
+            <a:r>
+              <a:rPr/>
+              <a:t>does</a:t>
+            </a:r>
+            <a:r>
+              <a:rPr/>
+              <a:t> </a:t>
+            </a:r>
+            <a:r>
+              <a:rPr/>
+              <a:t>not</a:t>
+            </a:r>
+            <a:r>
+              <a:rPr/>
+              <a:t> </a:t>
+            </a:r>
+            <a:r>
+              <a:rPr/>
+              <a:t>control</a:t>
+            </a:r>
+            <a:r>
+              <a:rPr/>
+              <a:t> </a:t>
+            </a:r>
+            <a:r>
+              <a:rPr/>
+              <a:t>the</a:t>
+            </a:r>
+            <a:r>
+              <a:rPr/>
+              <a:t> </a:t>
+            </a:r>
+            <a:r>
+              <a:rPr/>
+              <a:t>intervention.</a:t>
+            </a:r>
+            <a:r>
+              <a:rPr/>
+              <a:t> </a:t>
+            </a:r>
+            <a:r>
+              <a:rPr/>
+              <a:t>The</a:t>
+            </a:r>
+            <a:r>
+              <a:rPr/>
+              <a:t> </a:t>
+            </a:r>
+            <a:r>
+              <a:rPr/>
+              <a:t>intervention</a:t>
+            </a:r>
+            <a:r>
+              <a:rPr/>
+              <a:t> </a:t>
+            </a:r>
+            <a:r>
+              <a:rPr/>
+              <a:t>is</a:t>
+            </a:r>
+            <a:r>
+              <a:rPr/>
+              <a:t> </a:t>
+            </a:r>
+            <a:r>
+              <a:rPr/>
+              <a:t>under</a:t>
+            </a:r>
+            <a:r>
+              <a:rPr/>
+              <a:t> </a:t>
+            </a:r>
+            <a:r>
+              <a:rPr/>
+              <a:t>the</a:t>
+            </a:r>
+            <a:r>
+              <a:rPr/>
+              <a:t> </a:t>
+            </a:r>
+            <a:r>
+              <a:rPr/>
+              <a:t>control</a:t>
+            </a:r>
+            <a:r>
+              <a:rPr/>
+              <a:t> </a:t>
+            </a:r>
+            <a:r>
+              <a:rPr/>
+              <a:t>of</a:t>
+            </a:r>
+            <a:r>
+              <a:rPr/>
+              <a:t> </a:t>
+            </a:r>
+            <a:r>
+              <a:rPr/>
+              <a:t>the</a:t>
+            </a:r>
+            <a:r>
+              <a:rPr/>
+              <a:t> </a:t>
+            </a:r>
+            <a:r>
+              <a:rPr/>
+              <a:t>patients</a:t>
+            </a:r>
+            <a:r>
+              <a:rPr/>
+              <a:t> </a:t>
+            </a:r>
+            <a:r>
+              <a:rPr/>
+              <a:t>and</a:t>
+            </a:r>
+            <a:r>
+              <a:rPr/>
+              <a:t> </a:t>
+            </a:r>
+            <a:r>
+              <a:rPr/>
+              <a:t>their</a:t>
+            </a:r>
+            <a:r>
+              <a:rPr/>
+              <a:t> </a:t>
+            </a:r>
+            <a:r>
+              <a:rPr/>
+              <a:t>health</a:t>
+            </a:r>
+            <a:r>
+              <a:rPr/>
+              <a:t> </a:t>
+            </a:r>
+            <a:r>
+              <a:rPr/>
+              <a:t>care</a:t>
+            </a:r>
+            <a:r>
+              <a:rPr/>
+              <a:t> </a:t>
+            </a:r>
+            <a:r>
+              <a:rPr/>
+              <a:t>providers.</a:t>
+            </a:r>
+            <a:r>
+              <a:rPr/>
+              <a:t> </a:t>
+            </a:r>
+            <a:r>
+              <a:rPr/>
+              <a:t>Or</a:t>
+            </a:r>
+            <a:r>
+              <a:rPr/>
+              <a:t> </a:t>
+            </a:r>
+            <a:r>
+              <a:rPr/>
+              <a:t>the</a:t>
+            </a:r>
+            <a:r>
+              <a:rPr/>
+              <a:t> </a:t>
+            </a:r>
+            <a:r>
+              <a:rPr/>
+              <a:t>intervention</a:t>
+            </a:r>
+            <a:r>
+              <a:rPr/>
+              <a:t> </a:t>
+            </a:r>
+            <a:r>
+              <a:rPr/>
+              <a:t>is</a:t>
+            </a:r>
+            <a:r>
+              <a:rPr/>
+              <a:t> </a:t>
+            </a:r>
+            <a:r>
+              <a:rPr/>
+              <a:t>not</a:t>
+            </a:r>
+            <a:r>
+              <a:rPr/>
+              <a:t> </a:t>
+            </a:r>
+            <a:r>
+              <a:rPr/>
+              <a:t>under</a:t>
+            </a:r>
+            <a:r>
+              <a:rPr/>
+              <a:t> </a:t>
+            </a:r>
+            <a:r>
+              <a:rPr/>
+              <a:t>the</a:t>
+            </a:r>
+            <a:r>
+              <a:rPr/>
+              <a:t> </a:t>
+            </a:r>
+            <a:r>
+              <a:rPr/>
+              <a:t>control</a:t>
+            </a:r>
+            <a:r>
+              <a:rPr/>
+              <a:t> </a:t>
+            </a:r>
+            <a:r>
+              <a:rPr/>
+              <a:t>of</a:t>
+            </a:r>
+            <a:r>
+              <a:rPr/>
+              <a:t> </a:t>
+            </a:r>
+            <a:r>
+              <a:rPr/>
+              <a:t>anyone.</a:t>
+            </a:r>
+            <a:r>
+              <a:rPr/>
+              <a:t> </a:t>
+            </a:r>
+            <a:r>
+              <a:rPr/>
+              <a:t>In</a:t>
+            </a:r>
+            <a:r>
+              <a:rPr/>
+              <a:t> </a:t>
+            </a:r>
+            <a:r>
+              <a:rPr/>
+              <a:t>this</a:t>
+            </a:r>
+            <a:r>
+              <a:rPr/>
+              <a:t> </a:t>
+            </a:r>
+            <a:r>
+              <a:rPr/>
+              <a:t>case,</a:t>
+            </a:r>
+            <a:r>
+              <a:rPr/>
+              <a:t> </a:t>
+            </a:r>
+            <a:r>
+              <a:rPr/>
+              <a:t>the</a:t>
+            </a:r>
+            <a:r>
+              <a:rPr/>
+              <a:t> </a:t>
+            </a:r>
+            <a:r>
+              <a:rPr/>
+              <a:t>intervention</a:t>
+            </a:r>
+            <a:r>
+              <a:rPr/>
+              <a:t> </a:t>
+            </a:r>
+            <a:r>
+              <a:rPr/>
+              <a:t>is</a:t>
+            </a:r>
+            <a:r>
+              <a:rPr/>
+              <a:t> </a:t>
+            </a:r>
+            <a:r>
+              <a:rPr/>
+              <a:t>often</a:t>
+            </a:r>
+            <a:r>
+              <a:rPr/>
+              <a:t> </a:t>
+            </a:r>
+            <a:r>
+              <a:rPr/>
+              <a:t>called</a:t>
+            </a:r>
+            <a:r>
+              <a:rPr/>
+              <a:t> </a:t>
+            </a:r>
+            <a:r>
+              <a:rPr/>
+              <a:t>an</a:t>
+            </a:r>
+            <a:r>
+              <a:rPr/>
+              <a:t> </a:t>
+            </a:r>
+            <a:r>
+              <a:rPr/>
+              <a:t>exposure</a:t>
+            </a:r>
+            <a:r>
+              <a:rPr/>
+              <a:t> </a:t>
+            </a:r>
+            <a:r>
+              <a:rPr/>
+              <a:t>instead.</a:t>
+            </a:r>
+            <a:r>
+              <a:rPr/>
+              <a:t> </a:t>
+            </a:r>
+            <a:r>
+              <a:rPr/>
+              <a:t>There</a:t>
+            </a:r>
+            <a:r>
+              <a:rPr/>
+              <a:t> </a:t>
+            </a:r>
+            <a:r>
+              <a:rPr/>
+              <a:t>are</a:t>
+            </a:r>
+            <a:r>
+              <a:rPr/>
+              <a:t> </a:t>
+            </a:r>
+            <a:r>
+              <a:rPr/>
+              <a:t>strong</a:t>
+            </a:r>
+            <a:r>
+              <a:rPr/>
+              <a:t> </a:t>
+            </a:r>
+            <a:r>
+              <a:rPr/>
+              <a:t>advantages</a:t>
+            </a:r>
+            <a:r>
+              <a:rPr/>
+              <a:t> </a:t>
+            </a:r>
+            <a:r>
+              <a:rPr/>
+              <a:t>and</a:t>
+            </a:r>
+            <a:r>
+              <a:rPr/>
+              <a:t> </a:t>
+            </a:r>
+            <a:r>
+              <a:rPr/>
+              <a:t>disadvantages</a:t>
+            </a:r>
+            <a:r>
+              <a:rPr/>
+              <a:t> </a:t>
+            </a:r>
+            <a:r>
+              <a:rPr/>
+              <a:t>to</a:t>
+            </a:r>
+            <a:r>
+              <a:rPr/>
+              <a:t> </a:t>
+            </a:r>
+            <a:r>
+              <a:rPr/>
+              <a:t>the</a:t>
+            </a:r>
+            <a:r>
+              <a:rPr/>
+              <a:t> </a:t>
+            </a:r>
+            <a:r>
+              <a:rPr/>
+              <a:t>use</a:t>
+            </a:r>
+            <a:r>
+              <a:rPr/>
+              <a:t> </a:t>
+            </a:r>
+            <a:r>
+              <a:rPr/>
+              <a:t>of</a:t>
+            </a:r>
+            <a:r>
+              <a:rPr/>
+              <a:t> </a:t>
+            </a:r>
+            <a:r>
+              <a:rPr/>
+              <a:t>observational</a:t>
+            </a:r>
+            <a:r>
+              <a:rPr/>
+              <a:t> </a:t>
+            </a:r>
+            <a:r>
+              <a:rPr/>
+              <a:t>research.</a:t>
+            </a:r>
+            <a:r>
+              <a:rPr/>
+              <a:t> </a:t>
+            </a:r>
+            <a:r>
+              <a:rPr/>
+              <a:t>While</a:t>
+            </a:r>
+            <a:r>
+              <a:rPr/>
+              <a:t> </a:t>
+            </a:r>
+            <a:r>
+              <a:rPr/>
+              <a:t>it</a:t>
+            </a:r>
+            <a:r>
+              <a:rPr/>
+              <a:t> </a:t>
+            </a:r>
+            <a:r>
+              <a:rPr/>
+              <a:t>often</a:t>
+            </a:r>
+            <a:r>
+              <a:rPr/>
+              <a:t> </a:t>
+            </a:r>
+            <a:r>
+              <a:rPr/>
+              <a:t>takes</a:t>
+            </a:r>
+            <a:r>
+              <a:rPr/>
+              <a:t> </a:t>
+            </a:r>
+            <a:r>
+              <a:rPr/>
+              <a:t>more</a:t>
+            </a:r>
+            <a:r>
+              <a:rPr/>
+              <a:t> </a:t>
+            </a:r>
+            <a:r>
+              <a:rPr/>
+              <a:t>effort</a:t>
+            </a:r>
+            <a:r>
+              <a:rPr/>
+              <a:t> </a:t>
+            </a:r>
+            <a:r>
+              <a:rPr/>
+              <a:t>to</a:t>
+            </a:r>
+            <a:r>
+              <a:rPr/>
+              <a:t> </a:t>
+            </a:r>
+            <a:r>
+              <a:rPr/>
+              <a:t>manage</a:t>
+            </a:r>
+            <a:r>
+              <a:rPr/>
+              <a:t> </a:t>
+            </a:r>
+            <a:r>
+              <a:rPr/>
+              <a:t>and</a:t>
+            </a:r>
+            <a:r>
+              <a:rPr/>
+              <a:t> </a:t>
+            </a:r>
+            <a:r>
+              <a:rPr/>
+              <a:t>analyze</a:t>
+            </a:r>
+            <a:r>
+              <a:rPr/>
+              <a:t> </a:t>
+            </a:r>
+            <a:r>
+              <a:rPr/>
+              <a:t>observational</a:t>
+            </a:r>
+            <a:r>
+              <a:rPr/>
+              <a:t> </a:t>
+            </a:r>
+            <a:r>
+              <a:rPr/>
+              <a:t>data,</a:t>
+            </a:r>
+            <a:r>
+              <a:rPr/>
+              <a:t> </a:t>
+            </a:r>
+            <a:r>
+              <a:rPr/>
+              <a:t>it</a:t>
+            </a:r>
+            <a:r>
+              <a:rPr/>
+              <a:t> </a:t>
+            </a:r>
+            <a:r>
+              <a:rPr/>
+              <a:t>can</a:t>
+            </a:r>
+            <a:r>
+              <a:rPr/>
+              <a:t> </a:t>
+            </a:r>
+            <a:r>
+              <a:rPr/>
+              <a:t>still</a:t>
+            </a:r>
+            <a:r>
+              <a:rPr/>
+              <a:t> </a:t>
+            </a:r>
+            <a:r>
+              <a:rPr/>
+              <a:t>provide</a:t>
+            </a:r>
+            <a:r>
+              <a:rPr/>
+              <a:t> </a:t>
+            </a:r>
+            <a:r>
+              <a:rPr/>
+              <a:t>definitive</a:t>
+            </a:r>
+            <a:r>
+              <a:rPr/>
+              <a:t> </a:t>
+            </a:r>
+            <a:r>
+              <a:rPr/>
+              <a:t>conclusions.</a:t>
+            </a:r>
+          </a:p>
+          <a:p>
+            <a:pPr lvl="0" marL="0" indent="0">
+              <a:buNone/>
+            </a:pPr>
+          </a:p>
+          <a:p>
+            <a:pPr lvl="0" marL="0" indent="0">
+              <a:buNone/>
+            </a:pPr>
+            <a:r>
+              <a:rPr/>
+              <a:t>Secondary</a:t>
+            </a:r>
+            <a:r>
+              <a:rPr/>
+              <a:t> </a:t>
+            </a:r>
+            <a:r>
+              <a:rPr/>
+              <a:t>data</a:t>
+            </a:r>
+            <a:r>
+              <a:rPr/>
+              <a:t> </a:t>
+            </a:r>
+            <a:r>
+              <a:rPr/>
+              <a:t>analysis,</a:t>
+            </a:r>
+            <a:r>
+              <a:rPr/>
+              <a:t> </a:t>
+            </a:r>
+            <a:r>
+              <a:rPr/>
+              <a:t>retrospective</a:t>
+            </a:r>
+            <a:r>
+              <a:rPr/>
+              <a:t> </a:t>
+            </a:r>
+            <a:r>
+              <a:rPr/>
+              <a:t>evaluation</a:t>
+            </a:r>
+            <a:r>
+              <a:rPr/>
+              <a:t> </a:t>
+            </a:r>
+            <a:r>
+              <a:rPr/>
+              <a:t>of</a:t>
+            </a:r>
+            <a:r>
+              <a:rPr/>
+              <a:t> </a:t>
+            </a:r>
+            <a:r>
+              <a:rPr/>
+              <a:t>data</a:t>
+            </a:r>
+            <a:r>
+              <a:rPr/>
+              <a:t> </a:t>
+            </a:r>
+            <a:r>
+              <a:rPr/>
+              <a:t>collected</a:t>
+            </a:r>
+            <a:r>
+              <a:rPr/>
+              <a:t> </a:t>
+            </a:r>
+            <a:r>
+              <a:rPr/>
+              <a:t>for</a:t>
+            </a:r>
+            <a:r>
+              <a:rPr/>
+              <a:t> </a:t>
+            </a:r>
+            <a:r>
+              <a:rPr/>
+              <a:t>other</a:t>
+            </a:r>
+            <a:r>
+              <a:rPr/>
+              <a:t> </a:t>
+            </a:r>
+            <a:r>
+              <a:rPr/>
+              <a:t>purposes,</a:t>
+            </a:r>
+            <a:r>
+              <a:rPr/>
+              <a:t> </a:t>
+            </a:r>
+            <a:r>
+              <a:rPr/>
+              <a:t>is</a:t>
+            </a:r>
+            <a:r>
+              <a:rPr/>
+              <a:t> </a:t>
+            </a:r>
+            <a:r>
+              <a:rPr/>
+              <a:t>a</a:t>
+            </a:r>
+            <a:r>
+              <a:rPr/>
+              <a:t> </a:t>
+            </a:r>
+            <a:r>
+              <a:rPr/>
+              <a:t>commonly</a:t>
+            </a:r>
+            <a:r>
+              <a:rPr/>
+              <a:t> </a:t>
+            </a:r>
+            <a:r>
+              <a:rPr/>
+              <a:t>encountered</a:t>
+            </a:r>
+            <a:r>
+              <a:rPr/>
+              <a:t> </a:t>
+            </a:r>
+            <a:r>
+              <a:rPr/>
+              <a:t>form</a:t>
+            </a:r>
+            <a:r>
+              <a:rPr/>
+              <a:t> </a:t>
+            </a:r>
+            <a:r>
+              <a:rPr/>
+              <a:t>of</a:t>
+            </a:r>
+            <a:r>
+              <a:rPr/>
+              <a:t> </a:t>
+            </a:r>
+            <a:r>
+              <a:rPr/>
+              <a:t>observational</a:t>
+            </a:r>
+            <a:r>
+              <a:rPr/>
+              <a:t> </a:t>
+            </a:r>
+            <a:r>
+              <a:rPr/>
+              <a:t>research.</a:t>
+            </a:r>
+            <a:r>
+              <a:rPr/>
+              <a:t> </a:t>
+            </a:r>
+            <a:r>
+              <a:rPr/>
+              <a:t>There</a:t>
+            </a:r>
+            <a:r>
+              <a:rPr/>
+              <a:t> </a:t>
+            </a:r>
+            <a:r>
+              <a:rPr/>
+              <a:t>are</a:t>
+            </a:r>
+            <a:r>
+              <a:rPr/>
+              <a:t> </a:t>
+            </a:r>
+            <a:r>
+              <a:rPr/>
+              <a:t>many</a:t>
+            </a:r>
+            <a:r>
+              <a:rPr/>
+              <a:t> </a:t>
+            </a:r>
+            <a:r>
+              <a:rPr/>
+              <a:t>sources</a:t>
+            </a:r>
+            <a:r>
+              <a:rPr/>
+              <a:t> </a:t>
+            </a:r>
+            <a:r>
+              <a:rPr/>
+              <a:t>of</a:t>
+            </a:r>
+            <a:r>
+              <a:rPr/>
+              <a:t> </a:t>
+            </a:r>
+            <a:r>
+              <a:rPr/>
+              <a:t>secondary</a:t>
+            </a:r>
+            <a:r>
+              <a:rPr/>
+              <a:t> </a:t>
+            </a:r>
+            <a:r>
+              <a:rPr/>
+              <a:t>data</a:t>
+            </a:r>
+            <a:r>
+              <a:rPr/>
+              <a:t> </a:t>
+            </a:r>
+            <a:r>
+              <a:rPr/>
+              <a:t>that</a:t>
+            </a:r>
+            <a:r>
+              <a:rPr/>
+              <a:t> </a:t>
+            </a:r>
+            <a:r>
+              <a:rPr/>
+              <a:t>allow</a:t>
+            </a:r>
+            <a:r>
+              <a:rPr/>
+              <a:t> </a:t>
+            </a:r>
+            <a:r>
+              <a:rPr/>
+              <a:t>you</a:t>
+            </a:r>
+            <a:r>
+              <a:rPr/>
+              <a:t> </a:t>
+            </a:r>
+            <a:r>
+              <a:rPr/>
+              <a:t>to</a:t>
+            </a:r>
+            <a:r>
+              <a:rPr/>
+              <a:t> </a:t>
+            </a:r>
+            <a:r>
+              <a:rPr/>
+              <a:t>quickly</a:t>
+            </a:r>
+            <a:r>
+              <a:rPr/>
+              <a:t> </a:t>
+            </a:r>
+            <a:r>
+              <a:rPr/>
+              <a:t>and</a:t>
+            </a:r>
+            <a:r>
+              <a:rPr/>
+              <a:t> </a:t>
+            </a:r>
+            <a:r>
+              <a:rPr/>
+              <a:t>inexpensively</a:t>
+            </a:r>
+            <a:r>
+              <a:rPr/>
+              <a:t> </a:t>
+            </a:r>
+            <a:r>
+              <a:rPr/>
+              <a:t>produce</a:t>
+            </a:r>
+            <a:r>
+              <a:rPr/>
+              <a:t> </a:t>
+            </a:r>
+            <a:r>
+              <a:rPr/>
+              <a:t>good</a:t>
+            </a:r>
+            <a:r>
+              <a:rPr/>
+              <a:t> </a:t>
+            </a:r>
+            <a:r>
+              <a:rPr/>
+              <a:t>research.</a:t>
             </a:r>
           </a:p>
         </p:txBody>
@@ -5388,7 +9455,7 @@
           <a:p>
             <a:fld id="{18BDFEC3-8487-43E8-A154-7C12CBC1FFF2}" type="slidenum">
               <a:rPr lang="en-US"/>
-              <a:t>7</a:t>
+              <a:t>8</a:t>
             </a:fld>
             <a:endParaRPr lang="en-US"/>
           </a:p>
@@ -5448,23 +9515,207 @@
             </a:pPr>
             <a:r>
               <a:rPr/>
-              <a:t>To</a:t>
-            </a:r>
-            <a:r>
-              <a:rPr/>
-              <a:t> </a:t>
-            </a:r>
-            <a:r>
-              <a:rPr/>
-              <a:t>be</a:t>
-            </a:r>
-            <a:r>
-              <a:rPr/>
-              <a:t> </a:t>
-            </a:r>
-            <a:r>
-              <a:rPr/>
-              <a:t>added.</a:t>
+              <a:t>This</a:t>
+            </a:r>
+            <a:r>
+              <a:rPr/>
+              <a:t> </a:t>
+            </a:r>
+            <a:r>
+              <a:rPr/>
+              <a:t>module</a:t>
+            </a:r>
+            <a:r>
+              <a:rPr/>
+              <a:t> </a:t>
+            </a:r>
+            <a:r>
+              <a:rPr/>
+              <a:t>is</a:t>
+            </a:r>
+            <a:r>
+              <a:rPr/>
+              <a:t> </a:t>
+            </a:r>
+            <a:r>
+              <a:rPr/>
+              <a:t>a</a:t>
+            </a:r>
+            <a:r>
+              <a:rPr/>
+              <a:t> </a:t>
+            </a:r>
+            <a:r>
+              <a:rPr/>
+              <a:t>continuation</a:t>
+            </a:r>
+            <a:r>
+              <a:rPr/>
+              <a:t> </a:t>
+            </a:r>
+            <a:r>
+              <a:rPr/>
+              <a:t>of</a:t>
+            </a:r>
+            <a:r>
+              <a:rPr/>
+              <a:t> </a:t>
+            </a:r>
+            <a:r>
+              <a:rPr/>
+              <a:t>the</a:t>
+            </a:r>
+            <a:r>
+              <a:rPr/>
+              <a:t> </a:t>
+            </a:r>
+            <a:r>
+              <a:rPr/>
+              <a:t>work</a:t>
+            </a:r>
+            <a:r>
+              <a:rPr/>
+              <a:t> </a:t>
+            </a:r>
+            <a:r>
+              <a:rPr/>
+              <a:t>on</a:t>
+            </a:r>
+            <a:r>
+              <a:rPr/>
+              <a:t> </a:t>
+            </a:r>
+            <a:r>
+              <a:rPr/>
+              <a:t>observational</a:t>
+            </a:r>
+            <a:r>
+              <a:rPr/>
+              <a:t> </a:t>
+            </a:r>
+            <a:r>
+              <a:rPr/>
+              <a:t>data</a:t>
+            </a:r>
+            <a:r>
+              <a:rPr/>
+              <a:t> </a:t>
+            </a:r>
+            <a:r>
+              <a:rPr/>
+              <a:t>in</a:t>
+            </a:r>
+            <a:r>
+              <a:rPr/>
+              <a:t> </a:t>
+            </a:r>
+            <a:r>
+              <a:rPr/>
+              <a:t>the</a:t>
+            </a:r>
+            <a:r>
+              <a:rPr/>
+              <a:t> </a:t>
+            </a:r>
+            <a:r>
+              <a:rPr/>
+              <a:t>previous</a:t>
+            </a:r>
+            <a:r>
+              <a:rPr/>
+              <a:t> </a:t>
+            </a:r>
+            <a:r>
+              <a:rPr/>
+              <a:t>module,</a:t>
+            </a:r>
+            <a:r>
+              <a:rPr/>
+              <a:t> </a:t>
+            </a:r>
+            <a:r>
+              <a:rPr/>
+              <a:t>plus</a:t>
+            </a:r>
+            <a:r>
+              <a:rPr/>
+              <a:t> </a:t>
+            </a:r>
+            <a:r>
+              <a:rPr/>
+              <a:t>a</a:t>
+            </a:r>
+            <a:r>
+              <a:rPr/>
+              <a:t> </a:t>
+            </a:r>
+            <a:r>
+              <a:rPr/>
+              <a:t>chance</a:t>
+            </a:r>
+            <a:r>
+              <a:rPr/>
+              <a:t> </a:t>
+            </a:r>
+            <a:r>
+              <a:rPr/>
+              <a:t>to</a:t>
+            </a:r>
+            <a:r>
+              <a:rPr/>
+              <a:t> </a:t>
+            </a:r>
+            <a:r>
+              <a:rPr/>
+              <a:t>review</a:t>
+            </a:r>
+            <a:r>
+              <a:rPr/>
+              <a:t> </a:t>
+            </a:r>
+            <a:r>
+              <a:rPr/>
+              <a:t>all</a:t>
+            </a:r>
+            <a:r>
+              <a:rPr/>
+              <a:t> </a:t>
+            </a:r>
+            <a:r>
+              <a:rPr/>
+              <a:t>the</a:t>
+            </a:r>
+            <a:r>
+              <a:rPr/>
+              <a:t> </a:t>
+            </a:r>
+            <a:r>
+              <a:rPr/>
+              <a:t>material</a:t>
+            </a:r>
+            <a:r>
+              <a:rPr/>
+              <a:t> </a:t>
+            </a:r>
+            <a:r>
+              <a:rPr/>
+              <a:t>covered</a:t>
+            </a:r>
+            <a:r>
+              <a:rPr/>
+              <a:t> </a:t>
+            </a:r>
+            <a:r>
+              <a:rPr/>
+              <a:t>to</a:t>
+            </a:r>
+            <a:r>
+              <a:rPr/>
+              <a:t> </a:t>
+            </a:r>
+            <a:r>
+              <a:rPr/>
+              <a:t>date.</a:t>
             </a:r>
           </a:p>
         </p:txBody>
@@ -5486,7 +9737,7 @@
           <a:p>
             <a:fld id="{18BDFEC3-8487-43E8-A154-7C12CBC1FFF2}" type="slidenum">
               <a:rPr lang="en-US"/>
-              <a:t>8</a:t>
+              <a:t>9</a:t>
             </a:fld>
             <a:endParaRPr lang="en-US"/>
           </a:p>
@@ -5546,23 +9797,335 @@
             </a:pPr>
             <a:r>
               <a:rPr/>
-              <a:t>To</a:t>
-            </a:r>
-            <a:r>
-              <a:rPr/>
-              <a:t> </a:t>
-            </a:r>
-            <a:r>
-              <a:rPr/>
-              <a:t>be</a:t>
-            </a:r>
-            <a:r>
-              <a:rPr/>
-              <a:t> </a:t>
-            </a:r>
-            <a:r>
-              <a:rPr/>
-              <a:t>added.</a:t>
+              <a:t>Sampling</a:t>
+            </a:r>
+            <a:r>
+              <a:rPr/>
+              <a:t> </a:t>
+            </a:r>
+            <a:r>
+              <a:rPr/>
+              <a:t>is</a:t>
+            </a:r>
+            <a:r>
+              <a:rPr/>
+              <a:t> </a:t>
+            </a:r>
+            <a:r>
+              <a:rPr/>
+              <a:t>the</a:t>
+            </a:r>
+            <a:r>
+              <a:rPr/>
+              <a:t> </a:t>
+            </a:r>
+            <a:r>
+              <a:rPr/>
+              <a:t>process</a:t>
+            </a:r>
+            <a:r>
+              <a:rPr/>
+              <a:t> </a:t>
+            </a:r>
+            <a:r>
+              <a:rPr/>
+              <a:t>by</a:t>
+            </a:r>
+            <a:r>
+              <a:rPr/>
+              <a:t> </a:t>
+            </a:r>
+            <a:r>
+              <a:rPr/>
+              <a:t>which</a:t>
+            </a:r>
+            <a:r>
+              <a:rPr/>
+              <a:t> </a:t>
+            </a:r>
+            <a:r>
+              <a:rPr/>
+              <a:t>you</a:t>
+            </a:r>
+            <a:r>
+              <a:rPr/>
+              <a:t> </a:t>
+            </a:r>
+            <a:r>
+              <a:rPr/>
+              <a:t>select</a:t>
+            </a:r>
+            <a:r>
+              <a:rPr/>
+              <a:t> </a:t>
+            </a:r>
+            <a:r>
+              <a:rPr/>
+              <a:t>patients</a:t>
+            </a:r>
+            <a:r>
+              <a:rPr/>
+              <a:t> </a:t>
+            </a:r>
+            <a:r>
+              <a:rPr/>
+              <a:t>for</a:t>
+            </a:r>
+            <a:r>
+              <a:rPr/>
+              <a:t> </a:t>
+            </a:r>
+            <a:r>
+              <a:rPr/>
+              <a:t>your</a:t>
+            </a:r>
+            <a:r>
+              <a:rPr/>
+              <a:t> </a:t>
+            </a:r>
+            <a:r>
+              <a:rPr/>
+              <a:t>research</a:t>
+            </a:r>
+            <a:r>
+              <a:rPr/>
+              <a:t> </a:t>
+            </a:r>
+            <a:r>
+              <a:rPr/>
+              <a:t>study.</a:t>
+            </a:r>
+            <a:r>
+              <a:rPr/>
+              <a:t> </a:t>
+            </a:r>
+            <a:r>
+              <a:rPr/>
+              <a:t>You</a:t>
+            </a:r>
+            <a:r>
+              <a:rPr/>
+              <a:t> </a:t>
+            </a:r>
+            <a:r>
+              <a:rPr/>
+              <a:t>can</a:t>
+            </a:r>
+            <a:r>
+              <a:rPr/>
+              <a:t> </a:t>
+            </a:r>
+            <a:r>
+              <a:rPr/>
+              <a:t>use</a:t>
+            </a:r>
+            <a:r>
+              <a:rPr/>
+              <a:t> </a:t>
+            </a:r>
+            <a:r>
+              <a:rPr/>
+              <a:t>probability</a:t>
+            </a:r>
+            <a:r>
+              <a:rPr/>
+              <a:t> </a:t>
+            </a:r>
+            <a:r>
+              <a:rPr/>
+              <a:t>principles</a:t>
+            </a:r>
+            <a:r>
+              <a:rPr/>
+              <a:t> </a:t>
+            </a:r>
+            <a:r>
+              <a:rPr/>
+              <a:t>to</a:t>
+            </a:r>
+            <a:r>
+              <a:rPr/>
+              <a:t> </a:t>
+            </a:r>
+            <a:r>
+              <a:rPr/>
+              <a:t>generate</a:t>
+            </a:r>
+            <a:r>
+              <a:rPr/>
+              <a:t> </a:t>
+            </a:r>
+            <a:r>
+              <a:rPr/>
+              <a:t>your</a:t>
+            </a:r>
+            <a:r>
+              <a:rPr/>
+              <a:t> </a:t>
+            </a:r>
+            <a:r>
+              <a:rPr/>
+              <a:t>sample</a:t>
+            </a:r>
+            <a:r>
+              <a:rPr/>
+              <a:t> </a:t>
+            </a:r>
+            <a:r>
+              <a:rPr/>
+              <a:t>(probability</a:t>
+            </a:r>
+            <a:r>
+              <a:rPr/>
+              <a:t> </a:t>
+            </a:r>
+            <a:r>
+              <a:rPr/>
+              <a:t>sampling),</a:t>
+            </a:r>
+            <a:r>
+              <a:rPr/>
+              <a:t> </a:t>
+            </a:r>
+            <a:r>
+              <a:rPr/>
+              <a:t>which</a:t>
+            </a:r>
+            <a:r>
+              <a:rPr/>
+              <a:t> </a:t>
+            </a:r>
+            <a:r>
+              <a:rPr/>
+              <a:t>can</a:t>
+            </a:r>
+            <a:r>
+              <a:rPr/>
+              <a:t> </a:t>
+            </a:r>
+            <a:r>
+              <a:rPr/>
+              <a:t>help</a:t>
+            </a:r>
+            <a:r>
+              <a:rPr/>
+              <a:t> </a:t>
+            </a:r>
+            <a:r>
+              <a:rPr/>
+              <a:t>ensure</a:t>
+            </a:r>
+            <a:r>
+              <a:rPr/>
+              <a:t> </a:t>
+            </a:r>
+            <a:r>
+              <a:rPr/>
+              <a:t>representativeness.</a:t>
+            </a:r>
+            <a:r>
+              <a:rPr/>
+              <a:t> </a:t>
+            </a:r>
+            <a:r>
+              <a:rPr/>
+              <a:t>Some</a:t>
+            </a:r>
+            <a:r>
+              <a:rPr/>
+              <a:t> </a:t>
+            </a:r>
+            <a:r>
+              <a:rPr/>
+              <a:t>approaches</a:t>
+            </a:r>
+            <a:r>
+              <a:rPr/>
+              <a:t> </a:t>
+            </a:r>
+            <a:r>
+              <a:rPr/>
+              <a:t>to</a:t>
+            </a:r>
+            <a:r>
+              <a:rPr/>
+              <a:t> </a:t>
+            </a:r>
+            <a:r>
+              <a:rPr/>
+              <a:t>sampling</a:t>
+            </a:r>
+            <a:r>
+              <a:rPr/>
+              <a:t> </a:t>
+            </a:r>
+            <a:r>
+              <a:rPr/>
+              <a:t>do</a:t>
+            </a:r>
+            <a:r>
+              <a:rPr/>
+              <a:t> </a:t>
+            </a:r>
+            <a:r>
+              <a:rPr/>
+              <a:t>not</a:t>
+            </a:r>
+            <a:r>
+              <a:rPr/>
+              <a:t> </a:t>
+            </a:r>
+            <a:r>
+              <a:rPr/>
+              <a:t>control</a:t>
+            </a:r>
+            <a:r>
+              <a:rPr/>
+              <a:t> </a:t>
+            </a:r>
+            <a:r>
+              <a:rPr/>
+              <a:t>the</a:t>
+            </a:r>
+            <a:r>
+              <a:rPr/>
+              <a:t> </a:t>
+            </a:r>
+            <a:r>
+              <a:rPr/>
+              <a:t>probablity</a:t>
+            </a:r>
+            <a:r>
+              <a:rPr/>
+              <a:t> </a:t>
+            </a:r>
+            <a:r>
+              <a:rPr/>
+              <a:t>of</a:t>
+            </a:r>
+            <a:r>
+              <a:rPr/>
+              <a:t> </a:t>
+            </a:r>
+            <a:r>
+              <a:rPr/>
+              <a:t>selection</a:t>
+            </a:r>
+            <a:r>
+              <a:rPr/>
+              <a:t> </a:t>
+            </a:r>
+            <a:r>
+              <a:rPr/>
+              <a:t>(non-probability</a:t>
+            </a:r>
+            <a:r>
+              <a:rPr/>
+              <a:t> </a:t>
+            </a:r>
+            <a:r>
+              <a:rPr/>
+              <a:t>sampling).</a:t>
             </a:r>
           </a:p>
         </p:txBody>
@@ -5584,7 +10147,7 @@
           <a:p>
             <a:fld id="{18BDFEC3-8487-43E8-A154-7C12CBC1FFF2}" type="slidenum">
               <a:rPr lang="en-US"/>
-              <a:t>9</a:t>
+              <a:t>10</a:t>
             </a:fld>
             <a:endParaRPr lang="en-US"/>
           </a:p>
@@ -5644,23 +10207,303 @@
             </a:pPr>
             <a:r>
               <a:rPr/>
-              <a:t>To</a:t>
-            </a:r>
-            <a:r>
-              <a:rPr/>
-              <a:t> </a:t>
-            </a:r>
-            <a:r>
-              <a:rPr/>
-              <a:t>be</a:t>
-            </a:r>
-            <a:r>
-              <a:rPr/>
-              <a:t> </a:t>
-            </a:r>
-            <a:r>
-              <a:rPr/>
-              <a:t>added.</a:t>
+              <a:t>Establishing</a:t>
+            </a:r>
+            <a:r>
+              <a:rPr/>
+              <a:t> </a:t>
+            </a:r>
+            <a:r>
+              <a:rPr/>
+              <a:t>validity</a:t>
+            </a:r>
+            <a:r>
+              <a:rPr/>
+              <a:t> </a:t>
+            </a:r>
+            <a:r>
+              <a:rPr/>
+              <a:t>and</a:t>
+            </a:r>
+            <a:r>
+              <a:rPr/>
+              <a:t> </a:t>
+            </a:r>
+            <a:r>
+              <a:rPr/>
+              <a:t>reliability</a:t>
+            </a:r>
+            <a:r>
+              <a:rPr/>
+              <a:t> </a:t>
+            </a:r>
+            <a:r>
+              <a:rPr/>
+              <a:t>for</a:t>
+            </a:r>
+            <a:r>
+              <a:rPr/>
+              <a:t> </a:t>
+            </a:r>
+            <a:r>
+              <a:rPr/>
+              <a:t>your</a:t>
+            </a:r>
+            <a:r>
+              <a:rPr/>
+              <a:t> </a:t>
+            </a:r>
+            <a:r>
+              <a:rPr/>
+              <a:t>measurements</a:t>
+            </a:r>
+            <a:r>
+              <a:rPr/>
+              <a:t> </a:t>
+            </a:r>
+            <a:r>
+              <a:rPr/>
+              <a:t>can</a:t>
+            </a:r>
+            <a:r>
+              <a:rPr/>
+              <a:t> </a:t>
+            </a:r>
+            <a:r>
+              <a:rPr/>
+              <a:t>greatly</a:t>
+            </a:r>
+            <a:r>
+              <a:rPr/>
+              <a:t> </a:t>
+            </a:r>
+            <a:r>
+              <a:rPr/>
+              <a:t>improve</a:t>
+            </a:r>
+            <a:r>
+              <a:rPr/>
+              <a:t> </a:t>
+            </a:r>
+            <a:r>
+              <a:rPr/>
+              <a:t>the</a:t>
+            </a:r>
+            <a:r>
+              <a:rPr/>
+              <a:t> </a:t>
+            </a:r>
+            <a:r>
+              <a:rPr/>
+              <a:t>credibility</a:t>
+            </a:r>
+            <a:r>
+              <a:rPr/>
+              <a:t> </a:t>
+            </a:r>
+            <a:r>
+              <a:rPr/>
+              <a:t>of</a:t>
+            </a:r>
+            <a:r>
+              <a:rPr/>
+              <a:t> </a:t>
+            </a:r>
+            <a:r>
+              <a:rPr/>
+              <a:t>your</a:t>
+            </a:r>
+            <a:r>
+              <a:rPr/>
+              <a:t> </a:t>
+            </a:r>
+            <a:r>
+              <a:rPr/>
+              <a:t>work.</a:t>
+            </a:r>
+            <a:r>
+              <a:rPr/>
+              <a:t> </a:t>
+            </a:r>
+            <a:r>
+              <a:rPr/>
+              <a:t>Some</a:t>
+            </a:r>
+            <a:r>
+              <a:rPr/>
+              <a:t> </a:t>
+            </a:r>
+            <a:r>
+              <a:rPr/>
+              <a:t>measurements</a:t>
+            </a:r>
+            <a:r>
+              <a:rPr/>
+              <a:t> </a:t>
+            </a:r>
+            <a:r>
+              <a:rPr/>
+              <a:t>do</a:t>
+            </a:r>
+            <a:r>
+              <a:rPr/>
+              <a:t> </a:t>
+            </a:r>
+            <a:r>
+              <a:rPr/>
+              <a:t>not</a:t>
+            </a:r>
+            <a:r>
+              <a:rPr/>
+              <a:t> </a:t>
+            </a:r>
+            <a:r>
+              <a:rPr/>
+              <a:t>require</a:t>
+            </a:r>
+            <a:r>
+              <a:rPr/>
+              <a:t> </a:t>
+            </a:r>
+            <a:r>
+              <a:rPr/>
+              <a:t>establishment</a:t>
+            </a:r>
+            <a:r>
+              <a:rPr/>
+              <a:t> </a:t>
+            </a:r>
+            <a:r>
+              <a:rPr/>
+              <a:t>of</a:t>
+            </a:r>
+            <a:r>
+              <a:rPr/>
+              <a:t> </a:t>
+            </a:r>
+            <a:r>
+              <a:rPr/>
+              <a:t>validity</a:t>
+            </a:r>
+            <a:r>
+              <a:rPr/>
+              <a:t> </a:t>
+            </a:r>
+            <a:r>
+              <a:rPr/>
+              <a:t>and</a:t>
+            </a:r>
+            <a:r>
+              <a:rPr/>
+              <a:t> </a:t>
+            </a:r>
+            <a:r>
+              <a:rPr/>
+              <a:t>reliabity,</a:t>
+            </a:r>
+            <a:r>
+              <a:rPr/>
+              <a:t> </a:t>
+            </a:r>
+            <a:r>
+              <a:rPr/>
+              <a:t>and</a:t>
+            </a:r>
+            <a:r>
+              <a:rPr/>
+              <a:t> </a:t>
+            </a:r>
+            <a:r>
+              <a:rPr/>
+              <a:t>for</a:t>
+            </a:r>
+            <a:r>
+              <a:rPr/>
+              <a:t> </a:t>
+            </a:r>
+            <a:r>
+              <a:rPr/>
+              <a:t>the</a:t>
+            </a:r>
+            <a:r>
+              <a:rPr/>
+              <a:t> </a:t>
+            </a:r>
+            <a:r>
+              <a:rPr/>
+              <a:t>others,</a:t>
+            </a:r>
+            <a:r>
+              <a:rPr/>
+              <a:t> </a:t>
+            </a:r>
+            <a:r>
+              <a:rPr/>
+              <a:t>the</a:t>
+            </a:r>
+            <a:r>
+              <a:rPr/>
+              <a:t> </a:t>
+            </a:r>
+            <a:r>
+              <a:rPr/>
+              <a:t>methods</a:t>
+            </a:r>
+            <a:r>
+              <a:rPr/>
+              <a:t> </a:t>
+            </a:r>
+            <a:r>
+              <a:rPr/>
+              <a:t>depend</a:t>
+            </a:r>
+            <a:r>
+              <a:rPr/>
+              <a:t> </a:t>
+            </a:r>
+            <a:r>
+              <a:rPr/>
+              <a:t>largely</a:t>
+            </a:r>
+            <a:r>
+              <a:rPr/>
+              <a:t> </a:t>
+            </a:r>
+            <a:r>
+              <a:rPr/>
+              <a:t>on</a:t>
+            </a:r>
+            <a:r>
+              <a:rPr/>
+              <a:t> </a:t>
+            </a:r>
+            <a:r>
+              <a:rPr/>
+              <a:t>the</a:t>
+            </a:r>
+            <a:r>
+              <a:rPr/>
+              <a:t> </a:t>
+            </a:r>
+            <a:r>
+              <a:rPr/>
+              <a:t>type</a:t>
+            </a:r>
+            <a:r>
+              <a:rPr/>
+              <a:t> </a:t>
+            </a:r>
+            <a:r>
+              <a:rPr/>
+              <a:t>of</a:t>
+            </a:r>
+            <a:r>
+              <a:rPr/>
+              <a:t> </a:t>
+            </a:r>
+            <a:r>
+              <a:rPr/>
+              <a:t>measurement.</a:t>
             </a:r>
           </a:p>
         </p:txBody>
@@ -5682,7 +10525,7 @@
           <a:p>
             <a:fld id="{18BDFEC3-8487-43E8-A154-7C12CBC1FFF2}" type="slidenum">
               <a:rPr lang="en-US"/>
-              <a:t>10</a:t>
+              <a:t>11</a:t>
             </a:fld>
             <a:endParaRPr lang="en-US"/>
           </a:p>
@@ -8782,7 +13625,7 @@
             <a:spLocks noGrp="1"/>
           </p:cNvSpPr>
           <p:nvPr>
-            <p:ph type="subTitle" idx="1"/>
+            <p:ph idx="1" type="subTitle"/>
           </p:nvPr>
         </p:nvSpPr>
         <p:spPr>
@@ -8845,7 +13688,7 @@
             </a:pPr>
             <a:r>
               <a:rPr/>
-              <a:t>Module09</a:t>
+              <a:t>Module08</a:t>
             </a:r>
           </a:p>
         </p:txBody>
@@ -8873,7 +13716,7 @@
             </a:pPr>
             <a:r>
               <a:rPr b="1"/>
-              <a:t>Validity and reliability</a:t>
+              <a:t>Sampling designs</a:t>
             </a:r>
           </a:p>
           <a:p>
@@ -8889,14 +13732,14 @@
             <a:pPr lvl="1"/>
             <a:r>
               <a:rPr/>
-              <a:t>understand when test-retest reliability and interrater reliability can be used.</a:t>
+              <a:t>describe different approaches to probability sampling</a:t>
             </a:r>
           </a:p>
           <a:p>
             <a:pPr lvl="1"/>
             <a:r>
               <a:rPr/>
-              <a:t>describe the process by which you can establish face and content validity.</a:t>
+              <a:t>discuss advantages and disadvantages of non-probability samples</a:t>
             </a:r>
           </a:p>
         </p:txBody>
@@ -8943,7 +13786,7 @@
             </a:pPr>
             <a:r>
               <a:rPr/>
-              <a:t>Module10</a:t>
+              <a:t>Module09</a:t>
             </a:r>
           </a:p>
         </p:txBody>
@@ -8971,7 +13814,7 @@
             </a:pPr>
             <a:r>
               <a:rPr b="1"/>
-              <a:t>Data collection</a:t>
+              <a:t>Validity and reliability</a:t>
             </a:r>
           </a:p>
           <a:p>
@@ -8987,21 +13830,14 @@
             <a:pPr lvl="1"/>
             <a:r>
               <a:rPr/>
-              <a:t>describe the resources needed to conduct focus groups or a series of interviews.</a:t>
+              <a:t>understand when test-retest reliability and interrater reliability can be used.</a:t>
             </a:r>
           </a:p>
           <a:p>
             <a:pPr lvl="1"/>
             <a:r>
               <a:rPr/>
-              <a:t>develop strategies for putting together a questionnaire.</a:t>
-            </a:r>
-          </a:p>
-          <a:p>
-            <a:pPr lvl="1"/>
-            <a:r>
-              <a:rPr/>
-              <a:t>recognize the special issues associated with secondary data sources.</a:t>
+              <a:t>describe the process by which you can establish face and content validity.</a:t>
             </a:r>
           </a:p>
         </p:txBody>
@@ -9048,7 +13884,7 @@
             </a:pPr>
             <a:r>
               <a:rPr/>
-              <a:t>Module11</a:t>
+              <a:t>Module10</a:t>
             </a:r>
           </a:p>
         </p:txBody>
@@ -9076,7 +13912,7 @@
             </a:pPr>
             <a:r>
               <a:rPr b="1"/>
-              <a:t>Data management</a:t>
+              <a:t>Data collection</a:t>
             </a:r>
           </a:p>
           <a:p>
@@ -9092,21 +13928,21 @@
             <a:pPr lvl="1"/>
             <a:r>
               <a:rPr/>
-              <a:t>understand the value of a data dictionary.</a:t>
+              <a:t>describe the resources needed to conduct focus groups or a series of interviews.</a:t>
             </a:r>
           </a:p>
           <a:p>
             <a:pPr lvl="1"/>
             <a:r>
               <a:rPr/>
-              <a:t>identify how best to store dates and missing value codes.</a:t>
+              <a:t>develop strategies for putting together a questionnaire.</a:t>
             </a:r>
           </a:p>
           <a:p>
             <a:pPr lvl="1"/>
             <a:r>
               <a:rPr/>
-              <a:t>describe the strengths and weaknesses of storing data in a spreadsheet.</a:t>
+              <a:t>recognize the special issues associated with secondary data sources.</a:t>
             </a:r>
           </a:p>
         </p:txBody>
@@ -9153,7 +13989,7 @@
             </a:pPr>
             <a:r>
               <a:rPr/>
-              <a:t>Module12</a:t>
+              <a:t>Module11</a:t>
             </a:r>
           </a:p>
         </p:txBody>
@@ -9181,7 +14017,7 @@
             </a:pPr>
             <a:r>
               <a:rPr b="1"/>
-              <a:t>Hypothesis testing</a:t>
+              <a:t>Data management</a:t>
             </a:r>
           </a:p>
           <a:p>
@@ -9197,21 +14033,21 @@
             <a:pPr lvl="1"/>
             <a:r>
               <a:rPr/>
-              <a:t>discuss the goal of data analysis and interpretation in research projects</a:t>
+              <a:t>understand the value of a data dictionary.</a:t>
             </a:r>
           </a:p>
           <a:p>
             <a:pPr lvl="1"/>
             <a:r>
               <a:rPr/>
-              <a:t>discuss statistical power and how to determine it</a:t>
+              <a:t>identify how best to store dates and missing value codes.</a:t>
             </a:r>
           </a:p>
           <a:p>
             <a:pPr lvl="1"/>
             <a:r>
               <a:rPr/>
-              <a:t>describe what is needed in order to determine sample size for a research project</a:t>
+              <a:t>describe the strengths and weaknesses of storing data in a spreadsheet.</a:t>
             </a:r>
           </a:p>
         </p:txBody>
@@ -9258,6 +14094,111 @@
             </a:pPr>
             <a:r>
               <a:rPr/>
+              <a:t>Module12</a:t>
+            </a:r>
+          </a:p>
+        </p:txBody>
+      </p:sp>
+      <p:sp>
+        <p:nvSpPr>
+          <p:cNvPr id="3" name="Content Placeholder 2"/>
+          <p:cNvSpPr>
+            <a:spLocks noGrp="1"/>
+          </p:cNvSpPr>
+          <p:nvPr>
+            <p:ph idx="1"/>
+          </p:nvPr>
+        </p:nvSpPr>
+        <p:spPr/>
+        <p:txBody>
+          <a:bodyPr/>
+          <a:lstStyle/>
+          <a:p>
+            <a:pPr lvl="0" marL="0" indent="0">
+              <a:spcBef>
+                <a:spcPts val="3000"/>
+              </a:spcBef>
+              <a:buNone/>
+            </a:pPr>
+            <a:r>
+              <a:rPr b="1"/>
+              <a:t>Hypothesis testing</a:t>
+            </a:r>
+          </a:p>
+          <a:p>
+            <a:pPr lvl="0" marL="0" indent="0">
+              <a:buNone/>
+            </a:pPr>
+            <a:r>
+              <a:rPr/>
+              <a:t>In this module, you will learn how to</a:t>
+            </a:r>
+          </a:p>
+          <a:p>
+            <a:pPr lvl="1"/>
+            <a:r>
+              <a:rPr/>
+              <a:t>discuss the goal of data analysis and interpretation in research projects</a:t>
+            </a:r>
+          </a:p>
+          <a:p>
+            <a:pPr lvl="1"/>
+            <a:r>
+              <a:rPr/>
+              <a:t>discuss statistical power and how to determine it</a:t>
+            </a:r>
+          </a:p>
+          <a:p>
+            <a:pPr lvl="1"/>
+            <a:r>
+              <a:rPr/>
+              <a:t>describe what is needed in order to determine sample size for a research project</a:t>
+            </a:r>
+          </a:p>
+        </p:txBody>
+      </p:sp>
+    </p:spTree>
+  </p:cSld>
+</p:sld>
+</file>
+
+<file path=ppt/slides/slide15.xml><?xml version="1.0" encoding="utf-8"?>
+<p:sld xmlns:a="http://schemas.openxmlformats.org/drawingml/2006/main" xmlns:r="http://schemas.openxmlformats.org/officeDocument/2006/relationships" xmlns:p="http://schemas.openxmlformats.org/presentationml/2006/main">
+  <p:cSld>
+    <p:spTree>
+      <p:nvGrpSpPr>
+        <p:cNvPr id="1" name=""/>
+        <p:cNvGrpSpPr/>
+        <p:nvPr/>
+      </p:nvGrpSpPr>
+      <p:grpSpPr>
+        <a:xfrm>
+          <a:off x="0" y="0"/>
+          <a:ext cx="0" cy="0"/>
+          <a:chOff x="0" y="0"/>
+          <a:chExt cx="0" cy="0"/>
+        </a:xfrm>
+      </p:grpSpPr>
+      <p:sp>
+        <p:nvSpPr>
+          <p:cNvPr id="2" name="Title 1"/>
+          <p:cNvSpPr>
+            <a:spLocks noGrp="1"/>
+          </p:cNvSpPr>
+          <p:nvPr>
+            <p:ph type="title"/>
+          </p:nvPr>
+        </p:nvSpPr>
+        <p:spPr/>
+        <p:txBody>
+          <a:bodyPr/>
+          <a:lstStyle/>
+          <a:p>
+            <a:pPr lvl="0" marL="0" indent="0">
+              <a:buNone/>
+            </a:pPr>
+            <a:r>
+              <a:rPr/>
               <a:t>Module13</a:t>
             </a:r>
           </a:p>
@@ -9361,64 +14302,6 @@
           </a:p>
         </p:txBody>
       </p:sp>
-      <p:sp>
-        <p:nvSpPr>
-          <p:cNvPr id="3" name="Content Placeholder 2"/>
-          <p:cNvSpPr>
-            <a:spLocks noGrp="1"/>
-          </p:cNvSpPr>
-          <p:nvPr>
-            <p:ph idx="1"/>
-          </p:nvPr>
-        </p:nvSpPr>
-        <p:spPr/>
-        <p:txBody>
-          <a:bodyPr/>
-          <a:lstStyle/>
-          <a:p>
-            <a:pPr lvl="0" marL="0" indent="0">
-              <a:spcBef>
-                <a:spcPts val="3000"/>
-              </a:spcBef>
-              <a:buNone/>
-            </a:pPr>
-            <a:r>
-              <a:rPr b="1"/>
-              <a:t>Introduction to research</a:t>
-            </a:r>
-          </a:p>
-          <a:p>
-            <a:pPr lvl="0" marL="0" indent="0">
-              <a:buNone/>
-            </a:pPr>
-            <a:r>
-              <a:rPr/>
-              <a:t>In this module, you will learn how to</a:t>
-            </a:r>
-          </a:p>
-          <a:p>
-            <a:pPr lvl="1"/>
-            <a:r>
-              <a:rPr/>
-              <a:t>Define “clinical research methodology”</a:t>
-            </a:r>
-          </a:p>
-          <a:p>
-            <a:pPr lvl="1"/>
-            <a:r>
-              <a:rPr/>
-              <a:t>Select an appropriate research topic</a:t>
-            </a:r>
-          </a:p>
-          <a:p>
-            <a:pPr lvl="1"/>
-            <a:r>
-              <a:rPr/>
-              <a:t>Distinguish between various research approaches</a:t>
-            </a:r>
-          </a:p>
-        </p:txBody>
-      </p:sp>
     </p:spTree>
   </p:cSld>
 </p:sld>
@@ -9461,7 +14344,23 @@
             </a:pPr>
             <a:r>
               <a:rPr/>
-              <a:t>Module02</a:t>
+              <a:t>Module01,</a:t>
+            </a:r>
+            <a:r>
+              <a:rPr/>
+              <a:t> </a:t>
+            </a:r>
+            <a:r>
+              <a:rPr/>
+              <a:t>Learning</a:t>
+            </a:r>
+            <a:r>
+              <a:rPr/>
+              <a:t> </a:t>
+            </a:r>
+            <a:r>
+              <a:rPr/>
+              <a:t>objectives</a:t>
             </a:r>
           </a:p>
         </p:txBody>
@@ -9482,21 +14381,9 @@
           <a:lstStyle/>
           <a:p>
             <a:pPr lvl="0" marL="0" indent="0">
-              <a:spcBef>
-                <a:spcPts val="3000"/>
-              </a:spcBef>
               <a:buNone/>
             </a:pPr>
             <a:r>
-              <a:rPr b="1"/>
-              <a:t>Planning and ethical conduct of research</a:t>
-            </a:r>
-          </a:p>
-          <a:p>
-            <a:pPr lvl="0" marL="0" indent="0">
-              <a:buNone/>
-            </a:pPr>
-            <a:r>
               <a:rPr/>
               <a:t>In this module, you will learn how to</a:t>
             </a:r>
@@ -9505,14 +14392,21 @@
             <a:pPr lvl="1"/>
             <a:r>
               <a:rPr/>
-              <a:t>describe the difficulties faces by whistleblowers</a:t>
+              <a:t>Define “clinical research methodology”</a:t>
             </a:r>
           </a:p>
           <a:p>
             <a:pPr lvl="1"/>
             <a:r>
               <a:rPr/>
-              <a:t>list the historical events that influenced the development of research ethics</a:t>
+              <a:t>Select an appropriate research topic</a:t>
+            </a:r>
+          </a:p>
+          <a:p>
+            <a:pPr lvl="1"/>
+            <a:r>
+              <a:rPr/>
+              <a:t>Distinguish between various research approaches</a:t>
             </a:r>
           </a:p>
         </p:txBody>
@@ -9559,7 +14453,7 @@
             </a:pPr>
             <a:r>
               <a:rPr/>
-              <a:t>Module03</a:t>
+              <a:t>Module02</a:t>
             </a:r>
           </a:p>
         </p:txBody>
@@ -9587,7 +14481,7 @@
             </a:pPr>
             <a:r>
               <a:rPr b="1"/>
-              <a:t>Writing a literature review</a:t>
+              <a:t>Planning and ethical conduct of research</a:t>
             </a:r>
           </a:p>
           <a:p>
@@ -9603,21 +14497,14 @@
             <a:pPr lvl="1"/>
             <a:r>
               <a:rPr/>
-              <a:t>define what a literature review is</a:t>
+              <a:t>describe the difficulties faces by whistleblowers</a:t>
             </a:r>
           </a:p>
           <a:p>
             <a:pPr lvl="1"/>
             <a:r>
               <a:rPr/>
-              <a:t>contrast it with an annotated bibliography and a systematic overview.</a:t>
-            </a:r>
-          </a:p>
-          <a:p>
-            <a:pPr lvl="1"/>
-            <a:r>
-              <a:rPr/>
-              <a:t>recognize the different approaches to organizing a literature review.</a:t>
+              <a:t>list the historical events that influenced the development of research ethics</a:t>
             </a:r>
           </a:p>
         </p:txBody>
@@ -9664,7 +14551,7 @@
             </a:pPr>
             <a:r>
               <a:rPr/>
-              <a:t>Module04</a:t>
+              <a:t>Module03</a:t>
             </a:r>
           </a:p>
         </p:txBody>
@@ -9692,7 +14579,7 @@
             </a:pPr>
             <a:r>
               <a:rPr b="1"/>
-              <a:t>Randomized trials</a:t>
+              <a:t>Writing a literature review</a:t>
             </a:r>
           </a:p>
           <a:p>
@@ -9708,14 +14595,21 @@
             <a:pPr lvl="1"/>
             <a:r>
               <a:rPr/>
-              <a:t>define what a randomized study is and explain its advantages and disadvantages.</a:t>
+              <a:t>define what a literature review is</a:t>
             </a:r>
           </a:p>
           <a:p>
             <a:pPr lvl="1"/>
             <a:r>
               <a:rPr/>
-              <a:t>describe how blinding, concealed allocation, and intention to treat analysis can improve the persuasiveness of a randomized trial.</a:t>
+              <a:t>contrast it with an annotated bibliography and a systematic overview.</a:t>
+            </a:r>
+          </a:p>
+          <a:p>
+            <a:pPr lvl="1"/>
+            <a:r>
+              <a:rPr/>
+              <a:t>recognize the different approaches to organizing a literature review.</a:t>
             </a:r>
           </a:p>
         </p:txBody>
@@ -9762,7 +14656,7 @@
             </a:pPr>
             <a:r>
               <a:rPr/>
-              <a:t>Module05</a:t>
+              <a:t>Module04</a:t>
             </a:r>
           </a:p>
         </p:txBody>
@@ -9790,7 +14684,7 @@
             </a:pPr>
             <a:r>
               <a:rPr b="1"/>
-              <a:t>Quasi-experimental designs</a:t>
+              <a:t>Randomized trials</a:t>
             </a:r>
           </a:p>
           <a:p>
@@ -9806,14 +14700,14 @@
             <a:pPr lvl="1"/>
             <a:r>
               <a:rPr/>
-              <a:t>contrast the features of a quality improvement study with a research study</a:t>
+              <a:t>define what a randomized study is and explain its advantages and disadvantages.</a:t>
             </a:r>
           </a:p>
           <a:p>
             <a:pPr lvl="1"/>
             <a:r>
               <a:rPr/>
-              <a:t>describe the various quasi-experimental approaches</a:t>
+              <a:t>describe how blinding, concealed allocation, and intention to treat analysis can improve the persuasiveness of a randomized trial.</a:t>
             </a:r>
           </a:p>
         </p:txBody>
@@ -9860,7 +14754,7 @@
             </a:pPr>
             <a:r>
               <a:rPr/>
-              <a:t>Module06</a:t>
+              <a:t>Module05</a:t>
             </a:r>
           </a:p>
         </p:txBody>
@@ -9888,7 +14782,7 @@
             </a:pPr>
             <a:r>
               <a:rPr b="1"/>
-              <a:t>Observational studies</a:t>
+              <a:t>Quasi-experimental designs</a:t>
             </a:r>
           </a:p>
           <a:p>
@@ -9904,14 +14798,14 @@
             <a:pPr lvl="1"/>
             <a:r>
               <a:rPr/>
-              <a:t>distinguish different types of quantitative non-experimental approaches</a:t>
+              <a:t>contrast the features of a quality improvement study with a research study</a:t>
             </a:r>
           </a:p>
           <a:p>
             <a:pPr lvl="1"/>
             <a:r>
               <a:rPr/>
-              <a:t>discuss strengths and weaknesses of qualitative research</a:t>
+              <a:t>describe the various quasi-experimental approaches</a:t>
             </a:r>
           </a:p>
         </p:txBody>
@@ -9958,7 +14852,7 @@
             </a:pPr>
             <a:r>
               <a:rPr/>
-              <a:t>Module07</a:t>
+              <a:t>Module06</a:t>
             </a:r>
           </a:p>
         </p:txBody>
@@ -9986,7 +14880,7 @@
             </a:pPr>
             <a:r>
               <a:rPr b="1"/>
-              <a:t>Review, Learning objectives</a:t>
+              <a:t>Observational studies</a:t>
             </a:r>
           </a:p>
           <a:p>
@@ -10002,14 +14896,14 @@
             <a:pPr lvl="1"/>
             <a:r>
               <a:rPr/>
-              <a:t>understand the format of a thesis</a:t>
+              <a:t>distinguish different types of quantitative non-experimental approaches</a:t>
             </a:r>
           </a:p>
           <a:p>
             <a:pPr lvl="1"/>
             <a:r>
               <a:rPr/>
-              <a:t>prepare a bibliography using a consistent standard</a:t>
+              <a:t>discuss strengths and weaknesses of qualitative research</a:t>
             </a:r>
           </a:p>
         </p:txBody>
@@ -10056,7 +14950,7 @@
             </a:pPr>
             <a:r>
               <a:rPr/>
-              <a:t>Module08</a:t>
+              <a:t>Module07</a:t>
             </a:r>
           </a:p>
         </p:txBody>
@@ -10084,7 +14978,7 @@
             </a:pPr>
             <a:r>
               <a:rPr b="1"/>
-              <a:t>Sampling designs</a:t>
+              <a:t>Review, Learning objectives</a:t>
             </a:r>
           </a:p>
           <a:p>
@@ -10100,14 +14994,14 @@
             <a:pPr lvl="1"/>
             <a:r>
               <a:rPr/>
-              <a:t>describe different approaches to probability sampling</a:t>
+              <a:t>understand the format of a thesis</a:t>
             </a:r>
           </a:p>
           <a:p>
             <a:pPr lvl="1"/>
             <a:r>
               <a:rPr/>
-              <a:t>discuss advantages and disadvantages of non-probability samples</a:t>
+              <a:t>prepare a bibliography using a consistent standard</a:t>
             </a:r>
           </a:p>
         </p:txBody>

--- a/clinical-research-methodology/modules/5510-99-objectives.pptx
+++ b/clinical-research-methodology/modules/5510-99-objectives.pptx
@@ -5,7 +5,7 @@
     <p:sldMasterId id="2147483648" r:id="rId1"/>
   </p:sldMasterIdLst>
   <p:notesMasterIdLst>
-    <p:NotesMasterId r:id="rId17"/>
+    <p:NotesMasterId r:id="rId16"/>
   </p:notesMasterIdLst>
   <p:sldIdLst>
     <p:sldId id="256" r:id="rId2"/>
@@ -22,7 +22,6 @@
     <p:sldId id="267" r:id="rId13"/>
     <p:sldId id="268" r:id="rId14"/>
     <p:sldId id="269" r:id="rId15"/>
-    <p:sldId id="270" r:id="rId16"/>
   </p:sldIdLst>
   <p:sldSz cx="9144000" cy="6858000" type="screen4x3"/>
   <p:notesSz cx="6858000" cy="9144000"/>
@@ -2581,7 +2580,7 @@
           <a:p>
             <a:fld id="{18BDFEC3-8487-43E8-A154-7C12CBC1FFF2}" type="slidenum">
               <a:rPr lang="en-US"/>
-              <a:t>3</a:t>
+              <a:t>2</a:t>
             </a:fld>
             <a:endParaRPr lang="en-US"/>
           </a:p>
@@ -2951,7 +2950,7 @@
           <a:p>
             <a:fld id="{18BDFEC3-8487-43E8-A154-7C12CBC1FFF2}" type="slidenum">
               <a:rPr lang="en-US"/>
-              <a:t>12</a:t>
+              <a:t>11</a:t>
             </a:fld>
             <a:endParaRPr lang="en-US"/>
           </a:p>
@@ -3177,7 +3176,7 @@
           <a:p>
             <a:fld id="{18BDFEC3-8487-43E8-A154-7C12CBC1FFF2}" type="slidenum">
               <a:rPr lang="en-US"/>
-              <a:t>13</a:t>
+              <a:t>12</a:t>
             </a:fld>
             <a:endParaRPr lang="en-US"/>
           </a:p>
@@ -3547,7 +3546,7 @@
           <a:p>
             <a:fld id="{18BDFEC3-8487-43E8-A154-7C12CBC1FFF2}" type="slidenum">
               <a:rPr lang="en-US"/>
-              <a:t>14</a:t>
+              <a:t>13</a:t>
             </a:fld>
             <a:endParaRPr lang="en-US"/>
           </a:p>
@@ -4093,7 +4092,7 @@
           <a:p>
             <a:fld id="{18BDFEC3-8487-43E8-A154-7C12CBC1FFF2}" type="slidenum">
               <a:rPr lang="en-US"/>
-              <a:t>15</a:t>
+              <a:t>14</a:t>
             </a:fld>
             <a:endParaRPr lang="en-US"/>
           </a:p>
@@ -4153,6 +4152,20 @@
             </a:pPr>
             <a:r>
               <a:rPr/>
+              <a:t>Synopsis</a:t>
+            </a:r>
+          </a:p>
+          <a:p>
+            <a:pPr lvl="0" marL="0" indent="0">
+              <a:buNone/>
+            </a:pPr>
+          </a:p>
+          <a:p>
+            <a:pPr lvl="0" marL="0" indent="0">
+              <a:buNone/>
+            </a:pPr>
+            <a:r>
+              <a:rPr/>
               <a:t>Research</a:t>
             </a:r>
             <a:r>
@@ -6131,7 +6144,7 @@
           <a:p>
             <a:fld id="{18BDFEC3-8487-43E8-A154-7C12CBC1FFF2}" type="slidenum">
               <a:rPr lang="en-US"/>
-              <a:t>4</a:t>
+              <a:t>3</a:t>
             </a:fld>
             <a:endParaRPr lang="en-US"/>
           </a:p>
@@ -7067,7 +7080,7 @@
           <a:p>
             <a:fld id="{18BDFEC3-8487-43E8-A154-7C12CBC1FFF2}" type="slidenum">
               <a:rPr lang="en-US"/>
-              <a:t>5</a:t>
+              <a:t>4</a:t>
             </a:fld>
             <a:endParaRPr lang="en-US"/>
           </a:p>
@@ -7909,7 +7922,7 @@
           <a:p>
             <a:fld id="{18BDFEC3-8487-43E8-A154-7C12CBC1FFF2}" type="slidenum">
               <a:rPr lang="en-US"/>
-              <a:t>6</a:t>
+              <a:t>5</a:t>
             </a:fld>
             <a:endParaRPr lang="en-US"/>
           </a:p>
@@ -8471,7 +8484,7 @@
           <a:p>
             <a:fld id="{18BDFEC3-8487-43E8-A154-7C12CBC1FFF2}" type="slidenum">
               <a:rPr lang="en-US"/>
-              <a:t>7</a:t>
+              <a:t>6</a:t>
             </a:fld>
             <a:endParaRPr lang="en-US"/>
           </a:p>
@@ -9455,7 +9468,7 @@
           <a:p>
             <a:fld id="{18BDFEC3-8487-43E8-A154-7C12CBC1FFF2}" type="slidenum">
               <a:rPr lang="en-US"/>
-              <a:t>8</a:t>
+              <a:t>7</a:t>
             </a:fld>
             <a:endParaRPr lang="en-US"/>
           </a:p>
@@ -9737,7 +9750,7 @@
           <a:p>
             <a:fld id="{18BDFEC3-8487-43E8-A154-7C12CBC1FFF2}" type="slidenum">
               <a:rPr lang="en-US"/>
-              <a:t>9</a:t>
+              <a:t>8</a:t>
             </a:fld>
             <a:endParaRPr lang="en-US"/>
           </a:p>
@@ -10147,7 +10160,7 @@
           <a:p>
             <a:fld id="{18BDFEC3-8487-43E8-A154-7C12CBC1FFF2}" type="slidenum">
               <a:rPr lang="en-US"/>
-              <a:t>10</a:t>
+              <a:t>9</a:t>
             </a:fld>
             <a:endParaRPr lang="en-US"/>
           </a:p>
@@ -10525,7 +10538,7 @@
           <a:p>
             <a:fld id="{18BDFEC3-8487-43E8-A154-7C12CBC1FFF2}" type="slidenum">
               <a:rPr lang="en-US"/>
-              <a:t>11</a:t>
+              <a:t>10</a:t>
             </a:fld>
             <a:endParaRPr lang="en-US"/>
           </a:p>
@@ -13688,7 +13701,7 @@
             </a:pPr>
             <a:r>
               <a:rPr/>
-              <a:t>Module08</a:t>
+              <a:t>Module09</a:t>
             </a:r>
           </a:p>
         </p:txBody>
@@ -13716,7 +13729,7 @@
             </a:pPr>
             <a:r>
               <a:rPr b="1"/>
-              <a:t>Sampling designs</a:t>
+              <a:t>Validity and reliability</a:t>
             </a:r>
           </a:p>
           <a:p>
@@ -13732,14 +13745,14 @@
             <a:pPr lvl="1"/>
             <a:r>
               <a:rPr/>
-              <a:t>describe different approaches to probability sampling</a:t>
+              <a:t>understand when test-retest reliability and interrater reliability can be used.</a:t>
             </a:r>
           </a:p>
           <a:p>
             <a:pPr lvl="1"/>
             <a:r>
               <a:rPr/>
-              <a:t>discuss advantages and disadvantages of non-probability samples</a:t>
+              <a:t>describe the process by which you can establish face and content validity.</a:t>
             </a:r>
           </a:p>
         </p:txBody>
@@ -13786,7 +13799,7 @@
             </a:pPr>
             <a:r>
               <a:rPr/>
-              <a:t>Module09</a:t>
+              <a:t>Module10</a:t>
             </a:r>
           </a:p>
         </p:txBody>
@@ -13814,7 +13827,7 @@
             </a:pPr>
             <a:r>
               <a:rPr b="1"/>
-              <a:t>Validity and reliability</a:t>
+              <a:t>Data collection</a:t>
             </a:r>
           </a:p>
           <a:p>
@@ -13830,14 +13843,21 @@
             <a:pPr lvl="1"/>
             <a:r>
               <a:rPr/>
-              <a:t>understand when test-retest reliability and interrater reliability can be used.</a:t>
+              <a:t>describe the resources needed to conduct focus groups or a series of interviews.</a:t>
             </a:r>
           </a:p>
           <a:p>
             <a:pPr lvl="1"/>
             <a:r>
               <a:rPr/>
-              <a:t>describe the process by which you can establish face and content validity.</a:t>
+              <a:t>develop strategies for putting together a questionnaire.</a:t>
+            </a:r>
+          </a:p>
+          <a:p>
+            <a:pPr lvl="1"/>
+            <a:r>
+              <a:rPr/>
+              <a:t>recognize the special issues associated with secondary data sources.</a:t>
             </a:r>
           </a:p>
         </p:txBody>
@@ -13884,7 +13904,7 @@
             </a:pPr>
             <a:r>
               <a:rPr/>
-              <a:t>Module10</a:t>
+              <a:t>Module11</a:t>
             </a:r>
           </a:p>
         </p:txBody>
@@ -13912,7 +13932,7 @@
             </a:pPr>
             <a:r>
               <a:rPr b="1"/>
-              <a:t>Data collection</a:t>
+              <a:t>Data management</a:t>
             </a:r>
           </a:p>
           <a:p>
@@ -13928,21 +13948,21 @@
             <a:pPr lvl="1"/>
             <a:r>
               <a:rPr/>
-              <a:t>describe the resources needed to conduct focus groups or a series of interviews.</a:t>
+              <a:t>understand the value of a data dictionary.</a:t>
             </a:r>
           </a:p>
           <a:p>
             <a:pPr lvl="1"/>
             <a:r>
               <a:rPr/>
-              <a:t>develop strategies for putting together a questionnaire.</a:t>
+              <a:t>identify how best to store dates and missing value codes.</a:t>
             </a:r>
           </a:p>
           <a:p>
             <a:pPr lvl="1"/>
             <a:r>
               <a:rPr/>
-              <a:t>recognize the special issues associated with secondary data sources.</a:t>
+              <a:t>describe the strengths and weaknesses of storing data in a spreadsheet.</a:t>
             </a:r>
           </a:p>
         </p:txBody>
@@ -13989,7 +14009,7 @@
             </a:pPr>
             <a:r>
               <a:rPr/>
-              <a:t>Module11</a:t>
+              <a:t>Module12</a:t>
             </a:r>
           </a:p>
         </p:txBody>
@@ -14017,7 +14037,7 @@
             </a:pPr>
             <a:r>
               <a:rPr b="1"/>
-              <a:t>Data management</a:t>
+              <a:t>Hypothesis testing</a:t>
             </a:r>
           </a:p>
           <a:p>
@@ -14033,21 +14053,21 @@
             <a:pPr lvl="1"/>
             <a:r>
               <a:rPr/>
-              <a:t>understand the value of a data dictionary.</a:t>
+              <a:t>discuss the goal of data analysis and interpretation in research projects</a:t>
             </a:r>
           </a:p>
           <a:p>
             <a:pPr lvl="1"/>
             <a:r>
               <a:rPr/>
-              <a:t>identify how best to store dates and missing value codes.</a:t>
+              <a:t>discuss statistical power and how to determine it</a:t>
             </a:r>
           </a:p>
           <a:p>
             <a:pPr lvl="1"/>
             <a:r>
               <a:rPr/>
-              <a:t>describe the strengths and weaknesses of storing data in a spreadsheet.</a:t>
+              <a:t>describe what is needed in order to determine sample size for a research project</a:t>
             </a:r>
           </a:p>
         </p:txBody>
@@ -14094,111 +14114,6 @@
             </a:pPr>
             <a:r>
               <a:rPr/>
-              <a:t>Module12</a:t>
-            </a:r>
-          </a:p>
-        </p:txBody>
-      </p:sp>
-      <p:sp>
-        <p:nvSpPr>
-          <p:cNvPr id="3" name="Content Placeholder 2"/>
-          <p:cNvSpPr>
-            <a:spLocks noGrp="1"/>
-          </p:cNvSpPr>
-          <p:nvPr>
-            <p:ph idx="1"/>
-          </p:nvPr>
-        </p:nvSpPr>
-        <p:spPr/>
-        <p:txBody>
-          <a:bodyPr/>
-          <a:lstStyle/>
-          <a:p>
-            <a:pPr lvl="0" marL="0" indent="0">
-              <a:spcBef>
-                <a:spcPts val="3000"/>
-              </a:spcBef>
-              <a:buNone/>
-            </a:pPr>
-            <a:r>
-              <a:rPr b="1"/>
-              <a:t>Hypothesis testing</a:t>
-            </a:r>
-          </a:p>
-          <a:p>
-            <a:pPr lvl="0" marL="0" indent="0">
-              <a:buNone/>
-            </a:pPr>
-            <a:r>
-              <a:rPr/>
-              <a:t>In this module, you will learn how to</a:t>
-            </a:r>
-          </a:p>
-          <a:p>
-            <a:pPr lvl="1"/>
-            <a:r>
-              <a:rPr/>
-              <a:t>discuss the goal of data analysis and interpretation in research projects</a:t>
-            </a:r>
-          </a:p>
-          <a:p>
-            <a:pPr lvl="1"/>
-            <a:r>
-              <a:rPr/>
-              <a:t>discuss statistical power and how to determine it</a:t>
-            </a:r>
-          </a:p>
-          <a:p>
-            <a:pPr lvl="1"/>
-            <a:r>
-              <a:rPr/>
-              <a:t>describe what is needed in order to determine sample size for a research project</a:t>
-            </a:r>
-          </a:p>
-        </p:txBody>
-      </p:sp>
-    </p:spTree>
-  </p:cSld>
-</p:sld>
-</file>
-
-<file path=ppt/slides/slide15.xml><?xml version="1.0" encoding="utf-8"?>
-<p:sld xmlns:a="http://schemas.openxmlformats.org/drawingml/2006/main" xmlns:r="http://schemas.openxmlformats.org/officeDocument/2006/relationships" xmlns:p="http://schemas.openxmlformats.org/presentationml/2006/main">
-  <p:cSld>
-    <p:spTree>
-      <p:nvGrpSpPr>
-        <p:cNvPr id="1" name=""/>
-        <p:cNvGrpSpPr/>
-        <p:nvPr/>
-      </p:nvGrpSpPr>
-      <p:grpSpPr>
-        <a:xfrm>
-          <a:off x="0" y="0"/>
-          <a:ext cx="0" cy="0"/>
-          <a:chOff x="0" y="0"/>
-          <a:chExt cx="0" cy="0"/>
-        </a:xfrm>
-      </p:grpSpPr>
-      <p:sp>
-        <p:nvSpPr>
-          <p:cNvPr id="2" name="Title 1"/>
-          <p:cNvSpPr>
-            <a:spLocks noGrp="1"/>
-          </p:cNvSpPr>
-          <p:nvPr>
-            <p:ph type="title"/>
-          </p:nvPr>
-        </p:nvSpPr>
-        <p:spPr/>
-        <p:txBody>
-          <a:bodyPr/>
-          <a:lstStyle/>
-          <a:p>
-            <a:pPr lvl="0" marL="0" indent="0">
-              <a:buNone/>
-            </a:pPr>
-            <a:r>
-              <a:rPr/>
               <a:t>Module13</a:t>
             </a:r>
           </a:p>
@@ -14297,7 +14212,69 @@
             </a:pPr>
             <a:r>
               <a:rPr/>
-              <a:t>Module01</a:t>
+              <a:t>Module01,</a:t>
+            </a:r>
+            <a:r>
+              <a:rPr/>
+              <a:t> </a:t>
+            </a:r>
+            <a:r>
+              <a:rPr/>
+              <a:t>Learning</a:t>
+            </a:r>
+            <a:r>
+              <a:rPr/>
+              <a:t> </a:t>
+            </a:r>
+            <a:r>
+              <a:rPr/>
+              <a:t>objectives</a:t>
+            </a:r>
+          </a:p>
+        </p:txBody>
+      </p:sp>
+      <p:sp>
+        <p:nvSpPr>
+          <p:cNvPr id="3" name="Content Placeholder 2"/>
+          <p:cNvSpPr>
+            <a:spLocks noGrp="1"/>
+          </p:cNvSpPr>
+          <p:nvPr>
+            <p:ph idx="1"/>
+          </p:nvPr>
+        </p:nvSpPr>
+        <p:spPr/>
+        <p:txBody>
+          <a:bodyPr/>
+          <a:lstStyle/>
+          <a:p>
+            <a:pPr lvl="0" marL="0" indent="0">
+              <a:buNone/>
+            </a:pPr>
+            <a:r>
+              <a:rPr/>
+              <a:t>In this module, you will learn how to</a:t>
+            </a:r>
+          </a:p>
+          <a:p>
+            <a:pPr lvl="1"/>
+            <a:r>
+              <a:rPr/>
+              <a:t>Define “clinical research methodology”</a:t>
+            </a:r>
+          </a:p>
+          <a:p>
+            <a:pPr lvl="1"/>
+            <a:r>
+              <a:rPr/>
+              <a:t>Select an appropriate research topic</a:t>
+            </a:r>
+          </a:p>
+          <a:p>
+            <a:pPr lvl="1"/>
+            <a:r>
+              <a:rPr/>
+              <a:t>Distinguish between various research approaches</a:t>
             </a:r>
           </a:p>
         </p:txBody>
@@ -14344,7 +14321,7 @@
             </a:pPr>
             <a:r>
               <a:rPr/>
-              <a:t>Module01,</a:t>
+              <a:t>Module02,</a:t>
             </a:r>
             <a:r>
               <a:rPr/>
@@ -14392,21 +14369,14 @@
             <a:pPr lvl="1"/>
             <a:r>
               <a:rPr/>
-              <a:t>Define “clinical research methodology”</a:t>
+              <a:t>describe the difficulties faces by whistleblowers</a:t>
             </a:r>
           </a:p>
           <a:p>
             <a:pPr lvl="1"/>
             <a:r>
               <a:rPr/>
-              <a:t>Select an appropriate research topic</a:t>
-            </a:r>
-          </a:p>
-          <a:p>
-            <a:pPr lvl="1"/>
-            <a:r>
-              <a:rPr/>
-              <a:t>Distinguish between various research approaches</a:t>
+              <a:t>list the historical events that influenced the development of research ethics</a:t>
             </a:r>
           </a:p>
         </p:txBody>
@@ -14453,7 +14423,7 @@
             </a:pPr>
             <a:r>
               <a:rPr/>
-              <a:t>Module02</a:t>
+              <a:t>Module03</a:t>
             </a:r>
           </a:p>
         </p:txBody>
@@ -14481,7 +14451,7 @@
             </a:pPr>
             <a:r>
               <a:rPr b="1"/>
-              <a:t>Planning and ethical conduct of research</a:t>
+              <a:t>Writing a literature review</a:t>
             </a:r>
           </a:p>
           <a:p>
@@ -14497,14 +14467,21 @@
             <a:pPr lvl="1"/>
             <a:r>
               <a:rPr/>
-              <a:t>describe the difficulties faces by whistleblowers</a:t>
+              <a:t>define what a literature review is</a:t>
             </a:r>
           </a:p>
           <a:p>
             <a:pPr lvl="1"/>
             <a:r>
               <a:rPr/>
-              <a:t>list the historical events that influenced the development of research ethics</a:t>
+              <a:t>contrast it with an annotated bibliography and a systematic overview.</a:t>
+            </a:r>
+          </a:p>
+          <a:p>
+            <a:pPr lvl="1"/>
+            <a:r>
+              <a:rPr/>
+              <a:t>recognize the different approaches to organizing a literature review.</a:t>
             </a:r>
           </a:p>
         </p:txBody>
@@ -14551,7 +14528,7 @@
             </a:pPr>
             <a:r>
               <a:rPr/>
-              <a:t>Module03</a:t>
+              <a:t>Module04</a:t>
             </a:r>
           </a:p>
         </p:txBody>
@@ -14579,7 +14556,7 @@
             </a:pPr>
             <a:r>
               <a:rPr b="1"/>
-              <a:t>Writing a literature review</a:t>
+              <a:t>Randomized trials</a:t>
             </a:r>
           </a:p>
           <a:p>
@@ -14595,21 +14572,14 @@
             <a:pPr lvl="1"/>
             <a:r>
               <a:rPr/>
-              <a:t>define what a literature review is</a:t>
+              <a:t>define what a randomized study is and explain its advantages and disadvantages.</a:t>
             </a:r>
           </a:p>
           <a:p>
             <a:pPr lvl="1"/>
             <a:r>
               <a:rPr/>
-              <a:t>contrast it with an annotated bibliography and a systematic overview.</a:t>
-            </a:r>
-          </a:p>
-          <a:p>
-            <a:pPr lvl="1"/>
-            <a:r>
-              <a:rPr/>
-              <a:t>recognize the different approaches to organizing a literature review.</a:t>
+              <a:t>describe how blinding, concealed allocation, and intention to treat analysis can improve the persuasiveness of a randomized trial.</a:t>
             </a:r>
           </a:p>
         </p:txBody>
@@ -14656,7 +14626,7 @@
             </a:pPr>
             <a:r>
               <a:rPr/>
-              <a:t>Module04</a:t>
+              <a:t>Module05</a:t>
             </a:r>
           </a:p>
         </p:txBody>
@@ -14684,7 +14654,7 @@
             </a:pPr>
             <a:r>
               <a:rPr b="1"/>
-              <a:t>Randomized trials</a:t>
+              <a:t>Quasi-experimental designs</a:t>
             </a:r>
           </a:p>
           <a:p>
@@ -14700,14 +14670,14 @@
             <a:pPr lvl="1"/>
             <a:r>
               <a:rPr/>
-              <a:t>define what a randomized study is and explain its advantages and disadvantages.</a:t>
+              <a:t>contrast the features of a quality improvement study with a research study</a:t>
             </a:r>
           </a:p>
           <a:p>
             <a:pPr lvl="1"/>
             <a:r>
               <a:rPr/>
-              <a:t>describe how blinding, concealed allocation, and intention to treat analysis can improve the persuasiveness of a randomized trial.</a:t>
+              <a:t>describe the various quasi-experimental approaches</a:t>
             </a:r>
           </a:p>
         </p:txBody>
@@ -14754,7 +14724,7 @@
             </a:pPr>
             <a:r>
               <a:rPr/>
-              <a:t>Module05</a:t>
+              <a:t>Module06</a:t>
             </a:r>
           </a:p>
         </p:txBody>
@@ -14782,7 +14752,7 @@
             </a:pPr>
             <a:r>
               <a:rPr b="1"/>
-              <a:t>Quasi-experimental designs</a:t>
+              <a:t>Observational studies</a:t>
             </a:r>
           </a:p>
           <a:p>
@@ -14798,14 +14768,14 @@
             <a:pPr lvl="1"/>
             <a:r>
               <a:rPr/>
-              <a:t>contrast the features of a quality improvement study with a research study</a:t>
+              <a:t>distinguish different types of quantitative non-experimental approaches</a:t>
             </a:r>
           </a:p>
           <a:p>
             <a:pPr lvl="1"/>
             <a:r>
               <a:rPr/>
-              <a:t>describe the various quasi-experimental approaches</a:t>
+              <a:t>discuss strengths and weaknesses of qualitative research</a:t>
             </a:r>
           </a:p>
         </p:txBody>
@@ -14852,7 +14822,7 @@
             </a:pPr>
             <a:r>
               <a:rPr/>
-              <a:t>Module06</a:t>
+              <a:t>Module07</a:t>
             </a:r>
           </a:p>
         </p:txBody>
@@ -14880,7 +14850,7 @@
             </a:pPr>
             <a:r>
               <a:rPr b="1"/>
-              <a:t>Observational studies</a:t>
+              <a:t>Review, Learning objectives</a:t>
             </a:r>
           </a:p>
           <a:p>
@@ -14896,14 +14866,14 @@
             <a:pPr lvl="1"/>
             <a:r>
               <a:rPr/>
-              <a:t>distinguish different types of quantitative non-experimental approaches</a:t>
+              <a:t>understand the format of a thesis</a:t>
             </a:r>
           </a:p>
           <a:p>
             <a:pPr lvl="1"/>
             <a:r>
               <a:rPr/>
-              <a:t>discuss strengths and weaknesses of qualitative research</a:t>
+              <a:t>prepare a bibliography using a consistent standard</a:t>
             </a:r>
           </a:p>
         </p:txBody>
@@ -14950,7 +14920,7 @@
             </a:pPr>
             <a:r>
               <a:rPr/>
-              <a:t>Module07</a:t>
+              <a:t>Module08</a:t>
             </a:r>
           </a:p>
         </p:txBody>
@@ -14978,7 +14948,7 @@
             </a:pPr>
             <a:r>
               <a:rPr b="1"/>
-              <a:t>Review, Learning objectives</a:t>
+              <a:t>Sampling designs</a:t>
             </a:r>
           </a:p>
           <a:p>
@@ -14994,14 +14964,14 @@
             <a:pPr lvl="1"/>
             <a:r>
               <a:rPr/>
-              <a:t>understand the format of a thesis</a:t>
+              <a:t>describe different approaches to probability sampling</a:t>
             </a:r>
           </a:p>
           <a:p>
             <a:pPr lvl="1"/>
             <a:r>
               <a:rPr/>
-              <a:t>prepare a bibliography using a consistent standard</a:t>
+              <a:t>discuss advantages and disadvantages of non-probability samples</a:t>
             </a:r>
           </a:p>
         </p:txBody>

--- a/clinical-research-methodology/modules/5510-99-objectives.pptx
+++ b/clinical-research-methodology/modules/5510-99-objectives.pptx
@@ -6204,6 +6204,20 @@
             </a:pPr>
             <a:r>
               <a:rPr/>
+              <a:t>Synopsis</a:t>
+            </a:r>
+          </a:p>
+          <a:p>
+            <a:pPr lvl="0" marL="0" indent="0">
+              <a:buNone/>
+            </a:pPr>
+          </a:p>
+          <a:p>
+            <a:pPr lvl="0" marL="0" indent="0">
+              <a:buNone/>
+            </a:pPr>
+            <a:r>
+              <a:rPr/>
               <a:t>A</a:t>
             </a:r>
             <a:r>
@@ -7134,6 +7148,20 @@
         <p:txBody>
           <a:bodyPr/>
           <a:lstStyle/>
+          <a:p>
+            <a:pPr lvl="0" marL="0" indent="0">
+              <a:buNone/>
+            </a:pPr>
+            <a:r>
+              <a:rPr/>
+              <a:t>Synopsis</a:t>
+            </a:r>
+          </a:p>
+          <a:p>
+            <a:pPr lvl="0" marL="0" indent="0">
+              <a:buNone/>
+            </a:pPr>
+          </a:p>
           <a:p>
             <a:pPr lvl="0" marL="0" indent="0">
               <a:buNone/>
@@ -14220,15 +14248,31 @@
             </a:r>
             <a:r>
               <a:rPr/>
-              <a:t>Learning</a:t>
-            </a:r>
-            <a:r>
-              <a:rPr/>
-              <a:t> </a:t>
-            </a:r>
-            <a:r>
-              <a:rPr/>
-              <a:t>objectives</a:t>
+              <a:t>Getting</a:t>
+            </a:r>
+            <a:r>
+              <a:rPr/>
+              <a:t> </a:t>
+            </a:r>
+            <a:r>
+              <a:rPr/>
+              <a:t>started</a:t>
+            </a:r>
+            <a:r>
+              <a:rPr/>
+              <a:t> </a:t>
+            </a:r>
+            <a:r>
+              <a:rPr/>
+              <a:t>in</a:t>
+            </a:r>
+            <a:r>
+              <a:rPr/>
+              <a:t> </a:t>
+            </a:r>
+            <a:r>
+              <a:rPr/>
+              <a:t>research</a:t>
             </a:r>
           </a:p>
         </p:txBody>
@@ -14247,6 +14291,18 @@
         <p:txBody>
           <a:bodyPr/>
           <a:lstStyle/>
+          <a:p>
+            <a:pPr lvl="0" marL="0" indent="0">
+              <a:spcBef>
+                <a:spcPts val="3000"/>
+              </a:spcBef>
+              <a:buNone/>
+            </a:pPr>
+            <a:r>
+              <a:rPr b="1"/>
+              <a:t>Learning objectives</a:t>
+            </a:r>
+          </a:p>
           <a:p>
             <a:pPr lvl="0" marL="0" indent="0">
               <a:buNone/>
@@ -14329,15 +14385,31 @@
             </a:r>
             <a:r>
               <a:rPr/>
-              <a:t>Learning</a:t>
-            </a:r>
-            <a:r>
-              <a:rPr/>
-              <a:t> </a:t>
-            </a:r>
-            <a:r>
-              <a:rPr/>
-              <a:t>objectives</a:t>
+              <a:t>Ethical</a:t>
+            </a:r>
+            <a:r>
+              <a:rPr/>
+              <a:t> </a:t>
+            </a:r>
+            <a:r>
+              <a:rPr/>
+              <a:t>conduct</a:t>
+            </a:r>
+            <a:r>
+              <a:rPr/>
+              <a:t> </a:t>
+            </a:r>
+            <a:r>
+              <a:rPr/>
+              <a:t>of</a:t>
+            </a:r>
+            <a:r>
+              <a:rPr/>
+              <a:t> </a:t>
+            </a:r>
+            <a:r>
+              <a:rPr/>
+              <a:t>research</a:t>
             </a:r>
           </a:p>
         </p:txBody>
@@ -14356,6 +14428,18 @@
         <p:txBody>
           <a:bodyPr/>
           <a:lstStyle/>
+          <a:p>
+            <a:pPr lvl="0" marL="0" indent="0">
+              <a:spcBef>
+                <a:spcPts val="3000"/>
+              </a:spcBef>
+              <a:buNone/>
+            </a:pPr>
+            <a:r>
+              <a:rPr b="1"/>
+              <a:t>Learning objectives</a:t>
+            </a:r>
+          </a:p>
           <a:p>
             <a:pPr lvl="0" marL="0" indent="0">
               <a:buNone/>
@@ -14423,7 +14507,39 @@
             </a:pPr>
             <a:r>
               <a:rPr/>
-              <a:t>Module03</a:t>
+              <a:t>Module03,</a:t>
+            </a:r>
+            <a:r>
+              <a:rPr/>
+              <a:t> </a:t>
+            </a:r>
+            <a:r>
+              <a:rPr/>
+              <a:t>Writing</a:t>
+            </a:r>
+            <a:r>
+              <a:rPr/>
+              <a:t> </a:t>
+            </a:r>
+            <a:r>
+              <a:rPr/>
+              <a:t>a</a:t>
+            </a:r>
+            <a:r>
+              <a:rPr/>
+              <a:t> </a:t>
+            </a:r>
+            <a:r>
+              <a:rPr/>
+              <a:t>literature</a:t>
+            </a:r>
+            <a:r>
+              <a:rPr/>
+              <a:t> </a:t>
+            </a:r>
+            <a:r>
+              <a:rPr/>
+              <a:t>review</a:t>
             </a:r>
           </a:p>
         </p:txBody>
@@ -14451,7 +14567,7 @@
             </a:pPr>
             <a:r>
               <a:rPr b="1"/>
-              <a:t>Writing a literature review</a:t>
+              <a:t>Learning objectives</a:t>
             </a:r>
           </a:p>
           <a:p>
@@ -14528,7 +14644,23 @@
             </a:pPr>
             <a:r>
               <a:rPr/>
-              <a:t>Module04</a:t>
+              <a:t>Module04,</a:t>
+            </a:r>
+            <a:r>
+              <a:rPr/>
+              <a:t> </a:t>
+            </a:r>
+            <a:r>
+              <a:rPr/>
+              <a:t>Randomized</a:t>
+            </a:r>
+            <a:r>
+              <a:rPr/>
+              <a:t> </a:t>
+            </a:r>
+            <a:r>
+              <a:rPr/>
+              <a:t>trials</a:t>
             </a:r>
           </a:p>
         </p:txBody>
@@ -14556,7 +14688,7 @@
             </a:pPr>
             <a:r>
               <a:rPr b="1"/>
-              <a:t>Randomized trials</a:t>
+              <a:t>Learning objectives</a:t>
             </a:r>
           </a:p>
           <a:p>

--- a/clinical-research-methodology/modules/5510-99-objectives.pptx
+++ b/clinical-research-methodology/modules/5510-99-objectives.pptx
@@ -2640,6 +2640,20 @@
             </a:pPr>
             <a:r>
               <a:rPr/>
+              <a:t>Synopsis</a:t>
+            </a:r>
+          </a:p>
+          <a:p>
+            <a:pPr lvl="0" marL="0" indent="0">
+              <a:buNone/>
+            </a:pPr>
+          </a:p>
+          <a:p>
+            <a:pPr lvl="0" marL="0" indent="0">
+              <a:buNone/>
+            </a:pPr>
+            <a:r>
+              <a:rPr/>
               <a:t>There</a:t>
             </a:r>
             <a:r>
@@ -3010,6 +3024,20 @@
             </a:pPr>
             <a:r>
               <a:rPr/>
+              <a:t>Synopsis</a:t>
+            </a:r>
+          </a:p>
+          <a:p>
+            <a:pPr lvl="0" marL="0" indent="0">
+              <a:buNone/>
+            </a:pPr>
+          </a:p>
+          <a:p>
+            <a:pPr lvl="0" marL="0" indent="0">
+              <a:buNone/>
+            </a:pPr>
+            <a:r>
+              <a:rPr/>
               <a:t>Data</a:t>
             </a:r>
             <a:r>
@@ -3236,6 +3264,20 @@
             </a:pPr>
             <a:r>
               <a:rPr/>
+              <a:t>Synopsis</a:t>
+            </a:r>
+          </a:p>
+          <a:p>
+            <a:pPr lvl="0" marL="0" indent="0">
+              <a:buNone/>
+            </a:pPr>
+          </a:p>
+          <a:p>
+            <a:pPr lvl="0" marL="0" indent="0">
+              <a:buNone/>
+            </a:pPr>
+            <a:r>
+              <a:rPr/>
               <a:t>If</a:t>
             </a:r>
             <a:r>
@@ -3606,6 +3648,20 @@
             </a:pPr>
             <a:r>
               <a:rPr/>
+              <a:t>Synopsis</a:t>
+            </a:r>
+          </a:p>
+          <a:p>
+            <a:pPr lvl="0" marL="0" indent="0">
+              <a:buNone/>
+            </a:pPr>
+          </a:p>
+          <a:p>
+            <a:pPr lvl="0" marL="0" indent="0">
+              <a:buNone/>
+            </a:pPr>
+            <a:r>
+              <a:rPr/>
               <a:t>You</a:t>
             </a:r>
             <a:r>
@@ -8010,6 +8066,20 @@
             </a:pPr>
             <a:r>
               <a:rPr/>
+              <a:t>Synopsis</a:t>
+            </a:r>
+          </a:p>
+          <a:p>
+            <a:pPr lvl="0" marL="0" indent="0">
+              <a:buNone/>
+            </a:pPr>
+          </a:p>
+          <a:p>
+            <a:pPr lvl="0" marL="0" indent="0">
+              <a:buNone/>
+            </a:pPr>
+            <a:r>
+              <a:rPr/>
               <a:t>Quasi-experimental</a:t>
             </a:r>
             <a:r>
@@ -8572,6 +8642,20 @@
             </a:pPr>
             <a:r>
               <a:rPr/>
+              <a:t>Synopsis</a:t>
+            </a:r>
+          </a:p>
+          <a:p>
+            <a:pPr lvl="0" marL="0" indent="0">
+              <a:buNone/>
+            </a:pPr>
+          </a:p>
+          <a:p>
+            <a:pPr lvl="0" marL="0" indent="0">
+              <a:buNone/>
+            </a:pPr>
+            <a:r>
+              <a:rPr/>
               <a:t>Observational</a:t>
             </a:r>
             <a:r>
@@ -9556,6 +9640,20 @@
             </a:pPr>
             <a:r>
               <a:rPr/>
+              <a:t>Synopsis</a:t>
+            </a:r>
+          </a:p>
+          <a:p>
+            <a:pPr lvl="0" marL="0" indent="0">
+              <a:buNone/>
+            </a:pPr>
+          </a:p>
+          <a:p>
+            <a:pPr lvl="0" marL="0" indent="0">
+              <a:buNone/>
+            </a:pPr>
+            <a:r>
+              <a:rPr/>
               <a:t>This</a:t>
             </a:r>
             <a:r>
@@ -9838,6 +9936,20 @@
             </a:pPr>
             <a:r>
               <a:rPr/>
+              <a:t>Synopsis</a:t>
+            </a:r>
+          </a:p>
+          <a:p>
+            <a:pPr lvl="0" marL="0" indent="0">
+              <a:buNone/>
+            </a:pPr>
+          </a:p>
+          <a:p>
+            <a:pPr lvl="0" marL="0" indent="0">
+              <a:buNone/>
+            </a:pPr>
+            <a:r>
+              <a:rPr/>
               <a:t>Sampling</a:t>
             </a:r>
             <a:r>
@@ -10242,6 +10354,20 @@
         <p:txBody>
           <a:bodyPr/>
           <a:lstStyle/>
+          <a:p>
+            <a:pPr lvl="0" marL="0" indent="0">
+              <a:buNone/>
+            </a:pPr>
+            <a:r>
+              <a:rPr/>
+              <a:t>Synopsis</a:t>
+            </a:r>
+          </a:p>
+          <a:p>
+            <a:pPr lvl="0" marL="0" indent="0">
+              <a:buNone/>
+            </a:pPr>
+          </a:p>
           <a:p>
             <a:pPr lvl="0" marL="0" indent="0">
               <a:buNone/>
@@ -13729,7 +13855,31 @@
             </a:pPr>
             <a:r>
               <a:rPr/>
-              <a:t>Module09</a:t>
+              <a:t>Module09,</a:t>
+            </a:r>
+            <a:r>
+              <a:rPr/>
+              <a:t> </a:t>
+            </a:r>
+            <a:r>
+              <a:rPr/>
+              <a:t>Validity</a:t>
+            </a:r>
+            <a:r>
+              <a:rPr/>
+              <a:t> </a:t>
+            </a:r>
+            <a:r>
+              <a:rPr/>
+              <a:t>and</a:t>
+            </a:r>
+            <a:r>
+              <a:rPr/>
+              <a:t> </a:t>
+            </a:r>
+            <a:r>
+              <a:rPr/>
+              <a:t>reliability</a:t>
             </a:r>
           </a:p>
         </p:txBody>
@@ -13757,7 +13907,7 @@
             </a:pPr>
             <a:r>
               <a:rPr b="1"/>
-              <a:t>Validity and reliability</a:t>
+              <a:t>Learning objectives</a:t>
             </a:r>
           </a:p>
           <a:p>
@@ -13827,7 +13977,23 @@
             </a:pPr>
             <a:r>
               <a:rPr/>
-              <a:t>Module10</a:t>
+              <a:t>Module10,</a:t>
+            </a:r>
+            <a:r>
+              <a:rPr/>
+              <a:t> </a:t>
+            </a:r>
+            <a:r>
+              <a:rPr/>
+              <a:t>Data</a:t>
+            </a:r>
+            <a:r>
+              <a:rPr/>
+              <a:t> </a:t>
+            </a:r>
+            <a:r>
+              <a:rPr/>
+              <a:t>collection</a:t>
             </a:r>
           </a:p>
         </p:txBody>
@@ -13855,7 +14021,7 @@
             </a:pPr>
             <a:r>
               <a:rPr b="1"/>
-              <a:t>Data collection</a:t>
+              <a:t>Learning objectives</a:t>
             </a:r>
           </a:p>
           <a:p>
@@ -13932,7 +14098,23 @@
             </a:pPr>
             <a:r>
               <a:rPr/>
-              <a:t>Module11</a:t>
+              <a:t>Module11,</a:t>
+            </a:r>
+            <a:r>
+              <a:rPr/>
+              <a:t> </a:t>
+            </a:r>
+            <a:r>
+              <a:rPr/>
+              <a:t>Data</a:t>
+            </a:r>
+            <a:r>
+              <a:rPr/>
+              <a:t> </a:t>
+            </a:r>
+            <a:r>
+              <a:rPr/>
+              <a:t>management</a:t>
             </a:r>
           </a:p>
         </p:txBody>
@@ -13960,7 +14142,7 @@
             </a:pPr>
             <a:r>
               <a:rPr b="1"/>
-              <a:t>Data management</a:t>
+              <a:t>Learning objectives</a:t>
             </a:r>
           </a:p>
           <a:p>
@@ -14037,7 +14219,23 @@
             </a:pPr>
             <a:r>
               <a:rPr/>
-              <a:t>Module12</a:t>
+              <a:t>Module12,</a:t>
+            </a:r>
+            <a:r>
+              <a:rPr/>
+              <a:t> </a:t>
+            </a:r>
+            <a:r>
+              <a:rPr/>
+              <a:t>Hypothesis</a:t>
+            </a:r>
+            <a:r>
+              <a:rPr/>
+              <a:t> </a:t>
+            </a:r>
+            <a:r>
+              <a:rPr/>
+              <a:t>testing</a:t>
             </a:r>
           </a:p>
         </p:txBody>
@@ -14065,7 +14263,7 @@
             </a:pPr>
             <a:r>
               <a:rPr b="1"/>
-              <a:t>Hypothesis testing</a:t>
+              <a:t>Learning objectives</a:t>
             </a:r>
           </a:p>
           <a:p>
@@ -14142,7 +14340,63 @@
             </a:pPr>
             <a:r>
               <a:rPr/>
-              <a:t>Module13</a:t>
+              <a:t>Module13,</a:t>
+            </a:r>
+            <a:r>
+              <a:rPr/>
+              <a:t> </a:t>
+            </a:r>
+            <a:r>
+              <a:rPr/>
+              <a:t>Statistical</a:t>
+            </a:r>
+            <a:r>
+              <a:rPr/>
+              <a:t> </a:t>
+            </a:r>
+            <a:r>
+              <a:rPr/>
+              <a:t>models</a:t>
+            </a:r>
+            <a:r>
+              <a:rPr/>
+              <a:t> </a:t>
+            </a:r>
+            <a:r>
+              <a:rPr/>
+              <a:t>and</a:t>
+            </a:r>
+            <a:r>
+              <a:rPr/>
+              <a:t> </a:t>
+            </a:r>
+            <a:r>
+              <a:rPr/>
+              <a:t>writing</a:t>
+            </a:r>
+            <a:r>
+              <a:rPr/>
+              <a:t> </a:t>
+            </a:r>
+            <a:r>
+              <a:rPr/>
+              <a:t>a</a:t>
+            </a:r>
+            <a:r>
+              <a:rPr/>
+              <a:t> </a:t>
+            </a:r>
+            <a:r>
+              <a:rPr/>
+              <a:t>methods</a:t>
+            </a:r>
+            <a:r>
+              <a:rPr/>
+              <a:t> </a:t>
+            </a:r>
+            <a:r>
+              <a:rPr/>
+              <a:t>section</a:t>
             </a:r>
           </a:p>
         </p:txBody>
@@ -14170,7 +14424,7 @@
             </a:pPr>
             <a:r>
               <a:rPr b="1"/>
-              <a:t>Module13, Statistical models and writing a methods section</a:t>
+              <a:t>Learning objectives</a:t>
             </a:r>
           </a:p>
           <a:p>
@@ -14758,7 +15012,23 @@
             </a:pPr>
             <a:r>
               <a:rPr/>
-              <a:t>Module05</a:t>
+              <a:t>Module05,</a:t>
+            </a:r>
+            <a:r>
+              <a:rPr/>
+              <a:t> </a:t>
+            </a:r>
+            <a:r>
+              <a:rPr/>
+              <a:t>Quasi-experimental</a:t>
+            </a:r>
+            <a:r>
+              <a:rPr/>
+              <a:t> </a:t>
+            </a:r>
+            <a:r>
+              <a:rPr/>
+              <a:t>designs</a:t>
             </a:r>
           </a:p>
         </p:txBody>
@@ -14786,7 +15056,7 @@
             </a:pPr>
             <a:r>
               <a:rPr b="1"/>
-              <a:t>Quasi-experimental designs</a:t>
+              <a:t>Learning objectives</a:t>
             </a:r>
           </a:p>
           <a:p>
@@ -14856,7 +15126,23 @@
             </a:pPr>
             <a:r>
               <a:rPr/>
-              <a:t>Module06</a:t>
+              <a:t>Module06,</a:t>
+            </a:r>
+            <a:r>
+              <a:rPr/>
+              <a:t> </a:t>
+            </a:r>
+            <a:r>
+              <a:rPr/>
+              <a:t>Observational</a:t>
+            </a:r>
+            <a:r>
+              <a:rPr/>
+              <a:t> </a:t>
+            </a:r>
+            <a:r>
+              <a:rPr/>
+              <a:t>studies</a:t>
             </a:r>
           </a:p>
         </p:txBody>
@@ -14884,7 +15170,7 @@
             </a:pPr>
             <a:r>
               <a:rPr b="1"/>
-              <a:t>Observational studies</a:t>
+              <a:t>Learning objectives</a:t>
             </a:r>
           </a:p>
           <a:p>
@@ -14954,7 +15240,15 @@
             </a:pPr>
             <a:r>
               <a:rPr/>
-              <a:t>Module07</a:t>
+              <a:t>Module07,</a:t>
+            </a:r>
+            <a:r>
+              <a:rPr/>
+              <a:t> </a:t>
+            </a:r>
+            <a:r>
+              <a:rPr/>
+              <a:t>Review</a:t>
             </a:r>
           </a:p>
         </p:txBody>
@@ -14982,7 +15276,7 @@
             </a:pPr>
             <a:r>
               <a:rPr b="1"/>
-              <a:t>Review, Learning objectives</a:t>
+              <a:t>Learning objectives</a:t>
             </a:r>
           </a:p>
           <a:p>
@@ -15052,7 +15346,23 @@
             </a:pPr>
             <a:r>
               <a:rPr/>
-              <a:t>Module08</a:t>
+              <a:t>Module08,</a:t>
+            </a:r>
+            <a:r>
+              <a:rPr/>
+              <a:t> </a:t>
+            </a:r>
+            <a:r>
+              <a:rPr/>
+              <a:t>Sampling</a:t>
+            </a:r>
+            <a:r>
+              <a:rPr/>
+              <a:t> </a:t>
+            </a:r>
+            <a:r>
+              <a:rPr/>
+              <a:t>designs</a:t>
             </a:r>
           </a:p>
         </p:txBody>
@@ -15080,7 +15390,7 @@
             </a:pPr>
             <a:r>
               <a:rPr b="1"/>
-              <a:t>Sampling designs</a:t>
+              <a:t>Learning objectives</a:t>
             </a:r>
           </a:p>
           <a:p>
